--- a/Presentation.pptx
+++ b/Presentation.pptx
@@ -3848,6 +3848,110 @@
           </a:p>
         </p:txBody>
       </p:sp>
+      <p:sp>
+        <p:nvSpPr>
+          <p:cNvPr id="26" name="Rectangle 25">
+            <a:extLst>
+              <a:ext uri="{FF2B5EF4-FFF2-40B4-BE49-F238E27FC236}">
+                <a16:creationId xmlns:a16="http://schemas.microsoft.com/office/drawing/2014/main" id="{A6E42CD5-EA6C-0BB6-31B4-6CFE5C53913A}"/>
+              </a:ext>
+            </a:extLst>
+          </p:cNvPr>
+          <p:cNvSpPr/>
+          <p:nvPr/>
+        </p:nvSpPr>
+        <p:spPr>
+          <a:xfrm>
+            <a:off x="9867" y="0"/>
+            <a:ext cx="6084441" cy="861237"/>
+          </a:xfrm>
+          <a:prstGeom prst="rect">
+            <a:avLst/>
+          </a:prstGeom>
+          <a:solidFill>
+            <a:schemeClr val="bg1"/>
+          </a:solidFill>
+          <a:ln>
+            <a:noFill/>
+          </a:ln>
+        </p:spPr>
+        <p:style>
+          <a:lnRef idx="2">
+            <a:schemeClr val="accent1">
+              <a:shade val="50000"/>
+            </a:schemeClr>
+          </a:lnRef>
+          <a:fillRef idx="1">
+            <a:schemeClr val="accent1"/>
+          </a:fillRef>
+          <a:effectRef idx="0">
+            <a:schemeClr val="accent1"/>
+          </a:effectRef>
+          <a:fontRef idx="minor">
+            <a:schemeClr val="lt1"/>
+          </a:fontRef>
+        </p:style>
+        <p:txBody>
+          <a:bodyPr rtlCol="0" anchor="ctr"/>
+          <a:lstStyle/>
+          <a:p>
+            <a:pPr algn="ctr"/>
+            <a:endParaRPr lang="en-US"/>
+          </a:p>
+        </p:txBody>
+      </p:sp>
+      <p:sp>
+        <p:nvSpPr>
+          <p:cNvPr id="27" name="Rectangle 26">
+            <a:extLst>
+              <a:ext uri="{FF2B5EF4-FFF2-40B4-BE49-F238E27FC236}">
+                <a16:creationId xmlns:a16="http://schemas.microsoft.com/office/drawing/2014/main" id="{5F717B93-33ED-E25D-4898-5502DA73B577}"/>
+              </a:ext>
+            </a:extLst>
+          </p:cNvPr>
+          <p:cNvSpPr/>
+          <p:nvPr/>
+        </p:nvSpPr>
+        <p:spPr>
+          <a:xfrm>
+            <a:off x="0" y="5944367"/>
+            <a:ext cx="6084441" cy="861237"/>
+          </a:xfrm>
+          <a:prstGeom prst="rect">
+            <a:avLst/>
+          </a:prstGeom>
+          <a:solidFill>
+            <a:schemeClr val="bg1"/>
+          </a:solidFill>
+          <a:ln>
+            <a:noFill/>
+          </a:ln>
+        </p:spPr>
+        <p:style>
+          <a:lnRef idx="2">
+            <a:schemeClr val="accent1">
+              <a:shade val="50000"/>
+            </a:schemeClr>
+          </a:lnRef>
+          <a:fillRef idx="1">
+            <a:schemeClr val="accent1"/>
+          </a:fillRef>
+          <a:effectRef idx="0">
+            <a:schemeClr val="accent1"/>
+          </a:effectRef>
+          <a:fontRef idx="minor">
+            <a:schemeClr val="lt1"/>
+          </a:fontRef>
+        </p:style>
+        <p:txBody>
+          <a:bodyPr rtlCol="0" anchor="ctr"/>
+          <a:lstStyle/>
+          <a:p>
+            <a:pPr algn="ctr"/>
+            <a:endParaRPr lang="en-US"/>
+          </a:p>
+        </p:txBody>
+      </p:sp>
     </p:spTree>
     <p:extLst>
       <p:ext uri="{BB962C8B-B14F-4D97-AF65-F5344CB8AC3E}">
@@ -4192,25 +4296,54 @@
           <a:chExt cx="0" cy="0"/>
         </a:xfrm>
       </p:grpSpPr>
-      <p:sp>
-        <p:nvSpPr>
-          <p:cNvPr id="2" name="Title 1">
-            <a:extLst>
-              <a:ext uri="{FF2B5EF4-FFF2-40B4-BE49-F238E27FC236}">
-                <a16:creationId xmlns:a16="http://schemas.microsoft.com/office/drawing/2014/main" id="{DDD7BA73-BD2E-1785-F6C8-84423A382948}"/>
-              </a:ext>
-            </a:extLst>
-          </p:cNvPr>
-          <p:cNvSpPr>
-            <a:spLocks noGrp="1"/>
-          </p:cNvSpPr>
-          <p:nvPr>
-            <p:ph type="title"/>
-          </p:nvPr>
-        </p:nvSpPr>
+      <p:pic>
+        <p:nvPicPr>
+          <p:cNvPr id="32" name="Picture 31" descr="Chart, shape&#10;&#10;Description automatically generated">
+            <a:extLst>
+              <a:ext uri="{FF2B5EF4-FFF2-40B4-BE49-F238E27FC236}">
+                <a16:creationId xmlns:a16="http://schemas.microsoft.com/office/drawing/2014/main" id="{50851DE7-215E-AECE-4553-1F6E2C5E0ACE}"/>
+              </a:ext>
+            </a:extLst>
+          </p:cNvPr>
+          <p:cNvPicPr>
+            <a:picLocks noChangeAspect="1"/>
+          </p:cNvPicPr>
+          <p:nvPr/>
+        </p:nvPicPr>
+        <p:blipFill rotWithShape="1">
+          <a:blip r:embed="rId2"/>
+          <a:srcRect r="5647"/>
+          <a:stretch/>
+        </p:blipFill>
         <p:spPr>
           <a:xfrm>
-            <a:off x="838200" y="287389"/>
+            <a:off x="5789040" y="2244530"/>
+            <a:ext cx="6002467" cy="3930631"/>
+          </a:xfrm>
+          <a:prstGeom prst="rect">
+            <a:avLst/>
+          </a:prstGeom>
+        </p:spPr>
+      </p:pic>
+      <p:sp>
+        <p:nvSpPr>
+          <p:cNvPr id="2" name="Title 1">
+            <a:extLst>
+              <a:ext uri="{FF2B5EF4-FFF2-40B4-BE49-F238E27FC236}">
+                <a16:creationId xmlns:a16="http://schemas.microsoft.com/office/drawing/2014/main" id="{DDD7BA73-BD2E-1785-F6C8-84423A382948}"/>
+              </a:ext>
+            </a:extLst>
+          </p:cNvPr>
+          <p:cNvSpPr>
+            <a:spLocks noGrp="1"/>
+          </p:cNvSpPr>
+          <p:nvPr>
+            <p:ph type="title"/>
+          </p:nvPr>
+        </p:nvSpPr>
+        <p:spPr>
+          <a:xfrm>
+            <a:off x="838200" y="142967"/>
             <a:ext cx="10515600" cy="1325563"/>
           </a:xfrm>
         </p:spPr>
@@ -4222,7 +4355,7 @@
           <a:p>
             <a:r>
               <a:rPr lang="en-US" sz="3600" dirty="0"/>
-              <a:t>How have the bees been doing? </a:t>
+              <a:t>How Have the Bees Been Doing? </a:t>
             </a:r>
           </a:p>
         </p:txBody>
@@ -4244,7 +4377,7 @@
           </p:nvPr>
         </p:nvPicPr>
         <p:blipFill>
-          <a:blip r:embed="rId2"/>
+          <a:blip r:embed="rId3"/>
           <a:stretch>
             <a:fillRect/>
           </a:stretch>
@@ -4661,51 +4794,21 @@
           </a:p>
         </p:txBody>
       </p:sp>
-      <p:pic>
-        <p:nvPicPr>
-          <p:cNvPr id="21" name="Picture 20" descr="Shape, rectangle&#10;&#10;Description automatically generated">
-            <a:extLst>
-              <a:ext uri="{FF2B5EF4-FFF2-40B4-BE49-F238E27FC236}">
-                <a16:creationId xmlns:a16="http://schemas.microsoft.com/office/drawing/2014/main" id="{B58E781E-1DE3-B516-9664-FD6994C7DB79}"/>
-              </a:ext>
-            </a:extLst>
-          </p:cNvPr>
-          <p:cNvPicPr>
-            <a:picLocks noChangeAspect="1"/>
-          </p:cNvPicPr>
+      <p:sp>
+        <p:nvSpPr>
+          <p:cNvPr id="25" name="TextBox 24">
+            <a:extLst>
+              <a:ext uri="{FF2B5EF4-FFF2-40B4-BE49-F238E27FC236}">
+                <a16:creationId xmlns:a16="http://schemas.microsoft.com/office/drawing/2014/main" id="{830B020C-6BDF-F9C4-21AE-7316D6288FAE}"/>
+              </a:ext>
+            </a:extLst>
+          </p:cNvPr>
+          <p:cNvSpPr txBox="1"/>
           <p:nvPr/>
-        </p:nvPicPr>
-        <p:blipFill>
-          <a:blip r:embed="rId3"/>
-          <a:stretch>
-            <a:fillRect/>
-          </a:stretch>
-        </p:blipFill>
+        </p:nvSpPr>
         <p:spPr>
           <a:xfrm>
-            <a:off x="5593858" y="2104123"/>
-            <a:ext cx="6062399" cy="4238994"/>
-          </a:xfrm>
-          <a:prstGeom prst="rect">
-            <a:avLst/>
-          </a:prstGeom>
-        </p:spPr>
-      </p:pic>
-      <p:sp>
-        <p:nvSpPr>
-          <p:cNvPr id="25" name="TextBox 24">
-            <a:extLst>
-              <a:ext uri="{FF2B5EF4-FFF2-40B4-BE49-F238E27FC236}">
-                <a16:creationId xmlns:a16="http://schemas.microsoft.com/office/drawing/2014/main" id="{830B020C-6BDF-F9C4-21AE-7316D6288FAE}"/>
-              </a:ext>
-            </a:extLst>
-          </p:cNvPr>
-          <p:cNvSpPr txBox="1"/>
-          <p:nvPr/>
-        </p:nvSpPr>
-        <p:spPr>
-          <a:xfrm>
-            <a:off x="7763287" y="3287482"/>
+            <a:off x="7953860" y="3341911"/>
             <a:ext cx="2471056" cy="646331"/>
           </a:xfrm>
           <a:prstGeom prst="rect">
@@ -4870,8 +4973,8 @@
         </p:nvGrpSpPr>
         <p:grpSpPr>
           <a:xfrm rot="1633719">
-            <a:off x="279400" y="1019126"/>
-            <a:ext cx="1117600" cy="1343124"/>
+            <a:off x="343846" y="1040492"/>
+            <a:ext cx="1219357" cy="1343124"/>
             <a:chOff x="330200" y="495300"/>
             <a:chExt cx="1117600" cy="1343124"/>
           </a:xfrm>
@@ -6277,6 +6380,85 @@
   <p:clrMapOvr>
     <a:masterClrMapping/>
   </p:clrMapOvr>
+  <p:timing>
+    <p:tnLst>
+      <p:par>
+        <p:cTn id="1" dur="indefinite" restart="never" nodeType="tmRoot">
+          <p:childTnLst>
+            <p:seq concurrent="1" nextAc="seek">
+              <p:cTn id="2" dur="indefinite" nodeType="mainSeq">
+                <p:childTnLst>
+                  <p:par>
+                    <p:cTn id="3" fill="hold">
+                      <p:stCondLst>
+                        <p:cond delay="indefinite"/>
+                      </p:stCondLst>
+                      <p:childTnLst>
+                        <p:par>
+                          <p:cTn id="4" fill="hold">
+                            <p:stCondLst>
+                              <p:cond delay="0"/>
+                            </p:stCondLst>
+                            <p:childTnLst>
+                              <p:par>
+                                <p:cTn id="5" presetID="9" presetClass="emph" presetSubtype="0" nodeType="clickEffect">
+                                  <p:stCondLst>
+                                    <p:cond delay="0"/>
+                                  </p:stCondLst>
+                                  <p:childTnLst>
+                                    <p:set>
+                                      <p:cBhvr>
+                                        <p:cTn id="6" dur="indefinite"/>
+                                        <p:tgtEl>
+                                          <p:spTgt spid="5"/>
+                                        </p:tgtEl>
+                                        <p:attrNameLst>
+                                          <p:attrName>style.opacity</p:attrName>
+                                        </p:attrNameLst>
+                                      </p:cBhvr>
+                                      <p:to>
+                                        <p:strVal val="0.5"/>
+                                      </p:to>
+                                    </p:set>
+                                    <p:animEffect filter="image" prLst="opacity: 0.5">
+                                      <p:cBhvr rctx="IE">
+                                        <p:cTn id="7" dur="indefinite"/>
+                                        <p:tgtEl>
+                                          <p:spTgt spid="5"/>
+                                        </p:tgtEl>
+                                      </p:cBhvr>
+                                    </p:animEffect>
+                                  </p:childTnLst>
+                                </p:cTn>
+                              </p:par>
+                            </p:childTnLst>
+                          </p:cTn>
+                        </p:par>
+                      </p:childTnLst>
+                    </p:cTn>
+                  </p:par>
+                </p:childTnLst>
+              </p:cTn>
+              <p:prevCondLst>
+                <p:cond evt="onPrev" delay="0">
+                  <p:tgtEl>
+                    <p:sldTgt/>
+                  </p:tgtEl>
+                </p:cond>
+              </p:prevCondLst>
+              <p:nextCondLst>
+                <p:cond evt="onNext" delay="0">
+                  <p:tgtEl>
+                    <p:sldTgt/>
+                  </p:tgtEl>
+                </p:cond>
+              </p:nextCondLst>
+            </p:seq>
+          </p:childTnLst>
+        </p:cTn>
+      </p:par>
+    </p:tnLst>
+  </p:timing>
 </p:sld>
 </file>
 

--- a/Presentation.pptx
+++ b/Presentation.pptx
@@ -4,19 +4,25 @@
   <p:sldMasterIdLst>
     <p:sldMasterId id="2147483648" r:id="rId1"/>
   </p:sldMasterIdLst>
+  <p:notesMasterIdLst>
+    <p:notesMasterId r:id="rId17"/>
+  </p:notesMasterIdLst>
   <p:sldIdLst>
     <p:sldId id="256" r:id="rId2"/>
-    <p:sldId id="266" r:id="rId3"/>
-    <p:sldId id="265" r:id="rId4"/>
-    <p:sldId id="267" r:id="rId5"/>
-    <p:sldId id="257" r:id="rId6"/>
-    <p:sldId id="258" r:id="rId7"/>
-    <p:sldId id="259" r:id="rId8"/>
-    <p:sldId id="260" r:id="rId9"/>
-    <p:sldId id="261" r:id="rId10"/>
-    <p:sldId id="262" r:id="rId11"/>
-    <p:sldId id="263" r:id="rId12"/>
-    <p:sldId id="264" r:id="rId13"/>
+    <p:sldId id="269" r:id="rId3"/>
+    <p:sldId id="268" r:id="rId4"/>
+    <p:sldId id="270" r:id="rId5"/>
+    <p:sldId id="266" r:id="rId6"/>
+    <p:sldId id="265" r:id="rId7"/>
+    <p:sldId id="267" r:id="rId8"/>
+    <p:sldId id="257" r:id="rId9"/>
+    <p:sldId id="258" r:id="rId10"/>
+    <p:sldId id="259" r:id="rId11"/>
+    <p:sldId id="260" r:id="rId12"/>
+    <p:sldId id="261" r:id="rId13"/>
+    <p:sldId id="262" r:id="rId14"/>
+    <p:sldId id="263" r:id="rId15"/>
+    <p:sldId id="264" r:id="rId16"/>
   </p:sldIdLst>
   <p:sldSz cx="12192000" cy="6858000"/>
   <p:notesSz cx="6858000" cy="9144000"/>
@@ -121,6 +127,693 @@
     </p:ext>
   </p:extLst>
 </p:presentation>
+</file>
+
+<file path=ppt/notesMasters/notesMaster1.xml><?xml version="1.0" encoding="utf-8"?>
+<p:notesMaster xmlns:a="http://schemas.openxmlformats.org/drawingml/2006/main" xmlns:r="http://schemas.openxmlformats.org/officeDocument/2006/relationships" xmlns:p="http://schemas.openxmlformats.org/presentationml/2006/main">
+  <p:cSld>
+    <p:bg>
+      <p:bgRef idx="1001">
+        <a:schemeClr val="bg1"/>
+      </p:bgRef>
+    </p:bg>
+    <p:spTree>
+      <p:nvGrpSpPr>
+        <p:cNvPr id="1" name=""/>
+        <p:cNvGrpSpPr/>
+        <p:nvPr/>
+      </p:nvGrpSpPr>
+      <p:grpSpPr>
+        <a:xfrm>
+          <a:off x="0" y="0"/>
+          <a:ext cx="0" cy="0"/>
+          <a:chOff x="0" y="0"/>
+          <a:chExt cx="0" cy="0"/>
+        </a:xfrm>
+      </p:grpSpPr>
+      <p:sp>
+        <p:nvSpPr>
+          <p:cNvPr id="2" name="Header Placeholder 1"/>
+          <p:cNvSpPr>
+            <a:spLocks noGrp="1"/>
+          </p:cNvSpPr>
+          <p:nvPr>
+            <p:ph type="hdr" sz="quarter"/>
+          </p:nvPr>
+        </p:nvSpPr>
+        <p:spPr>
+          <a:xfrm>
+            <a:off x="0" y="0"/>
+            <a:ext cx="2971800" cy="458788"/>
+          </a:xfrm>
+          <a:prstGeom prst="rect">
+            <a:avLst/>
+          </a:prstGeom>
+        </p:spPr>
+        <p:txBody>
+          <a:bodyPr vert="horz" lIns="91440" tIns="45720" rIns="91440" bIns="45720" rtlCol="0"/>
+          <a:lstStyle>
+            <a:lvl1pPr algn="l">
+              <a:defRPr sz="1200"/>
+            </a:lvl1pPr>
+          </a:lstStyle>
+          <a:p>
+            <a:endParaRPr lang="en-US"/>
+          </a:p>
+        </p:txBody>
+      </p:sp>
+      <p:sp>
+        <p:nvSpPr>
+          <p:cNvPr id="3" name="Date Placeholder 2"/>
+          <p:cNvSpPr>
+            <a:spLocks noGrp="1"/>
+          </p:cNvSpPr>
+          <p:nvPr>
+            <p:ph type="dt" idx="1"/>
+          </p:nvPr>
+        </p:nvSpPr>
+        <p:spPr>
+          <a:xfrm>
+            <a:off x="3884613" y="0"/>
+            <a:ext cx="2971800" cy="458788"/>
+          </a:xfrm>
+          <a:prstGeom prst="rect">
+            <a:avLst/>
+          </a:prstGeom>
+        </p:spPr>
+        <p:txBody>
+          <a:bodyPr vert="horz" lIns="91440" tIns="45720" rIns="91440" bIns="45720" rtlCol="0"/>
+          <a:lstStyle>
+            <a:lvl1pPr algn="r">
+              <a:defRPr sz="1200"/>
+            </a:lvl1pPr>
+          </a:lstStyle>
+          <a:p>
+            <a:fld id="{1574FAEF-15EA-D84F-99F8-A275331F2E43}" type="datetimeFigureOut">
+              <a:rPr lang="en-US" smtClean="0"/>
+              <a:t>5/9/22</a:t>
+            </a:fld>
+            <a:endParaRPr lang="en-US"/>
+          </a:p>
+        </p:txBody>
+      </p:sp>
+      <p:sp>
+        <p:nvSpPr>
+          <p:cNvPr id="4" name="Slide Image Placeholder 3"/>
+          <p:cNvSpPr>
+            <a:spLocks noGrp="1" noRot="1" noChangeAspect="1"/>
+          </p:cNvSpPr>
+          <p:nvPr>
+            <p:ph type="sldImg" idx="2"/>
+          </p:nvPr>
+        </p:nvSpPr>
+        <p:spPr>
+          <a:xfrm>
+            <a:off x="685800" y="1143000"/>
+            <a:ext cx="5486400" cy="3086100"/>
+          </a:xfrm>
+          <a:prstGeom prst="rect">
+            <a:avLst/>
+          </a:prstGeom>
+          <a:noFill/>
+          <a:ln w="12700">
+            <a:solidFill>
+              <a:prstClr val="black"/>
+            </a:solidFill>
+          </a:ln>
+        </p:spPr>
+        <p:txBody>
+          <a:bodyPr vert="horz" lIns="91440" tIns="45720" rIns="91440" bIns="45720" rtlCol="0" anchor="ctr"/>
+          <a:lstStyle/>
+          <a:p>
+            <a:endParaRPr lang="en-US"/>
+          </a:p>
+        </p:txBody>
+      </p:sp>
+      <p:sp>
+        <p:nvSpPr>
+          <p:cNvPr id="5" name="Notes Placeholder 4"/>
+          <p:cNvSpPr>
+            <a:spLocks noGrp="1"/>
+          </p:cNvSpPr>
+          <p:nvPr>
+            <p:ph type="body" sz="quarter" idx="3"/>
+          </p:nvPr>
+        </p:nvSpPr>
+        <p:spPr>
+          <a:xfrm>
+            <a:off x="685800" y="4400550"/>
+            <a:ext cx="5486400" cy="3600450"/>
+          </a:xfrm>
+          <a:prstGeom prst="rect">
+            <a:avLst/>
+          </a:prstGeom>
+        </p:spPr>
+        <p:txBody>
+          <a:bodyPr vert="horz" lIns="91440" tIns="45720" rIns="91440" bIns="45720" rtlCol="0"/>
+          <a:lstStyle/>
+          <a:p>
+            <a:pPr lvl="0"/>
+            <a:r>
+              <a:rPr lang="en-US"/>
+              <a:t>Click to edit Master text styles</a:t>
+            </a:r>
+          </a:p>
+          <a:p>
+            <a:pPr lvl="1"/>
+            <a:r>
+              <a:rPr lang="en-US"/>
+              <a:t>Second level</a:t>
+            </a:r>
+          </a:p>
+          <a:p>
+            <a:pPr lvl="2"/>
+            <a:r>
+              <a:rPr lang="en-US"/>
+              <a:t>Third level</a:t>
+            </a:r>
+          </a:p>
+          <a:p>
+            <a:pPr lvl="3"/>
+            <a:r>
+              <a:rPr lang="en-US"/>
+              <a:t>Fourth level</a:t>
+            </a:r>
+          </a:p>
+          <a:p>
+            <a:pPr lvl="4"/>
+            <a:r>
+              <a:rPr lang="en-US"/>
+              <a:t>Fifth level</a:t>
+            </a:r>
+          </a:p>
+        </p:txBody>
+      </p:sp>
+      <p:sp>
+        <p:nvSpPr>
+          <p:cNvPr id="6" name="Footer Placeholder 5"/>
+          <p:cNvSpPr>
+            <a:spLocks noGrp="1"/>
+          </p:cNvSpPr>
+          <p:nvPr>
+            <p:ph type="ftr" sz="quarter" idx="4"/>
+          </p:nvPr>
+        </p:nvSpPr>
+        <p:spPr>
+          <a:xfrm>
+            <a:off x="0" y="8685213"/>
+            <a:ext cx="2971800" cy="458787"/>
+          </a:xfrm>
+          <a:prstGeom prst="rect">
+            <a:avLst/>
+          </a:prstGeom>
+        </p:spPr>
+        <p:txBody>
+          <a:bodyPr vert="horz" lIns="91440" tIns="45720" rIns="91440" bIns="45720" rtlCol="0" anchor="b"/>
+          <a:lstStyle>
+            <a:lvl1pPr algn="l">
+              <a:defRPr sz="1200"/>
+            </a:lvl1pPr>
+          </a:lstStyle>
+          <a:p>
+            <a:endParaRPr lang="en-US"/>
+          </a:p>
+        </p:txBody>
+      </p:sp>
+      <p:sp>
+        <p:nvSpPr>
+          <p:cNvPr id="7" name="Slide Number Placeholder 6"/>
+          <p:cNvSpPr>
+            <a:spLocks noGrp="1"/>
+          </p:cNvSpPr>
+          <p:nvPr>
+            <p:ph type="sldNum" sz="quarter" idx="5"/>
+          </p:nvPr>
+        </p:nvSpPr>
+        <p:spPr>
+          <a:xfrm>
+            <a:off x="3884613" y="8685213"/>
+            <a:ext cx="2971800" cy="458787"/>
+          </a:xfrm>
+          <a:prstGeom prst="rect">
+            <a:avLst/>
+          </a:prstGeom>
+        </p:spPr>
+        <p:txBody>
+          <a:bodyPr vert="horz" lIns="91440" tIns="45720" rIns="91440" bIns="45720" rtlCol="0" anchor="b"/>
+          <a:lstStyle>
+            <a:lvl1pPr algn="r">
+              <a:defRPr sz="1200"/>
+            </a:lvl1pPr>
+          </a:lstStyle>
+          <a:p>
+            <a:fld id="{1B339FDB-30BB-B440-BDBE-EE9C4287CDD1}" type="slidenum">
+              <a:rPr lang="en-US" smtClean="0"/>
+              <a:t>‹#›</a:t>
+            </a:fld>
+            <a:endParaRPr lang="en-US"/>
+          </a:p>
+        </p:txBody>
+      </p:sp>
+    </p:spTree>
+    <p:extLst>
+      <p:ext uri="{BB962C8B-B14F-4D97-AF65-F5344CB8AC3E}">
+        <p14:creationId xmlns:p14="http://schemas.microsoft.com/office/powerpoint/2010/main" val="1349857840"/>
+      </p:ext>
+    </p:extLst>
+  </p:cSld>
+  <p:clrMap bg1="lt1" tx1="dk1" bg2="lt2" tx2="dk2" accent1="accent1" accent2="accent2" accent3="accent3" accent4="accent4" accent5="accent5" accent6="accent6" hlink="hlink" folHlink="folHlink"/>
+  <p:notesStyle>
+    <a:lvl1pPr marL="0" algn="l" defTabSz="914400" rtl="0" eaLnBrk="1" latinLnBrk="0" hangingPunct="1">
+      <a:defRPr sz="1200" kern="1200">
+        <a:solidFill>
+          <a:schemeClr val="tx1"/>
+        </a:solidFill>
+        <a:latin typeface="+mn-lt"/>
+        <a:ea typeface="+mn-ea"/>
+        <a:cs typeface="+mn-cs"/>
+      </a:defRPr>
+    </a:lvl1pPr>
+    <a:lvl2pPr marL="457200" algn="l" defTabSz="914400" rtl="0" eaLnBrk="1" latinLnBrk="0" hangingPunct="1">
+      <a:defRPr sz="1200" kern="1200">
+        <a:solidFill>
+          <a:schemeClr val="tx1"/>
+        </a:solidFill>
+        <a:latin typeface="+mn-lt"/>
+        <a:ea typeface="+mn-ea"/>
+        <a:cs typeface="+mn-cs"/>
+      </a:defRPr>
+    </a:lvl2pPr>
+    <a:lvl3pPr marL="914400" algn="l" defTabSz="914400" rtl="0" eaLnBrk="1" latinLnBrk="0" hangingPunct="1">
+      <a:defRPr sz="1200" kern="1200">
+        <a:solidFill>
+          <a:schemeClr val="tx1"/>
+        </a:solidFill>
+        <a:latin typeface="+mn-lt"/>
+        <a:ea typeface="+mn-ea"/>
+        <a:cs typeface="+mn-cs"/>
+      </a:defRPr>
+    </a:lvl3pPr>
+    <a:lvl4pPr marL="1371600" algn="l" defTabSz="914400" rtl="0" eaLnBrk="1" latinLnBrk="0" hangingPunct="1">
+      <a:defRPr sz="1200" kern="1200">
+        <a:solidFill>
+          <a:schemeClr val="tx1"/>
+        </a:solidFill>
+        <a:latin typeface="+mn-lt"/>
+        <a:ea typeface="+mn-ea"/>
+        <a:cs typeface="+mn-cs"/>
+      </a:defRPr>
+    </a:lvl4pPr>
+    <a:lvl5pPr marL="1828800" algn="l" defTabSz="914400" rtl="0" eaLnBrk="1" latinLnBrk="0" hangingPunct="1">
+      <a:defRPr sz="1200" kern="1200">
+        <a:solidFill>
+          <a:schemeClr val="tx1"/>
+        </a:solidFill>
+        <a:latin typeface="+mn-lt"/>
+        <a:ea typeface="+mn-ea"/>
+        <a:cs typeface="+mn-cs"/>
+      </a:defRPr>
+    </a:lvl5pPr>
+    <a:lvl6pPr marL="2286000" algn="l" defTabSz="914400" rtl="0" eaLnBrk="1" latinLnBrk="0" hangingPunct="1">
+      <a:defRPr sz="1200" kern="1200">
+        <a:solidFill>
+          <a:schemeClr val="tx1"/>
+        </a:solidFill>
+        <a:latin typeface="+mn-lt"/>
+        <a:ea typeface="+mn-ea"/>
+        <a:cs typeface="+mn-cs"/>
+      </a:defRPr>
+    </a:lvl6pPr>
+    <a:lvl7pPr marL="2743200" algn="l" defTabSz="914400" rtl="0" eaLnBrk="1" latinLnBrk="0" hangingPunct="1">
+      <a:defRPr sz="1200" kern="1200">
+        <a:solidFill>
+          <a:schemeClr val="tx1"/>
+        </a:solidFill>
+        <a:latin typeface="+mn-lt"/>
+        <a:ea typeface="+mn-ea"/>
+        <a:cs typeface="+mn-cs"/>
+      </a:defRPr>
+    </a:lvl7pPr>
+    <a:lvl8pPr marL="3200400" algn="l" defTabSz="914400" rtl="0" eaLnBrk="1" latinLnBrk="0" hangingPunct="1">
+      <a:defRPr sz="1200" kern="1200">
+        <a:solidFill>
+          <a:schemeClr val="tx1"/>
+        </a:solidFill>
+        <a:latin typeface="+mn-lt"/>
+        <a:ea typeface="+mn-ea"/>
+        <a:cs typeface="+mn-cs"/>
+      </a:defRPr>
+    </a:lvl8pPr>
+    <a:lvl9pPr marL="3657600" algn="l" defTabSz="914400" rtl="0" eaLnBrk="1" latinLnBrk="0" hangingPunct="1">
+      <a:defRPr sz="1200" kern="1200">
+        <a:solidFill>
+          <a:schemeClr val="tx1"/>
+        </a:solidFill>
+        <a:latin typeface="+mn-lt"/>
+        <a:ea typeface="+mn-ea"/>
+        <a:cs typeface="+mn-cs"/>
+      </a:defRPr>
+    </a:lvl9pPr>
+  </p:notesStyle>
+</p:notesMaster>
+</file>
+
+<file path=ppt/notesSlides/notesSlide1.xml><?xml version="1.0" encoding="utf-8"?>
+<p:notes xmlns:a="http://schemas.openxmlformats.org/drawingml/2006/main" xmlns:r="http://schemas.openxmlformats.org/officeDocument/2006/relationships" xmlns:p="http://schemas.openxmlformats.org/presentationml/2006/main">
+  <p:cSld>
+    <p:spTree>
+      <p:nvGrpSpPr>
+        <p:cNvPr id="1" name=""/>
+        <p:cNvGrpSpPr/>
+        <p:nvPr/>
+      </p:nvGrpSpPr>
+      <p:grpSpPr>
+        <a:xfrm>
+          <a:off x="0" y="0"/>
+          <a:ext cx="0" cy="0"/>
+          <a:chOff x="0" y="0"/>
+          <a:chExt cx="0" cy="0"/>
+        </a:xfrm>
+      </p:grpSpPr>
+      <p:sp>
+        <p:nvSpPr>
+          <p:cNvPr id="2" name="Slide Image Placeholder 1"/>
+          <p:cNvSpPr>
+            <a:spLocks noGrp="1" noRot="1" noChangeAspect="1"/>
+          </p:cNvSpPr>
+          <p:nvPr>
+            <p:ph type="sldImg"/>
+          </p:nvPr>
+        </p:nvSpPr>
+        <p:spPr/>
+      </p:sp>
+      <p:sp>
+        <p:nvSpPr>
+          <p:cNvPr id="3" name="Notes Placeholder 2"/>
+          <p:cNvSpPr>
+            <a:spLocks noGrp="1"/>
+          </p:cNvSpPr>
+          <p:nvPr>
+            <p:ph type="body" idx="1"/>
+          </p:nvPr>
+        </p:nvSpPr>
+        <p:spPr/>
+        <p:txBody>
+          <a:bodyPr/>
+          <a:lstStyle/>
+          <a:p>
+            <a:r>
+              <a:rPr lang="en-US" dirty="0"/>
+              <a:t>Sources: </a:t>
+            </a:r>
+          </a:p>
+          <a:p>
+            <a:r>
+              <a:rPr lang="en-US" dirty="0"/>
+              <a:t>https://</a:t>
+            </a:r>
+            <a:r>
+              <a:rPr lang="en-US" dirty="0" err="1"/>
+              <a:t>www.ars.usda.gov</a:t>
+            </a:r>
+            <a:r>
+              <a:rPr lang="en-US" dirty="0"/>
+              <a:t>/</a:t>
+            </a:r>
+            <a:r>
+              <a:rPr lang="en-US" dirty="0" err="1"/>
+              <a:t>oc</a:t>
+            </a:r>
+            <a:r>
+              <a:rPr lang="en-US" dirty="0"/>
+              <a:t>/</a:t>
+            </a:r>
+            <a:r>
+              <a:rPr lang="en-US" dirty="0" err="1"/>
+              <a:t>br</a:t>
+            </a:r>
+            <a:r>
+              <a:rPr lang="en-US" dirty="0"/>
+              <a:t>/</a:t>
+            </a:r>
+            <a:r>
+              <a:rPr lang="en-US" dirty="0" err="1"/>
+              <a:t>ccd</a:t>
+            </a:r>
+            <a:r>
+              <a:rPr lang="en-US" dirty="0"/>
+              <a:t>/index/#history</a:t>
+            </a:r>
+          </a:p>
+          <a:p>
+            <a:r>
+              <a:rPr lang="en-US" dirty="0"/>
+              <a:t>https://</a:t>
+            </a:r>
+            <a:r>
+              <a:rPr lang="en-US" dirty="0" err="1"/>
+              <a:t>www.intechopen.com</a:t>
+            </a:r>
+            <a:r>
+              <a:rPr lang="en-US" dirty="0"/>
+              <a:t>/chapters/50073</a:t>
+            </a:r>
+          </a:p>
+        </p:txBody>
+      </p:sp>
+      <p:sp>
+        <p:nvSpPr>
+          <p:cNvPr id="4" name="Slide Number Placeholder 3"/>
+          <p:cNvSpPr>
+            <a:spLocks noGrp="1"/>
+          </p:cNvSpPr>
+          <p:nvPr>
+            <p:ph type="sldNum" sz="quarter" idx="5"/>
+          </p:nvPr>
+        </p:nvSpPr>
+        <p:spPr/>
+        <p:txBody>
+          <a:bodyPr/>
+          <a:lstStyle/>
+          <a:p>
+            <a:fld id="{1B339FDB-30BB-B440-BDBE-EE9C4287CDD1}" type="slidenum">
+              <a:rPr lang="en-US" smtClean="0"/>
+              <a:t>2</a:t>
+            </a:fld>
+            <a:endParaRPr lang="en-US"/>
+          </a:p>
+        </p:txBody>
+      </p:sp>
+    </p:spTree>
+    <p:extLst>
+      <p:ext uri="{BB962C8B-B14F-4D97-AF65-F5344CB8AC3E}">
+        <p14:creationId xmlns:p14="http://schemas.microsoft.com/office/powerpoint/2010/main" val="3339411585"/>
+      </p:ext>
+    </p:extLst>
+  </p:cSld>
+  <p:clrMapOvr>
+    <a:masterClrMapping/>
+  </p:clrMapOvr>
+</p:notes>
+</file>
+
+<file path=ppt/notesSlides/notesSlide2.xml><?xml version="1.0" encoding="utf-8"?>
+<p:notes xmlns:a="http://schemas.openxmlformats.org/drawingml/2006/main" xmlns:r="http://schemas.openxmlformats.org/officeDocument/2006/relationships" xmlns:p="http://schemas.openxmlformats.org/presentationml/2006/main">
+  <p:cSld>
+    <p:spTree>
+      <p:nvGrpSpPr>
+        <p:cNvPr id="1" name=""/>
+        <p:cNvGrpSpPr/>
+        <p:nvPr/>
+      </p:nvGrpSpPr>
+      <p:grpSpPr>
+        <a:xfrm>
+          <a:off x="0" y="0"/>
+          <a:ext cx="0" cy="0"/>
+          <a:chOff x="0" y="0"/>
+          <a:chExt cx="0" cy="0"/>
+        </a:xfrm>
+      </p:grpSpPr>
+      <p:sp>
+        <p:nvSpPr>
+          <p:cNvPr id="2" name="Slide Image Placeholder 1"/>
+          <p:cNvSpPr>
+            <a:spLocks noGrp="1" noRot="1" noChangeAspect="1"/>
+          </p:cNvSpPr>
+          <p:nvPr>
+            <p:ph type="sldImg"/>
+          </p:nvPr>
+        </p:nvSpPr>
+        <p:spPr/>
+      </p:sp>
+      <p:sp>
+        <p:nvSpPr>
+          <p:cNvPr id="3" name="Notes Placeholder 2"/>
+          <p:cNvSpPr>
+            <a:spLocks noGrp="1"/>
+          </p:cNvSpPr>
+          <p:nvPr>
+            <p:ph type="body" idx="1"/>
+          </p:nvPr>
+        </p:nvSpPr>
+        <p:spPr/>
+        <p:txBody>
+          <a:bodyPr/>
+          <a:lstStyle/>
+          <a:p>
+            <a:r>
+              <a:rPr lang="en-US" dirty="0"/>
+              <a:t>Source: </a:t>
+            </a:r>
+          </a:p>
+          <a:p>
+            <a:r>
+              <a:rPr lang="en-US" dirty="0"/>
+              <a:t>https://</a:t>
+            </a:r>
+            <a:r>
+              <a:rPr lang="en-US" dirty="0" err="1"/>
+              <a:t>www.epa.gov</a:t>
+            </a:r>
+            <a:r>
+              <a:rPr lang="en-US" dirty="0"/>
+              <a:t>/pollinator-protection/colony-collapse-disorder#:~:text=Pesticide%20poisoning%20through%20exposure%20to,the%20habitat%20where%20bees%20forage.</a:t>
+            </a:r>
+          </a:p>
+          <a:p>
+            <a:endParaRPr lang="en-US" dirty="0"/>
+          </a:p>
+        </p:txBody>
+      </p:sp>
+      <p:sp>
+        <p:nvSpPr>
+          <p:cNvPr id="4" name="Slide Number Placeholder 3"/>
+          <p:cNvSpPr>
+            <a:spLocks noGrp="1"/>
+          </p:cNvSpPr>
+          <p:nvPr>
+            <p:ph type="sldNum" sz="quarter" idx="5"/>
+          </p:nvPr>
+        </p:nvSpPr>
+        <p:spPr/>
+        <p:txBody>
+          <a:bodyPr/>
+          <a:lstStyle/>
+          <a:p>
+            <a:fld id="{1B339FDB-30BB-B440-BDBE-EE9C4287CDD1}" type="slidenum">
+              <a:rPr lang="en-US" smtClean="0"/>
+              <a:t>3</a:t>
+            </a:fld>
+            <a:endParaRPr lang="en-US"/>
+          </a:p>
+        </p:txBody>
+      </p:sp>
+    </p:spTree>
+    <p:extLst>
+      <p:ext uri="{BB962C8B-B14F-4D97-AF65-F5344CB8AC3E}">
+        <p14:creationId xmlns:p14="http://schemas.microsoft.com/office/powerpoint/2010/main" val="1520947139"/>
+      </p:ext>
+    </p:extLst>
+  </p:cSld>
+  <p:clrMapOvr>
+    <a:masterClrMapping/>
+  </p:clrMapOvr>
+</p:notes>
+</file>
+
+<file path=ppt/notesSlides/notesSlide3.xml><?xml version="1.0" encoding="utf-8"?>
+<p:notes xmlns:a="http://schemas.openxmlformats.org/drawingml/2006/main" xmlns:r="http://schemas.openxmlformats.org/officeDocument/2006/relationships" xmlns:p="http://schemas.openxmlformats.org/presentationml/2006/main">
+  <p:cSld>
+    <p:spTree>
+      <p:nvGrpSpPr>
+        <p:cNvPr id="1" name=""/>
+        <p:cNvGrpSpPr/>
+        <p:nvPr/>
+      </p:nvGrpSpPr>
+      <p:grpSpPr>
+        <a:xfrm>
+          <a:off x="0" y="0"/>
+          <a:ext cx="0" cy="0"/>
+          <a:chOff x="0" y="0"/>
+          <a:chExt cx="0" cy="0"/>
+        </a:xfrm>
+      </p:grpSpPr>
+      <p:sp>
+        <p:nvSpPr>
+          <p:cNvPr id="2" name="Slide Image Placeholder 1"/>
+          <p:cNvSpPr>
+            <a:spLocks noGrp="1" noRot="1" noChangeAspect="1"/>
+          </p:cNvSpPr>
+          <p:nvPr>
+            <p:ph type="sldImg"/>
+          </p:nvPr>
+        </p:nvSpPr>
+        <p:spPr/>
+      </p:sp>
+      <p:sp>
+        <p:nvSpPr>
+          <p:cNvPr id="3" name="Notes Placeholder 2"/>
+          <p:cNvSpPr>
+            <a:spLocks noGrp="1"/>
+          </p:cNvSpPr>
+          <p:nvPr>
+            <p:ph type="body" idx="1"/>
+          </p:nvPr>
+        </p:nvSpPr>
+        <p:spPr/>
+        <p:txBody>
+          <a:bodyPr/>
+          <a:lstStyle/>
+          <a:p>
+            <a:r>
+              <a:rPr lang="en-US" dirty="0"/>
+              <a:t>Source: https://</a:t>
+            </a:r>
+            <a:r>
+              <a:rPr lang="en-US" dirty="0" err="1"/>
+              <a:t>www.washingtonpost.com</a:t>
+            </a:r>
+            <a:r>
+              <a:rPr lang="en-US"/>
+              <a:t>/news/wonk/wp/2015/07/23/call-off-the-bee-pocalypse-u-s-honeybee-colonies-hit-a-20-year-high/</a:t>
+            </a:r>
+          </a:p>
+        </p:txBody>
+      </p:sp>
+      <p:sp>
+        <p:nvSpPr>
+          <p:cNvPr id="4" name="Slide Number Placeholder 3"/>
+          <p:cNvSpPr>
+            <a:spLocks noGrp="1"/>
+          </p:cNvSpPr>
+          <p:nvPr>
+            <p:ph type="sldNum" sz="quarter" idx="5"/>
+          </p:nvPr>
+        </p:nvSpPr>
+        <p:spPr/>
+        <p:txBody>
+          <a:bodyPr/>
+          <a:lstStyle/>
+          <a:p>
+            <a:fld id="{1B339FDB-30BB-B440-BDBE-EE9C4287CDD1}" type="slidenum">
+              <a:rPr lang="en-US" smtClean="0"/>
+              <a:t>4</a:t>
+            </a:fld>
+            <a:endParaRPr lang="en-US"/>
+          </a:p>
+        </p:txBody>
+      </p:sp>
+    </p:spTree>
+    <p:extLst>
+      <p:ext uri="{BB962C8B-B14F-4D97-AF65-F5344CB8AC3E}">
+        <p14:creationId xmlns:p14="http://schemas.microsoft.com/office/powerpoint/2010/main" val="3807512076"/>
+      </p:ext>
+    </p:extLst>
+  </p:cSld>
+  <p:clrMapOvr>
+    <a:masterClrMapping/>
+  </p:clrMapOvr>
+</p:notes>
 </file>
 
 <file path=ppt/slideLayouts/slideLayout1.xml><?xml version="1.0" encoding="utf-8"?>
@@ -3408,123 +4101,255 @@
           </a:p>
         </p:txBody>
       </p:sp>
-      <p:pic>
-        <p:nvPicPr>
-          <p:cNvPr id="23" name="Picture 22" descr="A close up of a bee&#10;&#10;Description automatically generated">
-            <a:extLst>
-              <a:ext uri="{FF2B5EF4-FFF2-40B4-BE49-F238E27FC236}">
-                <a16:creationId xmlns:a16="http://schemas.microsoft.com/office/drawing/2014/main" id="{979238E5-E1F8-328C-30E3-829E7694D854}"/>
-              </a:ext>
-            </a:extLst>
-          </p:cNvPr>
-          <p:cNvPicPr>
-            <a:picLocks noChangeAspect="1"/>
-          </p:cNvPicPr>
+      <p:grpSp>
+        <p:nvGrpSpPr>
+          <p:cNvPr id="33" name="Group 32">
+            <a:extLst>
+              <a:ext uri="{FF2B5EF4-FFF2-40B4-BE49-F238E27FC236}">
+                <a16:creationId xmlns:a16="http://schemas.microsoft.com/office/drawing/2014/main" id="{AD34CBDF-F437-0ABC-1869-BB407A804B11}"/>
+              </a:ext>
+            </a:extLst>
+          </p:cNvPr>
+          <p:cNvGrpSpPr/>
           <p:nvPr/>
-        </p:nvPicPr>
-        <p:blipFill rotWithShape="1">
-          <a:blip r:embed="rId2"/>
-          <a:srcRect l="2414"/>
-          <a:stretch/>
-        </p:blipFill>
+        </p:nvGrpSpPr>
+        <p:grpSpPr>
+          <a:xfrm>
+            <a:off x="6084441" y="10"/>
+            <a:ext cx="6725765" cy="6843692"/>
+            <a:chOff x="6084441" y="10"/>
+            <a:chExt cx="6725765" cy="6843692"/>
+          </a:xfrm>
+        </p:grpSpPr>
+        <p:pic>
+          <p:nvPicPr>
+            <p:cNvPr id="21" name="Picture 20" descr="Background pattern&#10;&#10;Description automatically generated">
+              <a:extLst>
+                <a:ext uri="{FF2B5EF4-FFF2-40B4-BE49-F238E27FC236}">
+                  <a16:creationId xmlns:a16="http://schemas.microsoft.com/office/drawing/2014/main" id="{7A158038-95EA-49ED-924A-DF603A2F4121}"/>
+                </a:ext>
+              </a:extLst>
+            </p:cNvPr>
+            <p:cNvPicPr>
+              <a:picLocks noChangeAspect="1"/>
+            </p:cNvPicPr>
+            <p:nvPr/>
+          </p:nvPicPr>
+          <p:blipFill rotWithShape="1">
+            <a:blip r:embed="rId2">
+              <a:extLst>
+                <a:ext uri="{BEBA8EAE-BF5A-486C-A8C5-ECC9F3942E4B}">
+                  <a14:imgProps xmlns:a14="http://schemas.microsoft.com/office/drawing/2010/main">
+                    <a14:imgLayer r:embed="rId3">
+                      <a14:imgEffect>
+                        <a14:saturation sat="200000"/>
+                      </a14:imgEffect>
+                      <a14:imgEffect>
+                        <a14:brightnessContrast bright="20000" contrast="-40000"/>
+                      </a14:imgEffect>
+                    </a14:imgLayer>
+                  </a14:imgProps>
+                </a:ext>
+              </a:extLst>
+            </a:blip>
+            <a:srcRect t="7119" r="2" b="15643"/>
+            <a:stretch/>
+          </p:blipFill>
+          <p:spPr>
+            <a:xfrm>
+              <a:off x="6084441" y="3224822"/>
+              <a:ext cx="3467097" cy="3618880"/>
+            </a:xfrm>
+            <a:prstGeom prst="rect">
+              <a:avLst/>
+            </a:prstGeom>
+          </p:spPr>
+        </p:pic>
+        <p:pic>
+          <p:nvPicPr>
+            <p:cNvPr id="5" name="Picture 4" descr="Background pattern&#10;&#10;Description automatically generated">
+              <a:extLst>
+                <a:ext uri="{FF2B5EF4-FFF2-40B4-BE49-F238E27FC236}">
+                  <a16:creationId xmlns:a16="http://schemas.microsoft.com/office/drawing/2014/main" id="{A15A24DA-C34F-87CA-CB60-DC051AA220C5}"/>
+                </a:ext>
+              </a:extLst>
+            </p:cNvPr>
+            <p:cNvPicPr>
+              <a:picLocks noChangeAspect="1"/>
+            </p:cNvPicPr>
+            <p:nvPr/>
+          </p:nvPicPr>
+          <p:blipFill rotWithShape="1">
+            <a:blip r:embed="rId2">
+              <a:extLst>
+                <a:ext uri="{BEBA8EAE-BF5A-486C-A8C5-ECC9F3942E4B}">
+                  <a14:imgProps xmlns:a14="http://schemas.microsoft.com/office/drawing/2010/main">
+                    <a14:imgLayer r:embed="rId3">
+                      <a14:imgEffect>
+                        <a14:saturation sat="200000"/>
+                      </a14:imgEffect>
+                      <a14:imgEffect>
+                        <a14:brightnessContrast bright="20000" contrast="-40000"/>
+                      </a14:imgEffect>
+                    </a14:imgLayer>
+                  </a14:imgProps>
+                </a:ext>
+              </a:extLst>
+            </a:blip>
+            <a:srcRect t="7119" r="2" b="9633"/>
+            <a:stretch/>
+          </p:blipFill>
+          <p:spPr>
+            <a:xfrm>
+              <a:off x="6094308" y="14298"/>
+              <a:ext cx="3467097" cy="3900478"/>
+            </a:xfrm>
+            <a:prstGeom prst="rect">
+              <a:avLst/>
+            </a:prstGeom>
+          </p:spPr>
+        </p:pic>
+        <p:pic>
+          <p:nvPicPr>
+            <p:cNvPr id="17" name="Picture 16" descr="Background pattern&#10;&#10;Description automatically generated">
+              <a:extLst>
+                <a:ext uri="{FF2B5EF4-FFF2-40B4-BE49-F238E27FC236}">
+                  <a16:creationId xmlns:a16="http://schemas.microsoft.com/office/drawing/2014/main" id="{5D4DC1AB-DE24-DBA6-F5A2-4187ABC0406C}"/>
+                </a:ext>
+              </a:extLst>
+            </p:cNvPr>
+            <p:cNvPicPr>
+              <a:picLocks noChangeAspect="1"/>
+            </p:cNvPicPr>
+            <p:nvPr/>
+          </p:nvPicPr>
+          <p:blipFill rotWithShape="1">
+            <a:blip r:embed="rId2">
+              <a:extLst>
+                <a:ext uri="{BEBA8EAE-BF5A-486C-A8C5-ECC9F3942E4B}">
+                  <a14:imgProps xmlns:a14="http://schemas.microsoft.com/office/drawing/2010/main">
+                    <a14:imgLayer r:embed="rId3">
+                      <a14:imgEffect>
+                        <a14:saturation sat="200000"/>
+                      </a14:imgEffect>
+                      <a14:imgEffect>
+                        <a14:brightnessContrast bright="20000" contrast="-40000"/>
+                      </a14:imgEffect>
+                    </a14:imgLayer>
+                  </a14:imgProps>
+                </a:ext>
+              </a:extLst>
+            </a:blip>
+            <a:srcRect l="3261" t="7119" r="2" b="9633"/>
+            <a:stretch/>
+          </p:blipFill>
+          <p:spPr>
+            <a:xfrm>
+              <a:off x="9456166" y="10"/>
+              <a:ext cx="3354040" cy="3900478"/>
+            </a:xfrm>
+            <a:prstGeom prst="rect">
+              <a:avLst/>
+            </a:prstGeom>
+          </p:spPr>
+        </p:pic>
+        <p:pic>
+          <p:nvPicPr>
+            <p:cNvPr id="22" name="Picture 21" descr="Background pattern&#10;&#10;Description automatically generated">
+              <a:extLst>
+                <a:ext uri="{FF2B5EF4-FFF2-40B4-BE49-F238E27FC236}">
+                  <a16:creationId xmlns:a16="http://schemas.microsoft.com/office/drawing/2014/main" id="{9F717721-433C-0AE5-97A0-85A88E0C18F4}"/>
+                </a:ext>
+              </a:extLst>
+            </p:cNvPr>
+            <p:cNvPicPr>
+              <a:picLocks noChangeAspect="1"/>
+            </p:cNvPicPr>
+            <p:nvPr/>
+          </p:nvPicPr>
+          <p:blipFill rotWithShape="1">
+            <a:blip r:embed="rId2">
+              <a:extLst>
+                <a:ext uri="{BEBA8EAE-BF5A-486C-A8C5-ECC9F3942E4B}">
+                  <a14:imgProps xmlns:a14="http://schemas.microsoft.com/office/drawing/2010/main">
+                    <a14:imgLayer r:embed="rId3">
+                      <a14:imgEffect>
+                        <a14:saturation sat="200000"/>
+                      </a14:imgEffect>
+                      <a14:imgEffect>
+                        <a14:brightnessContrast bright="20000" contrast="-40000"/>
+                      </a14:imgEffect>
+                    </a14:imgLayer>
+                  </a14:imgProps>
+                </a:ext>
+              </a:extLst>
+            </a:blip>
+            <a:srcRect l="3261" t="7119" r="2" b="25531"/>
+            <a:stretch/>
+          </p:blipFill>
+          <p:spPr>
+            <a:xfrm>
+              <a:off x="9456166" y="3688090"/>
+              <a:ext cx="3354040" cy="3155612"/>
+            </a:xfrm>
+            <a:prstGeom prst="rect">
+              <a:avLst/>
+            </a:prstGeom>
+          </p:spPr>
+        </p:pic>
+      </p:grpSp>
+      <p:sp>
+        <p:nvSpPr>
+          <p:cNvPr id="26" name="Rectangle 25">
+            <a:extLst>
+              <a:ext uri="{FF2B5EF4-FFF2-40B4-BE49-F238E27FC236}">
+                <a16:creationId xmlns:a16="http://schemas.microsoft.com/office/drawing/2014/main" id="{A6E42CD5-EA6C-0BB6-31B4-6CFE5C53913A}"/>
+              </a:ext>
+            </a:extLst>
+          </p:cNvPr>
+          <p:cNvSpPr/>
+          <p:nvPr/>
+        </p:nvSpPr>
         <p:spPr>
           <a:xfrm>
-            <a:off x="14224" y="505276"/>
-            <a:ext cx="6153927" cy="5439091"/>
+            <a:off x="0" y="18282"/>
+            <a:ext cx="6107561" cy="6009624"/>
           </a:xfrm>
           <a:prstGeom prst="rect">
             <a:avLst/>
           </a:prstGeom>
+          <a:solidFill>
+            <a:schemeClr val="bg1"/>
+          </a:solidFill>
+          <a:ln>
+            <a:noFill/>
+          </a:ln>
         </p:spPr>
-      </p:pic>
-      <p:pic>
-        <p:nvPicPr>
-          <p:cNvPr id="21" name="Picture 20" descr="Background pattern&#10;&#10;Description automatically generated">
-            <a:extLst>
-              <a:ext uri="{FF2B5EF4-FFF2-40B4-BE49-F238E27FC236}">
-                <a16:creationId xmlns:a16="http://schemas.microsoft.com/office/drawing/2014/main" id="{7A158038-95EA-49ED-924A-DF603A2F4121}"/>
-              </a:ext>
-            </a:extLst>
-          </p:cNvPr>
-          <p:cNvPicPr>
-            <a:picLocks noChangeAspect="1"/>
-          </p:cNvPicPr>
-          <p:nvPr/>
-        </p:nvPicPr>
-        <p:blipFill rotWithShape="1">
-          <a:blip r:embed="rId3">
-            <a:extLst>
-              <a:ext uri="{BEBA8EAE-BF5A-486C-A8C5-ECC9F3942E4B}">
-                <a14:imgProps xmlns:a14="http://schemas.microsoft.com/office/drawing/2010/main">
-                  <a14:imgLayer r:embed="rId4">
-                    <a14:imgEffect>
-                      <a14:saturation sat="200000"/>
-                    </a14:imgEffect>
-                    <a14:imgEffect>
-                      <a14:brightnessContrast bright="20000" contrast="-40000"/>
-                    </a14:imgEffect>
-                  </a14:imgLayer>
-                </a14:imgProps>
-              </a:ext>
-            </a:extLst>
-          </a:blip>
-          <a:srcRect t="7119" r="2" b="15643"/>
-          <a:stretch/>
-        </p:blipFill>
-        <p:spPr>
-          <a:xfrm>
-            <a:off x="6084441" y="3224822"/>
-            <a:ext cx="3467097" cy="3618880"/>
-          </a:xfrm>
-          <a:prstGeom prst="rect">
-            <a:avLst/>
-          </a:prstGeom>
-        </p:spPr>
-      </p:pic>
-      <p:pic>
-        <p:nvPicPr>
-          <p:cNvPr id="5" name="Picture 4" descr="Background pattern&#10;&#10;Description automatically generated">
-            <a:extLst>
-              <a:ext uri="{FF2B5EF4-FFF2-40B4-BE49-F238E27FC236}">
-                <a16:creationId xmlns:a16="http://schemas.microsoft.com/office/drawing/2014/main" id="{A15A24DA-C34F-87CA-CB60-DC051AA220C5}"/>
-              </a:ext>
-            </a:extLst>
-          </p:cNvPr>
-          <p:cNvPicPr>
-            <a:picLocks noChangeAspect="1"/>
-          </p:cNvPicPr>
-          <p:nvPr/>
-        </p:nvPicPr>
-        <p:blipFill rotWithShape="1">
-          <a:blip r:embed="rId3">
-            <a:extLst>
-              <a:ext uri="{BEBA8EAE-BF5A-486C-A8C5-ECC9F3942E4B}">
-                <a14:imgProps xmlns:a14="http://schemas.microsoft.com/office/drawing/2010/main">
-                  <a14:imgLayer r:embed="rId4">
-                    <a14:imgEffect>
-                      <a14:saturation sat="200000"/>
-                    </a14:imgEffect>
-                    <a14:imgEffect>
-                      <a14:brightnessContrast bright="20000" contrast="-40000"/>
-                    </a14:imgEffect>
-                  </a14:imgLayer>
-                </a14:imgProps>
-              </a:ext>
-            </a:extLst>
-          </a:blip>
-          <a:srcRect t="7119" r="2" b="9633"/>
-          <a:stretch/>
-        </p:blipFill>
-        <p:spPr>
-          <a:xfrm>
-            <a:off x="6094308" y="14298"/>
-            <a:ext cx="3467097" cy="3900478"/>
-          </a:xfrm>
-          <a:prstGeom prst="rect">
-            <a:avLst/>
-          </a:prstGeom>
-        </p:spPr>
-      </p:pic>
+        <p:style>
+          <a:lnRef idx="2">
+            <a:schemeClr val="accent1">
+              <a:shade val="50000"/>
+            </a:schemeClr>
+          </a:lnRef>
+          <a:fillRef idx="1">
+            <a:schemeClr val="accent1"/>
+          </a:fillRef>
+          <a:effectRef idx="0">
+            <a:schemeClr val="accent1"/>
+          </a:effectRef>
+          <a:fontRef idx="minor">
+            <a:schemeClr val="lt1"/>
+          </a:fontRef>
+        </p:style>
+        <p:txBody>
+          <a:bodyPr rtlCol="0" anchor="ctr"/>
+          <a:lstStyle/>
+          <a:p>
+            <a:pPr algn="ctr"/>
+            <a:endParaRPr lang="en-US"/>
+          </a:p>
+        </p:txBody>
+      </p:sp>
       <p:sp>
         <p:nvSpPr>
           <p:cNvPr id="16" name="Rectangle 15">
@@ -3677,7 +4502,7 @@
         </p:nvSpPr>
         <p:spPr>
           <a:xfrm>
-            <a:off x="4336322" y="2845550"/>
+            <a:off x="4485380" y="2827828"/>
             <a:ext cx="3618284" cy="1345720"/>
           </a:xfrm>
           <a:noFill/>
@@ -3714,94 +4539,6 @@
           </a:p>
         </p:txBody>
       </p:sp>
-      <p:pic>
-        <p:nvPicPr>
-          <p:cNvPr id="17" name="Picture 16" descr="Background pattern&#10;&#10;Description automatically generated">
-            <a:extLst>
-              <a:ext uri="{FF2B5EF4-FFF2-40B4-BE49-F238E27FC236}">
-                <a16:creationId xmlns:a16="http://schemas.microsoft.com/office/drawing/2014/main" id="{5D4DC1AB-DE24-DBA6-F5A2-4187ABC0406C}"/>
-              </a:ext>
-            </a:extLst>
-          </p:cNvPr>
-          <p:cNvPicPr>
-            <a:picLocks noChangeAspect="1"/>
-          </p:cNvPicPr>
-          <p:nvPr/>
-        </p:nvPicPr>
-        <p:blipFill rotWithShape="1">
-          <a:blip r:embed="rId3">
-            <a:extLst>
-              <a:ext uri="{BEBA8EAE-BF5A-486C-A8C5-ECC9F3942E4B}">
-                <a14:imgProps xmlns:a14="http://schemas.microsoft.com/office/drawing/2010/main">
-                  <a14:imgLayer r:embed="rId4">
-                    <a14:imgEffect>
-                      <a14:saturation sat="200000"/>
-                    </a14:imgEffect>
-                    <a14:imgEffect>
-                      <a14:brightnessContrast bright="20000" contrast="-40000"/>
-                    </a14:imgEffect>
-                  </a14:imgLayer>
-                </a14:imgProps>
-              </a:ext>
-            </a:extLst>
-          </a:blip>
-          <a:srcRect l="3261" t="7119" r="2" b="9633"/>
-          <a:stretch/>
-        </p:blipFill>
-        <p:spPr>
-          <a:xfrm>
-            <a:off x="9456166" y="10"/>
-            <a:ext cx="3354040" cy="3900478"/>
-          </a:xfrm>
-          <a:prstGeom prst="rect">
-            <a:avLst/>
-          </a:prstGeom>
-        </p:spPr>
-      </p:pic>
-      <p:pic>
-        <p:nvPicPr>
-          <p:cNvPr id="22" name="Picture 21" descr="Background pattern&#10;&#10;Description automatically generated">
-            <a:extLst>
-              <a:ext uri="{FF2B5EF4-FFF2-40B4-BE49-F238E27FC236}">
-                <a16:creationId xmlns:a16="http://schemas.microsoft.com/office/drawing/2014/main" id="{9F717721-433C-0AE5-97A0-85A88E0C18F4}"/>
-              </a:ext>
-            </a:extLst>
-          </p:cNvPr>
-          <p:cNvPicPr>
-            <a:picLocks noChangeAspect="1"/>
-          </p:cNvPicPr>
-          <p:nvPr/>
-        </p:nvPicPr>
-        <p:blipFill rotWithShape="1">
-          <a:blip r:embed="rId3">
-            <a:extLst>
-              <a:ext uri="{BEBA8EAE-BF5A-486C-A8C5-ECC9F3942E4B}">
-                <a14:imgProps xmlns:a14="http://schemas.microsoft.com/office/drawing/2010/main">
-                  <a14:imgLayer r:embed="rId4">
-                    <a14:imgEffect>
-                      <a14:saturation sat="200000"/>
-                    </a14:imgEffect>
-                    <a14:imgEffect>
-                      <a14:brightnessContrast bright="20000" contrast="-40000"/>
-                    </a14:imgEffect>
-                  </a14:imgLayer>
-                </a14:imgProps>
-              </a:ext>
-            </a:extLst>
-          </a:blip>
-          <a:srcRect l="3261" t="7119" r="2" b="25531"/>
-          <a:stretch/>
-        </p:blipFill>
-        <p:spPr>
-          <a:xfrm>
-            <a:off x="9456166" y="3688090"/>
-            <a:ext cx="3354040" cy="3155612"/>
-          </a:xfrm>
-          <a:prstGeom prst="rect">
-            <a:avLst/>
-          </a:prstGeom>
-        </p:spPr>
-      </p:pic>
       <p:sp>
         <p:nvSpPr>
           <p:cNvPr id="25" name="Rectangle 24">
@@ -3822,58 +4559,6 @@
           <a:prstGeom prst="rect">
             <a:avLst/>
           </a:prstGeom>
-        </p:spPr>
-        <p:style>
-          <a:lnRef idx="2">
-            <a:schemeClr val="accent1">
-              <a:shade val="50000"/>
-            </a:schemeClr>
-          </a:lnRef>
-          <a:fillRef idx="1">
-            <a:schemeClr val="accent1"/>
-          </a:fillRef>
-          <a:effectRef idx="0">
-            <a:schemeClr val="accent1"/>
-          </a:effectRef>
-          <a:fontRef idx="minor">
-            <a:schemeClr val="lt1"/>
-          </a:fontRef>
-        </p:style>
-        <p:txBody>
-          <a:bodyPr rtlCol="0" anchor="ctr"/>
-          <a:lstStyle/>
-          <a:p>
-            <a:pPr algn="ctr"/>
-            <a:endParaRPr lang="en-US"/>
-          </a:p>
-        </p:txBody>
-      </p:sp>
-      <p:sp>
-        <p:nvSpPr>
-          <p:cNvPr id="26" name="Rectangle 25">
-            <a:extLst>
-              <a:ext uri="{FF2B5EF4-FFF2-40B4-BE49-F238E27FC236}">
-                <a16:creationId xmlns:a16="http://schemas.microsoft.com/office/drawing/2014/main" id="{A6E42CD5-EA6C-0BB6-31B4-6CFE5C53913A}"/>
-              </a:ext>
-            </a:extLst>
-          </p:cNvPr>
-          <p:cNvSpPr/>
-          <p:nvPr/>
-        </p:nvSpPr>
-        <p:spPr>
-          <a:xfrm>
-            <a:off x="9867" y="0"/>
-            <a:ext cx="6084441" cy="861237"/>
-          </a:xfrm>
-          <a:prstGeom prst="rect">
-            <a:avLst/>
-          </a:prstGeom>
-          <a:solidFill>
-            <a:schemeClr val="bg1"/>
-          </a:solidFill>
-          <a:ln>
-            <a:noFill/>
-          </a:ln>
         </p:spPr>
         <p:style>
           <a:lnRef idx="2">
@@ -3949,6 +4634,269 @@
           <a:p>
             <a:pPr algn="ctr"/>
             <a:endParaRPr lang="en-US"/>
+          </a:p>
+        </p:txBody>
+      </p:sp>
+      <p:sp>
+        <p:nvSpPr>
+          <p:cNvPr id="28" name="TextBox 27">
+            <a:extLst>
+              <a:ext uri="{FF2B5EF4-FFF2-40B4-BE49-F238E27FC236}">
+                <a16:creationId xmlns:a16="http://schemas.microsoft.com/office/drawing/2014/main" id="{0F500E92-7B0A-B333-445B-F09E866EA10A}"/>
+              </a:ext>
+            </a:extLst>
+          </p:cNvPr>
+          <p:cNvSpPr txBox="1"/>
+          <p:nvPr/>
+        </p:nvSpPr>
+        <p:spPr>
+          <a:xfrm rot="19813707">
+            <a:off x="2936760" y="862623"/>
+            <a:ext cx="1158948" cy="276999"/>
+          </a:xfrm>
+          <a:prstGeom prst="rect">
+            <a:avLst/>
+          </a:prstGeom>
+          <a:noFill/>
+        </p:spPr>
+        <p:txBody>
+          <a:bodyPr wrap="square" rtlCol="0">
+            <a:spAutoFit/>
+          </a:bodyPr>
+          <a:lstStyle/>
+          <a:p>
+            <a:r>
+              <a:rPr lang="en-US" sz="1200" dirty="0"/>
+              <a:t>zzzz</a:t>
+            </a:r>
+          </a:p>
+        </p:txBody>
+      </p:sp>
+      <p:sp>
+        <p:nvSpPr>
+          <p:cNvPr id="29" name="TextBox 28">
+            <a:extLst>
+              <a:ext uri="{FF2B5EF4-FFF2-40B4-BE49-F238E27FC236}">
+                <a16:creationId xmlns:a16="http://schemas.microsoft.com/office/drawing/2014/main" id="{EEDAFE9B-84F4-5CDA-A0E5-5AC99BA3FDA6}"/>
+              </a:ext>
+            </a:extLst>
+          </p:cNvPr>
+          <p:cNvSpPr txBox="1"/>
+          <p:nvPr/>
+        </p:nvSpPr>
+        <p:spPr>
+          <a:xfrm rot="21117568">
+            <a:off x="1854129" y="1091586"/>
+            <a:ext cx="1073467" cy="246221"/>
+          </a:xfrm>
+          <a:prstGeom prst="rect">
+            <a:avLst/>
+          </a:prstGeom>
+          <a:noFill/>
+        </p:spPr>
+        <p:txBody>
+          <a:bodyPr wrap="square" rtlCol="0">
+            <a:spAutoFit/>
+          </a:bodyPr>
+          <a:lstStyle/>
+          <a:p>
+            <a:r>
+              <a:rPr lang="en-US" sz="1000" dirty="0"/>
+              <a:t>zzz</a:t>
+            </a:r>
+          </a:p>
+        </p:txBody>
+      </p:sp>
+      <p:pic>
+        <p:nvPicPr>
+          <p:cNvPr id="23" name="Picture 22" descr="A close up of a bee&#10;&#10;Description automatically generated">
+            <a:extLst>
+              <a:ext uri="{FF2B5EF4-FFF2-40B4-BE49-F238E27FC236}">
+                <a16:creationId xmlns:a16="http://schemas.microsoft.com/office/drawing/2014/main" id="{979238E5-E1F8-328C-30E3-829E7694D854}"/>
+              </a:ext>
+            </a:extLst>
+          </p:cNvPr>
+          <p:cNvPicPr>
+            <a:picLocks noChangeAspect="1"/>
+          </p:cNvPicPr>
+          <p:nvPr/>
+        </p:nvPicPr>
+        <p:blipFill rotWithShape="1">
+          <a:blip r:embed="rId4"/>
+          <a:srcRect l="2414"/>
+          <a:stretch/>
+        </p:blipFill>
+        <p:spPr>
+          <a:xfrm>
+            <a:off x="-28151" y="1423470"/>
+            <a:ext cx="4490413" cy="3968810"/>
+          </a:xfrm>
+          <a:prstGeom prst="rect">
+            <a:avLst/>
+          </a:prstGeom>
+        </p:spPr>
+      </p:pic>
+      <p:sp>
+        <p:nvSpPr>
+          <p:cNvPr id="30" name="Rectangle 29">
+            <a:extLst>
+              <a:ext uri="{FF2B5EF4-FFF2-40B4-BE49-F238E27FC236}">
+                <a16:creationId xmlns:a16="http://schemas.microsoft.com/office/drawing/2014/main" id="{ABC36A8F-D2C1-3EA3-5C14-9536B72E6C8B}"/>
+              </a:ext>
+            </a:extLst>
+          </p:cNvPr>
+          <p:cNvSpPr/>
+          <p:nvPr/>
+        </p:nvSpPr>
+        <p:spPr>
+          <a:xfrm>
+            <a:off x="0" y="5951847"/>
+            <a:ext cx="6084441" cy="861237"/>
+          </a:xfrm>
+          <a:prstGeom prst="rect">
+            <a:avLst/>
+          </a:prstGeom>
+          <a:solidFill>
+            <a:schemeClr val="bg1"/>
+          </a:solidFill>
+          <a:ln>
+            <a:noFill/>
+          </a:ln>
+        </p:spPr>
+        <p:style>
+          <a:lnRef idx="2">
+            <a:schemeClr val="accent1">
+              <a:shade val="50000"/>
+            </a:schemeClr>
+          </a:lnRef>
+          <a:fillRef idx="1">
+            <a:schemeClr val="accent1"/>
+          </a:fillRef>
+          <a:effectRef idx="0">
+            <a:schemeClr val="accent1"/>
+          </a:effectRef>
+          <a:fontRef idx="minor">
+            <a:schemeClr val="lt1"/>
+          </a:fontRef>
+        </p:style>
+        <p:txBody>
+          <a:bodyPr rtlCol="0" anchor="ctr"/>
+          <a:lstStyle/>
+          <a:p>
+            <a:pPr algn="ctr"/>
+            <a:endParaRPr lang="en-US"/>
+          </a:p>
+        </p:txBody>
+      </p:sp>
+      <p:sp>
+        <p:nvSpPr>
+          <p:cNvPr id="31" name="Diamond 30">
+            <a:extLst>
+              <a:ext uri="{FF2B5EF4-FFF2-40B4-BE49-F238E27FC236}">
+                <a16:creationId xmlns:a16="http://schemas.microsoft.com/office/drawing/2014/main" id="{EF977F6C-5CB2-5E30-4693-061381C13DAD}"/>
+              </a:ext>
+            </a:extLst>
+          </p:cNvPr>
+          <p:cNvSpPr/>
+          <p:nvPr/>
+        </p:nvSpPr>
+        <p:spPr>
+          <a:xfrm>
+            <a:off x="4157331" y="1250789"/>
+            <a:ext cx="4333020" cy="4329266"/>
+          </a:xfrm>
+          <a:prstGeom prst="diamond">
+            <a:avLst/>
+          </a:prstGeom>
+          <a:noFill/>
+          <a:ln>
+            <a:solidFill>
+              <a:schemeClr val="tx1"/>
+            </a:solidFill>
+          </a:ln>
+        </p:spPr>
+        <p:style>
+          <a:lnRef idx="2">
+            <a:schemeClr val="accent1">
+              <a:shade val="50000"/>
+            </a:schemeClr>
+          </a:lnRef>
+          <a:fillRef idx="1">
+            <a:schemeClr val="accent1"/>
+          </a:fillRef>
+          <a:effectRef idx="0">
+            <a:schemeClr val="accent1"/>
+          </a:effectRef>
+          <a:fontRef idx="minor">
+            <a:schemeClr val="lt1"/>
+          </a:fontRef>
+        </p:style>
+        <p:txBody>
+          <a:bodyPr rtlCol="0" anchor="ctr"/>
+          <a:lstStyle/>
+          <a:p>
+            <a:pPr algn="ctr"/>
+            <a:endParaRPr lang="en-US"/>
+          </a:p>
+        </p:txBody>
+      </p:sp>
+      <p:sp>
+        <p:nvSpPr>
+          <p:cNvPr id="32" name="Diamond 31">
+            <a:extLst>
+              <a:ext uri="{FF2B5EF4-FFF2-40B4-BE49-F238E27FC236}">
+                <a16:creationId xmlns:a16="http://schemas.microsoft.com/office/drawing/2014/main" id="{EFA114BA-A16A-85A6-A91C-80858E6A279D}"/>
+              </a:ext>
+            </a:extLst>
+          </p:cNvPr>
+          <p:cNvSpPr/>
+          <p:nvPr/>
+        </p:nvSpPr>
+        <p:spPr>
+          <a:xfrm>
+            <a:off x="3550895" y="604967"/>
+            <a:ext cx="5526799" cy="5648066"/>
+          </a:xfrm>
+          <a:prstGeom prst="diamond">
+            <a:avLst/>
+          </a:prstGeom>
+          <a:noFill/>
+          <a:ln w="28575">
+            <a:solidFill>
+              <a:srgbClr val="767171">
+                <a:alpha val="47843"/>
+              </a:srgbClr>
+            </a:solidFill>
+          </a:ln>
+        </p:spPr>
+        <p:style>
+          <a:lnRef idx="2">
+            <a:schemeClr val="accent1">
+              <a:shade val="50000"/>
+            </a:schemeClr>
+          </a:lnRef>
+          <a:fillRef idx="1">
+            <a:schemeClr val="accent1"/>
+          </a:fillRef>
+          <a:effectRef idx="0">
+            <a:schemeClr val="accent1"/>
+          </a:effectRef>
+          <a:fontRef idx="minor">
+            <a:schemeClr val="lt1"/>
+          </a:fontRef>
+        </p:style>
+        <p:txBody>
+          <a:bodyPr rtlCol="0" anchor="ctr"/>
+          <a:lstStyle/>
+          <a:p>
+            <a:pPr algn="ctr"/>
+            <a:endParaRPr lang="en-US">
+              <a:ln w="28575">
+                <a:solidFill>
+                  <a:schemeClr val="tx1"/>
+                </a:solidFill>
+              </a:ln>
+            </a:endParaRPr>
           </a:p>
         </p:txBody>
       </p:sp>
@@ -4079,7 +5027,7 @@
           <p:cNvPr id="5" name="Content Placeholder 4" descr="A picture containing diagram&#10;&#10;Description automatically generated">
             <a:extLst>
               <a:ext uri="{FF2B5EF4-FFF2-40B4-BE49-F238E27FC236}">
-                <a16:creationId xmlns:a16="http://schemas.microsoft.com/office/drawing/2014/main" id="{2BC0C6C9-40B2-433A-F7CD-65E9BA9AC2F5}"/>
+                <a16:creationId xmlns:a16="http://schemas.microsoft.com/office/drawing/2014/main" id="{32A3134D-9821-E200-6F17-DB985772324F}"/>
               </a:ext>
             </a:extLst>
           </p:cNvPr>
@@ -4110,15 +5058,15 @@
         </p:blipFill>
         <p:spPr>
           <a:xfrm>
-            <a:off x="861727" y="442252"/>
-            <a:ext cx="9679273" cy="5973495"/>
+            <a:off x="868810" y="460114"/>
+            <a:ext cx="9621390" cy="5937772"/>
           </a:xfrm>
         </p:spPr>
       </p:pic>
     </p:spTree>
     <p:extLst>
       <p:ext uri="{BB962C8B-B14F-4D97-AF65-F5344CB8AC3E}">
-        <p14:creationId xmlns:p14="http://schemas.microsoft.com/office/powerpoint/2010/main" val="2480912530"/>
+        <p14:creationId xmlns:p14="http://schemas.microsoft.com/office/powerpoint/2010/main" val="1429974315"/>
       </p:ext>
     </p:extLst>
   </p:cSld>
@@ -4150,7 +5098,7 @@
           <p:cNvPr id="5" name="Content Placeholder 4" descr="A picture containing diagram&#10;&#10;Description automatically generated">
             <a:extLst>
               <a:ext uri="{FF2B5EF4-FFF2-40B4-BE49-F238E27FC236}">
-                <a16:creationId xmlns:a16="http://schemas.microsoft.com/office/drawing/2014/main" id="{B1ABE09F-865F-5320-F0CD-E1EC74952B01}"/>
+                <a16:creationId xmlns:a16="http://schemas.microsoft.com/office/drawing/2014/main" id="{3559740C-49AB-F211-F056-5E177AABB3CB}"/>
               </a:ext>
             </a:extLst>
           </p:cNvPr>
@@ -4181,15 +5129,15 @@
         </p:blipFill>
         <p:spPr>
           <a:xfrm>
-            <a:off x="894210" y="479708"/>
-            <a:ext cx="9557890" cy="5898583"/>
+            <a:off x="932310" y="460114"/>
+            <a:ext cx="9621390" cy="5937772"/>
           </a:xfrm>
         </p:spPr>
       </p:pic>
     </p:spTree>
     <p:extLst>
       <p:ext uri="{BB962C8B-B14F-4D97-AF65-F5344CB8AC3E}">
-        <p14:creationId xmlns:p14="http://schemas.microsoft.com/office/powerpoint/2010/main" val="2050606879"/>
+        <p14:creationId xmlns:p14="http://schemas.microsoft.com/office/powerpoint/2010/main" val="2841635706"/>
       </p:ext>
     </p:extLst>
   </p:cSld>
@@ -4216,12 +5164,595 @@
           <a:chExt cx="0" cy="0"/>
         </a:xfrm>
       </p:grpSpPr>
+      <p:pic>
+        <p:nvPicPr>
+          <p:cNvPr id="5" name="Content Placeholder 4" descr="A picture containing diagram&#10;&#10;Description automatically generated">
+            <a:extLst>
+              <a:ext uri="{FF2B5EF4-FFF2-40B4-BE49-F238E27FC236}">
+                <a16:creationId xmlns:a16="http://schemas.microsoft.com/office/drawing/2014/main" id="{F8C1EC85-A1D9-CB75-5315-873310A01849}"/>
+              </a:ext>
+            </a:extLst>
+          </p:cNvPr>
+          <p:cNvPicPr>
+            <a:picLocks noGrp="1" noChangeAspect="1"/>
+          </p:cNvPicPr>
+          <p:nvPr>
+            <p:ph idx="1"/>
+          </p:nvPr>
+        </p:nvPicPr>
+        <p:blipFill>
+          <a:blip r:embed="rId2">
+            <a:extLst>
+              <a:ext uri="{BEBA8EAE-BF5A-486C-A8C5-ECC9F3942E4B}">
+                <a14:imgProps xmlns:a14="http://schemas.microsoft.com/office/drawing/2010/main">
+                  <a14:imgLayer r:embed="rId3">
+                    <a14:imgEffect>
+                      <a14:brightnessContrast contrast="24000"/>
+                    </a14:imgEffect>
+                  </a14:imgLayer>
+                </a14:imgProps>
+              </a:ext>
+            </a:extLst>
+          </a:blip>
+          <a:stretch>
+            <a:fillRect/>
+          </a:stretch>
+        </p:blipFill>
+        <p:spPr>
+          <a:xfrm>
+            <a:off x="881510" y="456195"/>
+            <a:ext cx="9634090" cy="5945610"/>
+          </a:xfrm>
+        </p:spPr>
+      </p:pic>
+    </p:spTree>
+    <p:extLst>
+      <p:ext uri="{BB962C8B-B14F-4D97-AF65-F5344CB8AC3E}">
+        <p14:creationId xmlns:p14="http://schemas.microsoft.com/office/powerpoint/2010/main" val="1643812719"/>
+      </p:ext>
+    </p:extLst>
+  </p:cSld>
+  <p:clrMapOvr>
+    <a:masterClrMapping/>
+  </p:clrMapOvr>
+</p:sld>
+</file>
+
+<file path=ppt/slides/slide13.xml><?xml version="1.0" encoding="utf-8"?>
+<p:sld xmlns:a="http://schemas.openxmlformats.org/drawingml/2006/main" xmlns:r="http://schemas.openxmlformats.org/officeDocument/2006/relationships" xmlns:p="http://schemas.openxmlformats.org/presentationml/2006/main">
+  <p:cSld>
+    <p:spTree>
+      <p:nvGrpSpPr>
+        <p:cNvPr id="1" name=""/>
+        <p:cNvGrpSpPr/>
+        <p:nvPr/>
+      </p:nvGrpSpPr>
+      <p:grpSpPr>
+        <a:xfrm>
+          <a:off x="0" y="0"/>
+          <a:ext cx="0" cy="0"/>
+          <a:chOff x="0" y="0"/>
+          <a:chExt cx="0" cy="0"/>
+        </a:xfrm>
+      </p:grpSpPr>
+      <p:pic>
+        <p:nvPicPr>
+          <p:cNvPr id="5" name="Content Placeholder 4" descr="A picture containing diagram&#10;&#10;Description automatically generated">
+            <a:extLst>
+              <a:ext uri="{FF2B5EF4-FFF2-40B4-BE49-F238E27FC236}">
+                <a16:creationId xmlns:a16="http://schemas.microsoft.com/office/drawing/2014/main" id="{2BC0C6C9-40B2-433A-F7CD-65E9BA9AC2F5}"/>
+              </a:ext>
+            </a:extLst>
+          </p:cNvPr>
+          <p:cNvPicPr>
+            <a:picLocks noGrp="1" noChangeAspect="1"/>
+          </p:cNvPicPr>
+          <p:nvPr>
+            <p:ph idx="1"/>
+          </p:nvPr>
+        </p:nvPicPr>
+        <p:blipFill>
+          <a:blip r:embed="rId2">
+            <a:extLst>
+              <a:ext uri="{BEBA8EAE-BF5A-486C-A8C5-ECC9F3942E4B}">
+                <a14:imgProps xmlns:a14="http://schemas.microsoft.com/office/drawing/2010/main">
+                  <a14:imgLayer r:embed="rId3">
+                    <a14:imgEffect>
+                      <a14:brightnessContrast contrast="24000"/>
+                    </a14:imgEffect>
+                  </a14:imgLayer>
+                </a14:imgProps>
+              </a:ext>
+            </a:extLst>
+          </a:blip>
+          <a:stretch>
+            <a:fillRect/>
+          </a:stretch>
+        </p:blipFill>
+        <p:spPr>
+          <a:xfrm>
+            <a:off x="861727" y="442252"/>
+            <a:ext cx="9679273" cy="5973495"/>
+          </a:xfrm>
+        </p:spPr>
+      </p:pic>
+    </p:spTree>
+    <p:extLst>
+      <p:ext uri="{BB962C8B-B14F-4D97-AF65-F5344CB8AC3E}">
+        <p14:creationId xmlns:p14="http://schemas.microsoft.com/office/powerpoint/2010/main" val="2480912530"/>
+      </p:ext>
+    </p:extLst>
+  </p:cSld>
+  <p:clrMapOvr>
+    <a:masterClrMapping/>
+  </p:clrMapOvr>
+</p:sld>
+</file>
+
+<file path=ppt/slides/slide14.xml><?xml version="1.0" encoding="utf-8"?>
+<p:sld xmlns:a="http://schemas.openxmlformats.org/drawingml/2006/main" xmlns:r="http://schemas.openxmlformats.org/officeDocument/2006/relationships" xmlns:p="http://schemas.openxmlformats.org/presentationml/2006/main">
+  <p:cSld>
+    <p:spTree>
+      <p:nvGrpSpPr>
+        <p:cNvPr id="1" name=""/>
+        <p:cNvGrpSpPr/>
+        <p:nvPr/>
+      </p:nvGrpSpPr>
+      <p:grpSpPr>
+        <a:xfrm>
+          <a:off x="0" y="0"/>
+          <a:ext cx="0" cy="0"/>
+          <a:chOff x="0" y="0"/>
+          <a:chExt cx="0" cy="0"/>
+        </a:xfrm>
+      </p:grpSpPr>
+      <p:pic>
+        <p:nvPicPr>
+          <p:cNvPr id="5" name="Content Placeholder 4" descr="A picture containing diagram&#10;&#10;Description automatically generated">
+            <a:extLst>
+              <a:ext uri="{FF2B5EF4-FFF2-40B4-BE49-F238E27FC236}">
+                <a16:creationId xmlns:a16="http://schemas.microsoft.com/office/drawing/2014/main" id="{B1ABE09F-865F-5320-F0CD-E1EC74952B01}"/>
+              </a:ext>
+            </a:extLst>
+          </p:cNvPr>
+          <p:cNvPicPr>
+            <a:picLocks noGrp="1" noChangeAspect="1"/>
+          </p:cNvPicPr>
+          <p:nvPr>
+            <p:ph idx="1"/>
+          </p:nvPr>
+        </p:nvPicPr>
+        <p:blipFill>
+          <a:blip r:embed="rId2">
+            <a:extLst>
+              <a:ext uri="{BEBA8EAE-BF5A-486C-A8C5-ECC9F3942E4B}">
+                <a14:imgProps xmlns:a14="http://schemas.microsoft.com/office/drawing/2010/main">
+                  <a14:imgLayer r:embed="rId3">
+                    <a14:imgEffect>
+                      <a14:brightnessContrast contrast="24000"/>
+                    </a14:imgEffect>
+                  </a14:imgLayer>
+                </a14:imgProps>
+              </a:ext>
+            </a:extLst>
+          </a:blip>
+          <a:stretch>
+            <a:fillRect/>
+          </a:stretch>
+        </p:blipFill>
+        <p:spPr>
+          <a:xfrm>
+            <a:off x="894210" y="479708"/>
+            <a:ext cx="9557890" cy="5898583"/>
+          </a:xfrm>
+        </p:spPr>
+      </p:pic>
+    </p:spTree>
+    <p:extLst>
+      <p:ext uri="{BB962C8B-B14F-4D97-AF65-F5344CB8AC3E}">
+        <p14:creationId xmlns:p14="http://schemas.microsoft.com/office/powerpoint/2010/main" val="2050606879"/>
+      </p:ext>
+    </p:extLst>
+  </p:cSld>
+  <p:clrMapOvr>
+    <a:masterClrMapping/>
+  </p:clrMapOvr>
+</p:sld>
+</file>
+
+<file path=ppt/slides/slide15.xml><?xml version="1.0" encoding="utf-8"?>
+<p:sld xmlns:a="http://schemas.openxmlformats.org/drawingml/2006/main" xmlns:r="http://schemas.openxmlformats.org/officeDocument/2006/relationships" xmlns:p="http://schemas.openxmlformats.org/presentationml/2006/main">
+  <p:cSld>
+    <p:bg>
+      <p:bgPr>
+        <a:solidFill>
+          <a:schemeClr val="bg1"/>
+        </a:solidFill>
+        <a:effectLst/>
+      </p:bgPr>
+    </p:bg>
+    <p:spTree>
+      <p:nvGrpSpPr>
+        <p:cNvPr id="1" name=""/>
+        <p:cNvGrpSpPr/>
+        <p:nvPr/>
+      </p:nvGrpSpPr>
+      <p:grpSpPr>
+        <a:xfrm>
+          <a:off x="0" y="0"/>
+          <a:ext cx="0" cy="0"/>
+          <a:chOff x="0" y="0"/>
+          <a:chExt cx="0" cy="0"/>
+        </a:xfrm>
+      </p:grpSpPr>
       <p:sp>
         <p:nvSpPr>
-          <p:cNvPr id="2" name="Title 1">
-            <a:extLst>
-              <a:ext uri="{FF2B5EF4-FFF2-40B4-BE49-F238E27FC236}">
-                <a16:creationId xmlns:a16="http://schemas.microsoft.com/office/drawing/2014/main" id="{3857A7E0-4594-9AC9-4CE9-5EBBE71A8B65}"/>
+          <p:cNvPr id="31" name="Content Placeholder 30">
+            <a:extLst>
+              <a:ext uri="{FF2B5EF4-FFF2-40B4-BE49-F238E27FC236}">
+                <a16:creationId xmlns:a16="http://schemas.microsoft.com/office/drawing/2014/main" id="{D9574EB0-286E-2210-3EBA-B870E6B2D36F}"/>
+              </a:ext>
+            </a:extLst>
+          </p:cNvPr>
+          <p:cNvSpPr>
+            <a:spLocks noGrp="1"/>
+          </p:cNvSpPr>
+          <p:nvPr>
+            <p:ph idx="1"/>
+          </p:nvPr>
+        </p:nvSpPr>
+        <p:spPr>
+          <a:xfrm>
+            <a:off x="620966" y="1961147"/>
+            <a:ext cx="6339745" cy="3785419"/>
+          </a:xfrm>
+        </p:spPr>
+        <p:txBody>
+          <a:bodyPr>
+            <a:normAutofit/>
+          </a:bodyPr>
+          <a:lstStyle/>
+          <a:p>
+            <a:r>
+              <a:rPr lang="en-US" sz="1800" dirty="0">
+                <a:hlinkClick r:id="rId2"/>
+              </a:rPr>
+              <a:t>https://www.kaggle.com/datasets/kyleahmurphy/nass-honey-bee-20152021</a:t>
+            </a:r>
+            <a:endParaRPr lang="en-US" sz="1800" dirty="0"/>
+          </a:p>
+          <a:p>
+            <a:endParaRPr lang="en-US" sz="1800" dirty="0"/>
+          </a:p>
+        </p:txBody>
+      </p:sp>
+      <p:pic>
+        <p:nvPicPr>
+          <p:cNvPr id="4" name="Content Placeholder 3" descr="A yellow and black stuffed animal&#10;&#10;Description automatically generated with low confidence">
+            <a:extLst>
+              <a:ext uri="{FF2B5EF4-FFF2-40B4-BE49-F238E27FC236}">
+                <a16:creationId xmlns:a16="http://schemas.microsoft.com/office/drawing/2014/main" id="{0504F0B2-A174-9BC4-5DB6-1FE1A82A1D7E}"/>
+              </a:ext>
+            </a:extLst>
+          </p:cNvPr>
+          <p:cNvPicPr>
+            <a:picLocks noChangeAspect="1"/>
+          </p:cNvPicPr>
+          <p:nvPr/>
+        </p:nvPicPr>
+        <p:blipFill rotWithShape="1">
+          <a:blip r:embed="rId3">
+            <a:extLst>
+              <a:ext uri="{BEBA8EAE-BF5A-486C-A8C5-ECC9F3942E4B}">
+                <a14:imgProps xmlns:a14="http://schemas.microsoft.com/office/drawing/2010/main">
+                  <a14:imgLayer r:embed="rId4">
+                    <a14:imgEffect>
+                      <a14:backgroundRemoval t="8174" b="89918" l="9877" r="89877">
+                        <a14:foregroundMark x1="35062" y1="10627" x2="45432" y2="8174"/>
+                        <a14:foregroundMark x1="45432" y1="8174" x2="49630" y2="9537"/>
+                      </a14:backgroundRemoval>
+                    </a14:imgEffect>
+                  </a14:imgLayer>
+                </a14:imgProps>
+              </a:ext>
+            </a:extLst>
+          </a:blip>
+          <a:srcRect r="202" b="2"/>
+          <a:stretch/>
+        </p:blipFill>
+        <p:spPr>
+          <a:xfrm>
+            <a:off x="8626267" y="1885507"/>
+            <a:ext cx="2599620" cy="2360426"/>
+          </a:xfrm>
+          <a:prstGeom prst="rect">
+            <a:avLst/>
+          </a:prstGeom>
+          <a:effectLst/>
+        </p:spPr>
+      </p:pic>
+      <p:grpSp>
+        <p:nvGrpSpPr>
+          <p:cNvPr id="20" name="Group 19">
+            <a:extLst>
+              <a:ext uri="{FF2B5EF4-FFF2-40B4-BE49-F238E27FC236}">
+                <a16:creationId xmlns:a16="http://schemas.microsoft.com/office/drawing/2014/main" id="{E2582D8B-9818-9924-DE18-BA4D99ADD8C8}"/>
+              </a:ext>
+            </a:extLst>
+          </p:cNvPr>
+          <p:cNvGrpSpPr/>
+          <p:nvPr/>
+        </p:nvGrpSpPr>
+        <p:grpSpPr>
+          <a:xfrm rot="1633719">
+            <a:off x="10236214" y="4949613"/>
+            <a:ext cx="1219357" cy="1343124"/>
+            <a:chOff x="330200" y="495300"/>
+            <a:chExt cx="1117600" cy="1343124"/>
+          </a:xfrm>
+        </p:grpSpPr>
+        <p:sp>
+          <p:nvSpPr>
+            <p:cNvPr id="22" name="Hexagon 21">
+              <a:extLst>
+                <a:ext uri="{FF2B5EF4-FFF2-40B4-BE49-F238E27FC236}">
+                  <a16:creationId xmlns:a16="http://schemas.microsoft.com/office/drawing/2014/main" id="{7EF0601A-C6F9-BC40-B002-6814BD4D5637}"/>
+                </a:ext>
+              </a:extLst>
+            </p:cNvPr>
+            <p:cNvSpPr/>
+            <p:nvPr/>
+          </p:nvSpPr>
+          <p:spPr>
+            <a:xfrm>
+              <a:off x="330200" y="495300"/>
+              <a:ext cx="762000" cy="698500"/>
+            </a:xfrm>
+            <a:prstGeom prst="hexagon">
+              <a:avLst/>
+            </a:prstGeom>
+            <a:solidFill>
+              <a:schemeClr val="accent4">
+                <a:lumMod val="40000"/>
+                <a:lumOff val="60000"/>
+                <a:alpha val="54902"/>
+              </a:schemeClr>
+            </a:solidFill>
+            <a:ln>
+              <a:solidFill>
+                <a:srgbClr val="FFC000"/>
+              </a:solidFill>
+            </a:ln>
+          </p:spPr>
+          <p:style>
+            <a:lnRef idx="2">
+              <a:schemeClr val="accent1">
+                <a:shade val="50000"/>
+              </a:schemeClr>
+            </a:lnRef>
+            <a:fillRef idx="1">
+              <a:schemeClr val="accent1"/>
+            </a:fillRef>
+            <a:effectRef idx="0">
+              <a:schemeClr val="accent1"/>
+            </a:effectRef>
+            <a:fontRef idx="minor">
+              <a:schemeClr val="lt1"/>
+            </a:fontRef>
+          </p:style>
+          <p:txBody>
+            <a:bodyPr rtlCol="0" anchor="ctr"/>
+            <a:lstStyle/>
+            <a:p>
+              <a:pPr algn="ctr"/>
+              <a:endParaRPr lang="en-US"/>
+            </a:p>
+          </p:txBody>
+        </p:sp>
+        <p:sp>
+          <p:nvSpPr>
+            <p:cNvPr id="28" name="Hexagon 27">
+              <a:extLst>
+                <a:ext uri="{FF2B5EF4-FFF2-40B4-BE49-F238E27FC236}">
+                  <a16:creationId xmlns:a16="http://schemas.microsoft.com/office/drawing/2014/main" id="{BC586992-8328-FAF1-F118-C7E4EAA621BA}"/>
+                </a:ext>
+              </a:extLst>
+            </p:cNvPr>
+            <p:cNvSpPr/>
+            <p:nvPr/>
+          </p:nvSpPr>
+          <p:spPr>
+            <a:xfrm>
+              <a:off x="977900" y="1022303"/>
+              <a:ext cx="469900" cy="450898"/>
+            </a:xfrm>
+            <a:prstGeom prst="hexagon">
+              <a:avLst/>
+            </a:prstGeom>
+            <a:solidFill>
+              <a:srgbClr val="FFC000"/>
+            </a:solidFill>
+            <a:ln>
+              <a:solidFill>
+                <a:srgbClr val="FFC000"/>
+              </a:solidFill>
+            </a:ln>
+          </p:spPr>
+          <p:style>
+            <a:lnRef idx="2">
+              <a:schemeClr val="accent1">
+                <a:shade val="50000"/>
+              </a:schemeClr>
+            </a:lnRef>
+            <a:fillRef idx="1">
+              <a:schemeClr val="accent1"/>
+            </a:fillRef>
+            <a:effectRef idx="0">
+              <a:schemeClr val="accent1"/>
+            </a:effectRef>
+            <a:fontRef idx="minor">
+              <a:schemeClr val="lt1"/>
+            </a:fontRef>
+          </p:style>
+          <p:txBody>
+            <a:bodyPr rtlCol="0" anchor="ctr"/>
+            <a:lstStyle/>
+            <a:p>
+              <a:pPr algn="ctr"/>
+              <a:endParaRPr lang="en-US"/>
+            </a:p>
+          </p:txBody>
+        </p:sp>
+        <p:sp>
+          <p:nvSpPr>
+            <p:cNvPr id="29" name="Hexagon 28">
+              <a:extLst>
+                <a:ext uri="{FF2B5EF4-FFF2-40B4-BE49-F238E27FC236}">
+                  <a16:creationId xmlns:a16="http://schemas.microsoft.com/office/drawing/2014/main" id="{7A63DC71-C647-E8CD-05DA-E2967C3F6763}"/>
+                </a:ext>
+              </a:extLst>
+            </p:cNvPr>
+            <p:cNvSpPr/>
+            <p:nvPr/>
+          </p:nvSpPr>
+          <p:spPr>
+            <a:xfrm>
+              <a:off x="431800" y="1280022"/>
+              <a:ext cx="609600" cy="558402"/>
+            </a:xfrm>
+            <a:prstGeom prst="hexagon">
+              <a:avLst/>
+            </a:prstGeom>
+            <a:solidFill>
+              <a:srgbClr val="FFC000">
+                <a:alpha val="54902"/>
+              </a:srgbClr>
+            </a:solidFill>
+            <a:ln>
+              <a:solidFill>
+                <a:srgbClr val="FFC000"/>
+              </a:solidFill>
+            </a:ln>
+          </p:spPr>
+          <p:style>
+            <a:lnRef idx="2">
+              <a:schemeClr val="accent1">
+                <a:shade val="50000"/>
+              </a:schemeClr>
+            </a:lnRef>
+            <a:fillRef idx="1">
+              <a:schemeClr val="accent1"/>
+            </a:fillRef>
+            <a:effectRef idx="0">
+              <a:schemeClr val="accent1"/>
+            </a:effectRef>
+            <a:fontRef idx="minor">
+              <a:schemeClr val="lt1"/>
+            </a:fontRef>
+          </p:style>
+          <p:txBody>
+            <a:bodyPr rtlCol="0" anchor="ctr"/>
+            <a:lstStyle/>
+            <a:p>
+              <a:pPr algn="ctr"/>
+              <a:endParaRPr lang="en-US"/>
+            </a:p>
+          </p:txBody>
+        </p:sp>
+      </p:grpSp>
+      <p:sp>
+        <p:nvSpPr>
+          <p:cNvPr id="5" name="Oval Callout 4">
+            <a:extLst>
+              <a:ext uri="{FF2B5EF4-FFF2-40B4-BE49-F238E27FC236}">
+                <a16:creationId xmlns:a16="http://schemas.microsoft.com/office/drawing/2014/main" id="{D8FD3FE5-C839-3222-C02C-1057CBB6FD55}"/>
+              </a:ext>
+            </a:extLst>
+          </p:cNvPr>
+          <p:cNvSpPr/>
+          <p:nvPr/>
+        </p:nvSpPr>
+        <p:spPr>
+          <a:xfrm rot="17914383">
+            <a:off x="7583613" y="1044121"/>
+            <a:ext cx="1450982" cy="1477926"/>
+          </a:xfrm>
+          <a:prstGeom prst="wedgeEllipseCallout">
+            <a:avLst/>
+          </a:prstGeom>
+          <a:noFill/>
+          <a:ln>
+            <a:solidFill>
+              <a:schemeClr val="tx1"/>
+            </a:solidFill>
+          </a:ln>
+        </p:spPr>
+        <p:style>
+          <a:lnRef idx="2">
+            <a:schemeClr val="accent1">
+              <a:shade val="50000"/>
+            </a:schemeClr>
+          </a:lnRef>
+          <a:fillRef idx="1">
+            <a:schemeClr val="accent1"/>
+          </a:fillRef>
+          <a:effectRef idx="0">
+            <a:schemeClr val="accent1"/>
+          </a:effectRef>
+          <a:fontRef idx="minor">
+            <a:schemeClr val="lt1"/>
+          </a:fontRef>
+        </p:style>
+        <p:txBody>
+          <a:bodyPr rtlCol="0" anchor="ctr"/>
+          <a:lstStyle/>
+          <a:p>
+            <a:pPr algn="ctr"/>
+            <a:endParaRPr lang="en-US"/>
+          </a:p>
+        </p:txBody>
+      </p:sp>
+      <p:sp>
+        <p:nvSpPr>
+          <p:cNvPr id="6" name="TextBox 5">
+            <a:extLst>
+              <a:ext uri="{FF2B5EF4-FFF2-40B4-BE49-F238E27FC236}">
+                <a16:creationId xmlns:a16="http://schemas.microsoft.com/office/drawing/2014/main" id="{3BC23EDC-865F-E803-5060-FF7909F943F7}"/>
+              </a:ext>
+            </a:extLst>
+          </p:cNvPr>
+          <p:cNvSpPr txBox="1"/>
+          <p:nvPr/>
+        </p:nvSpPr>
+        <p:spPr>
+          <a:xfrm>
+            <a:off x="7931888" y="1182919"/>
+            <a:ext cx="1020726" cy="1200329"/>
+          </a:xfrm>
+          <a:prstGeom prst="rect">
+            <a:avLst/>
+          </a:prstGeom>
+          <a:noFill/>
+        </p:spPr>
+        <p:txBody>
+          <a:bodyPr wrap="square" rtlCol="0">
+            <a:spAutoFit/>
+          </a:bodyPr>
+          <a:lstStyle/>
+          <a:p>
+            <a:r>
+              <a:rPr lang="en-US" dirty="0"/>
+              <a:t>Don’t worry, bee happy </a:t>
+            </a:r>
+          </a:p>
+        </p:txBody>
+      </p:sp>
+      <p:sp>
+        <p:nvSpPr>
+          <p:cNvPr id="30" name="Title 1">
+            <a:extLst>
+              <a:ext uri="{FF2B5EF4-FFF2-40B4-BE49-F238E27FC236}">
+                <a16:creationId xmlns:a16="http://schemas.microsoft.com/office/drawing/2014/main" id="{B4B3C58F-C2D1-5903-E5CA-55E2C0944ADF}"/>
               </a:ext>
             </a:extLst>
           </p:cNvPr>
@@ -4232,37 +5763,22 @@
             <p:ph type="title"/>
           </p:nvPr>
         </p:nvSpPr>
-        <p:spPr/>
+        <p:spPr>
+          <a:xfrm>
+            <a:off x="710287" y="455957"/>
+            <a:ext cx="10515600" cy="1325563"/>
+          </a:xfrm>
+        </p:spPr>
         <p:txBody>
-          <a:bodyPr/>
+          <a:bodyPr>
+            <a:normAutofit/>
+          </a:bodyPr>
           <a:lstStyle/>
           <a:p>
-            <a:endParaRPr lang="en-US"/>
-          </a:p>
-        </p:txBody>
-      </p:sp>
-      <p:sp>
-        <p:nvSpPr>
-          <p:cNvPr id="3" name="Content Placeholder 2">
-            <a:extLst>
-              <a:ext uri="{FF2B5EF4-FFF2-40B4-BE49-F238E27FC236}">
-                <a16:creationId xmlns:a16="http://schemas.microsoft.com/office/drawing/2014/main" id="{CB4009A0-8F7A-0817-C44A-EA711A504EC0}"/>
-              </a:ext>
-            </a:extLst>
-          </p:cNvPr>
-          <p:cNvSpPr>
-            <a:spLocks noGrp="1"/>
-          </p:cNvSpPr>
-          <p:nvPr>
-            <p:ph idx="1"/>
-          </p:nvPr>
-        </p:nvSpPr>
-        <p:spPr/>
-        <p:txBody>
-          <a:bodyPr/>
-          <a:lstStyle/>
-          <a:p>
-            <a:endParaRPr lang="en-US"/>
+            <a:r>
+              <a:rPr lang="en-US" sz="4000" dirty="0"/>
+              <a:t>Data Sources</a:t>
+            </a:r>
           </a:p>
         </p:txBody>
       </p:sp>
@@ -4296,6 +5812,2887 @@
           <a:chExt cx="0" cy="0"/>
         </a:xfrm>
       </p:grpSpPr>
+      <p:sp>
+        <p:nvSpPr>
+          <p:cNvPr id="2" name="Title 1">
+            <a:extLst>
+              <a:ext uri="{FF2B5EF4-FFF2-40B4-BE49-F238E27FC236}">
+                <a16:creationId xmlns:a16="http://schemas.microsoft.com/office/drawing/2014/main" id="{33C1B10D-58A0-1949-7F4F-68686C4CDC1B}"/>
+              </a:ext>
+            </a:extLst>
+          </p:cNvPr>
+          <p:cNvSpPr>
+            <a:spLocks noGrp="1"/>
+          </p:cNvSpPr>
+          <p:nvPr>
+            <p:ph type="title"/>
+          </p:nvPr>
+        </p:nvSpPr>
+        <p:spPr/>
+        <p:txBody>
+          <a:bodyPr>
+            <a:normAutofit/>
+          </a:bodyPr>
+          <a:lstStyle/>
+          <a:p>
+            <a:r>
+              <a:rPr lang="en-US" sz="4000" dirty="0"/>
+              <a:t>History of Honey Bee Losses </a:t>
+            </a:r>
+          </a:p>
+        </p:txBody>
+      </p:sp>
+      <p:sp>
+        <p:nvSpPr>
+          <p:cNvPr id="3" name="Content Placeholder 2">
+            <a:extLst>
+              <a:ext uri="{FF2B5EF4-FFF2-40B4-BE49-F238E27FC236}">
+                <a16:creationId xmlns:a16="http://schemas.microsoft.com/office/drawing/2014/main" id="{43A22B39-EF3D-939F-EC52-093EA1C6EC4C}"/>
+              </a:ext>
+            </a:extLst>
+          </p:cNvPr>
+          <p:cNvSpPr>
+            <a:spLocks noGrp="1"/>
+          </p:cNvSpPr>
+          <p:nvPr>
+            <p:ph idx="1"/>
+          </p:nvPr>
+        </p:nvSpPr>
+        <p:spPr>
+          <a:xfrm>
+            <a:off x="763772" y="1616371"/>
+            <a:ext cx="10515600" cy="4351338"/>
+          </a:xfrm>
+        </p:spPr>
+        <p:txBody>
+          <a:bodyPr>
+            <a:normAutofit/>
+          </a:bodyPr>
+          <a:lstStyle/>
+          <a:p>
+            <a:r>
+              <a:rPr lang="en-US" sz="2000" dirty="0"/>
+              <a:t>A timeline of the landslide in colony losses</a:t>
+            </a:r>
+          </a:p>
+          <a:p>
+            <a:r>
+              <a:rPr lang="en-US" sz="2000" dirty="0"/>
+              <a:t>Over 50% reduction in number of colonies from 1940’s </a:t>
+            </a:r>
+          </a:p>
+        </p:txBody>
+      </p:sp>
+      <p:grpSp>
+        <p:nvGrpSpPr>
+          <p:cNvPr id="27" name="Group 26">
+            <a:extLst>
+              <a:ext uri="{FF2B5EF4-FFF2-40B4-BE49-F238E27FC236}">
+                <a16:creationId xmlns:a16="http://schemas.microsoft.com/office/drawing/2014/main" id="{C6AE766F-25F4-B0E4-CA7A-B7D0D4843E99}"/>
+              </a:ext>
+            </a:extLst>
+          </p:cNvPr>
+          <p:cNvGrpSpPr/>
+          <p:nvPr/>
+        </p:nvGrpSpPr>
+        <p:grpSpPr>
+          <a:xfrm>
+            <a:off x="517618" y="2813940"/>
+            <a:ext cx="1998922" cy="1807535"/>
+            <a:chOff x="1184805" y="2810119"/>
+            <a:chExt cx="1998922" cy="1807535"/>
+          </a:xfrm>
+        </p:grpSpPr>
+        <p:sp>
+          <p:nvSpPr>
+            <p:cNvPr id="4" name="Hexagon 3">
+              <a:extLst>
+                <a:ext uri="{FF2B5EF4-FFF2-40B4-BE49-F238E27FC236}">
+                  <a16:creationId xmlns:a16="http://schemas.microsoft.com/office/drawing/2014/main" id="{24D58099-8D9A-88D3-10DB-421B63F32375}"/>
+                </a:ext>
+              </a:extLst>
+            </p:cNvPr>
+            <p:cNvSpPr/>
+            <p:nvPr/>
+          </p:nvSpPr>
+          <p:spPr>
+            <a:xfrm>
+              <a:off x="1184805" y="2810119"/>
+              <a:ext cx="1998922" cy="1807535"/>
+            </a:xfrm>
+            <a:prstGeom prst="hexagon">
+              <a:avLst/>
+            </a:prstGeom>
+            <a:noFill/>
+            <a:ln w="76200">
+              <a:solidFill>
+                <a:schemeClr val="tx1"/>
+              </a:solidFill>
+            </a:ln>
+          </p:spPr>
+          <p:style>
+            <a:lnRef idx="2">
+              <a:schemeClr val="accent1">
+                <a:shade val="50000"/>
+              </a:schemeClr>
+            </a:lnRef>
+            <a:fillRef idx="1">
+              <a:schemeClr val="accent1"/>
+            </a:fillRef>
+            <a:effectRef idx="0">
+              <a:schemeClr val="accent1"/>
+            </a:effectRef>
+            <a:fontRef idx="minor">
+              <a:schemeClr val="lt1"/>
+            </a:fontRef>
+          </p:style>
+          <p:txBody>
+            <a:bodyPr rtlCol="0" anchor="ctr"/>
+            <a:lstStyle/>
+            <a:p>
+              <a:pPr algn="ctr"/>
+              <a:endParaRPr lang="en-US"/>
+            </a:p>
+          </p:txBody>
+        </p:sp>
+        <p:sp>
+          <p:nvSpPr>
+            <p:cNvPr id="5" name="TextBox 4">
+              <a:extLst>
+                <a:ext uri="{FF2B5EF4-FFF2-40B4-BE49-F238E27FC236}">
+                  <a16:creationId xmlns:a16="http://schemas.microsoft.com/office/drawing/2014/main" id="{288FFD42-18AB-D263-0133-9746E25B7EFD}"/>
+                </a:ext>
+              </a:extLst>
+            </p:cNvPr>
+            <p:cNvSpPr txBox="1"/>
+            <p:nvPr/>
+          </p:nvSpPr>
+          <p:spPr>
+            <a:xfrm>
+              <a:off x="1395748" y="3134085"/>
+              <a:ext cx="1690572" cy="707886"/>
+            </a:xfrm>
+            <a:prstGeom prst="rect">
+              <a:avLst/>
+            </a:prstGeom>
+            <a:noFill/>
+            <a:effectLst>
+              <a:glow rad="101600">
+                <a:schemeClr val="accent4">
+                  <a:satMod val="175000"/>
+                  <a:alpha val="40000"/>
+                </a:schemeClr>
+              </a:glow>
+            </a:effectLst>
+          </p:spPr>
+          <p:txBody>
+            <a:bodyPr wrap="square" rtlCol="0">
+              <a:spAutoFit/>
+              <a:scene3d>
+                <a:camera prst="orthographicFront"/>
+                <a:lightRig rig="soft" dir="t">
+                  <a:rot lat="0" lon="0" rev="15600000"/>
+                </a:lightRig>
+              </a:scene3d>
+              <a:sp3d prstMaterial="softEdge"/>
+            </a:bodyPr>
+            <a:lstStyle/>
+            <a:p>
+              <a:r>
+                <a:rPr lang="en-US" sz="2800" b="1" dirty="0">
+                  <a:ln w="12700" cmpd="sng">
+                    <a:solidFill>
+                      <a:schemeClr val="accent4"/>
+                    </a:solidFill>
+                    <a:prstDash val="solid"/>
+                  </a:ln>
+                  <a:gradFill>
+                    <a:gsLst>
+                      <a:gs pos="0">
+                        <a:schemeClr val="accent4"/>
+                      </a:gs>
+                      <a:gs pos="4000">
+                        <a:schemeClr val="accent4">
+                          <a:lumMod val="60000"/>
+                          <a:lumOff val="40000"/>
+                        </a:schemeClr>
+                      </a:gs>
+                      <a:gs pos="87000">
+                        <a:schemeClr val="accent4">
+                          <a:lumMod val="20000"/>
+                          <a:lumOff val="80000"/>
+                        </a:schemeClr>
+                      </a:gs>
+                    </a:gsLst>
+                    <a:lin ang="5400000"/>
+                  </a:gradFill>
+                </a:rPr>
+                <a:t> </a:t>
+              </a:r>
+              <a:r>
+                <a:rPr lang="en-US" sz="4000" b="1" dirty="0">
+                  <a:ln w="12700" cmpd="sng">
+                    <a:solidFill>
+                      <a:schemeClr val="accent4"/>
+                    </a:solidFill>
+                    <a:prstDash val="solid"/>
+                  </a:ln>
+                  <a:gradFill>
+                    <a:gsLst>
+                      <a:gs pos="0">
+                        <a:schemeClr val="accent4"/>
+                      </a:gs>
+                      <a:gs pos="4000">
+                        <a:schemeClr val="accent4">
+                          <a:lumMod val="60000"/>
+                          <a:lumOff val="40000"/>
+                        </a:schemeClr>
+                      </a:gs>
+                      <a:gs pos="87000">
+                        <a:schemeClr val="accent4">
+                          <a:lumMod val="20000"/>
+                          <a:lumOff val="80000"/>
+                        </a:schemeClr>
+                      </a:gs>
+                    </a:gsLst>
+                    <a:lin ang="5400000"/>
+                  </a:gradFill>
+                </a:rPr>
+                <a:t>1940’s</a:t>
+              </a:r>
+              <a:endParaRPr lang="en-US" sz="2800" b="1" dirty="0">
+                <a:ln w="12700" cmpd="sng">
+                  <a:solidFill>
+                    <a:schemeClr val="accent4"/>
+                  </a:solidFill>
+                  <a:prstDash val="solid"/>
+                </a:ln>
+                <a:gradFill>
+                  <a:gsLst>
+                    <a:gs pos="0">
+                      <a:schemeClr val="accent4"/>
+                    </a:gs>
+                    <a:gs pos="4000">
+                      <a:schemeClr val="accent4">
+                        <a:lumMod val="60000"/>
+                        <a:lumOff val="40000"/>
+                      </a:schemeClr>
+                    </a:gs>
+                    <a:gs pos="87000">
+                      <a:schemeClr val="accent4">
+                        <a:lumMod val="20000"/>
+                        <a:lumOff val="80000"/>
+                      </a:schemeClr>
+                    </a:gs>
+                  </a:gsLst>
+                  <a:lin ang="5400000"/>
+                </a:gradFill>
+              </a:endParaRPr>
+            </a:p>
+          </p:txBody>
+        </p:sp>
+        <p:sp>
+          <p:nvSpPr>
+            <p:cNvPr id="6" name="TextBox 5">
+              <a:extLst>
+                <a:ext uri="{FF2B5EF4-FFF2-40B4-BE49-F238E27FC236}">
+                  <a16:creationId xmlns:a16="http://schemas.microsoft.com/office/drawing/2014/main" id="{775EB68B-4475-AB23-EC26-7FDDC71E99FD}"/>
+                </a:ext>
+              </a:extLst>
+            </p:cNvPr>
+            <p:cNvSpPr txBox="1"/>
+            <p:nvPr/>
+          </p:nvSpPr>
+          <p:spPr>
+            <a:xfrm>
+              <a:off x="1499646" y="3664754"/>
+              <a:ext cx="1584245" cy="523220"/>
+            </a:xfrm>
+            <a:prstGeom prst="rect">
+              <a:avLst/>
+            </a:prstGeom>
+            <a:noFill/>
+          </p:spPr>
+          <p:txBody>
+            <a:bodyPr wrap="square" rtlCol="0">
+              <a:spAutoFit/>
+            </a:bodyPr>
+            <a:lstStyle/>
+            <a:p>
+              <a:r>
+                <a:rPr lang="en-US" sz="2800" dirty="0"/>
+                <a:t>6 million</a:t>
+              </a:r>
+            </a:p>
+          </p:txBody>
+        </p:sp>
+      </p:grpSp>
+      <p:grpSp>
+        <p:nvGrpSpPr>
+          <p:cNvPr id="30" name="Group 29">
+            <a:extLst>
+              <a:ext uri="{FF2B5EF4-FFF2-40B4-BE49-F238E27FC236}">
+                <a16:creationId xmlns:a16="http://schemas.microsoft.com/office/drawing/2014/main" id="{303F54D4-F8F1-B694-BE2D-DB4CC673F885}"/>
+              </a:ext>
+            </a:extLst>
+          </p:cNvPr>
+          <p:cNvGrpSpPr/>
+          <p:nvPr/>
+        </p:nvGrpSpPr>
+        <p:grpSpPr>
+          <a:xfrm>
+            <a:off x="9297155" y="3828616"/>
+            <a:ext cx="2242152" cy="1807535"/>
+            <a:chOff x="8312453" y="2828540"/>
+            <a:chExt cx="2242152" cy="1807535"/>
+          </a:xfrm>
+        </p:grpSpPr>
+        <p:sp>
+          <p:nvSpPr>
+            <p:cNvPr id="8" name="Hexagon 7">
+              <a:extLst>
+                <a:ext uri="{FF2B5EF4-FFF2-40B4-BE49-F238E27FC236}">
+                  <a16:creationId xmlns:a16="http://schemas.microsoft.com/office/drawing/2014/main" id="{20794265-CA34-D66C-39D0-46937F0C2986}"/>
+                </a:ext>
+              </a:extLst>
+            </p:cNvPr>
+            <p:cNvSpPr/>
+            <p:nvPr/>
+          </p:nvSpPr>
+          <p:spPr>
+            <a:xfrm>
+              <a:off x="8312453" y="2828540"/>
+              <a:ext cx="1998922" cy="1807535"/>
+            </a:xfrm>
+            <a:prstGeom prst="hexagon">
+              <a:avLst/>
+            </a:prstGeom>
+            <a:solidFill>
+              <a:schemeClr val="accent4">
+                <a:lumMod val="40000"/>
+                <a:lumOff val="60000"/>
+              </a:schemeClr>
+            </a:solidFill>
+            <a:ln w="76200">
+              <a:solidFill>
+                <a:srgbClr val="FFC000"/>
+              </a:solidFill>
+            </a:ln>
+            <a:effectLst>
+              <a:glow rad="101600">
+                <a:schemeClr val="accent4">
+                  <a:satMod val="175000"/>
+                  <a:alpha val="40000"/>
+                </a:schemeClr>
+              </a:glow>
+            </a:effectLst>
+          </p:spPr>
+          <p:style>
+            <a:lnRef idx="2">
+              <a:schemeClr val="accent1">
+                <a:shade val="50000"/>
+              </a:schemeClr>
+            </a:lnRef>
+            <a:fillRef idx="1">
+              <a:schemeClr val="accent1"/>
+            </a:fillRef>
+            <a:effectRef idx="0">
+              <a:schemeClr val="accent1"/>
+            </a:effectRef>
+            <a:fontRef idx="minor">
+              <a:schemeClr val="lt1"/>
+            </a:fontRef>
+          </p:style>
+          <p:txBody>
+            <a:bodyPr rtlCol="0" anchor="ctr">
+              <a:scene3d>
+                <a:camera prst="orthographicFront"/>
+                <a:lightRig rig="soft" dir="t">
+                  <a:rot lat="0" lon="0" rev="15600000"/>
+                </a:lightRig>
+              </a:scene3d>
+              <a:sp3d extrusionH="57150" prstMaterial="softEdge">
+                <a:bevelT w="25400" h="38100"/>
+              </a:sp3d>
+            </a:bodyPr>
+            <a:lstStyle/>
+            <a:p>
+              <a:pPr algn="ctr"/>
+              <a:endParaRPr lang="en-US" b="1">
+                <a:ln/>
+                <a:solidFill>
+                  <a:schemeClr val="accent4"/>
+                </a:solidFill>
+              </a:endParaRPr>
+            </a:p>
+          </p:txBody>
+        </p:sp>
+        <p:sp>
+          <p:nvSpPr>
+            <p:cNvPr id="10" name="TextBox 9">
+              <a:extLst>
+                <a:ext uri="{FF2B5EF4-FFF2-40B4-BE49-F238E27FC236}">
+                  <a16:creationId xmlns:a16="http://schemas.microsoft.com/office/drawing/2014/main" id="{BB61A10F-523A-6421-C39E-413134537836}"/>
+                </a:ext>
+              </a:extLst>
+            </p:cNvPr>
+            <p:cNvSpPr txBox="1"/>
+            <p:nvPr/>
+          </p:nvSpPr>
+          <p:spPr>
+            <a:xfrm>
+              <a:off x="8796691" y="2960270"/>
+              <a:ext cx="1757914" cy="646331"/>
+            </a:xfrm>
+            <a:prstGeom prst="rect">
+              <a:avLst/>
+            </a:prstGeom>
+            <a:noFill/>
+            <a:effectLst>
+              <a:glow rad="101600">
+                <a:schemeClr val="accent4">
+                  <a:satMod val="175000"/>
+                  <a:alpha val="40000"/>
+                </a:schemeClr>
+              </a:glow>
+            </a:effectLst>
+          </p:spPr>
+          <p:txBody>
+            <a:bodyPr wrap="square" rtlCol="0">
+              <a:spAutoFit/>
+              <a:scene3d>
+                <a:camera prst="orthographicFront"/>
+                <a:lightRig rig="soft" dir="t">
+                  <a:rot lat="0" lon="0" rev="15600000"/>
+                </a:lightRig>
+              </a:scene3d>
+              <a:sp3d prstMaterial="softEdge"/>
+            </a:bodyPr>
+            <a:lstStyle/>
+            <a:p>
+              <a:r>
+                <a:rPr lang="en-US" sz="3600" b="1" dirty="0">
+                  <a:ln w="12700" cmpd="sng">
+                    <a:solidFill>
+                      <a:srgbClr val="C56805"/>
+                    </a:solidFill>
+                    <a:prstDash val="solid"/>
+                  </a:ln>
+                  <a:solidFill>
+                    <a:schemeClr val="accent4">
+                      <a:lumMod val="20000"/>
+                      <a:lumOff val="80000"/>
+                    </a:schemeClr>
+                  </a:solidFill>
+                </a:rPr>
+                <a:t>2021</a:t>
+              </a:r>
+            </a:p>
+          </p:txBody>
+        </p:sp>
+        <p:sp>
+          <p:nvSpPr>
+            <p:cNvPr id="11" name="TextBox 10">
+              <a:extLst>
+                <a:ext uri="{FF2B5EF4-FFF2-40B4-BE49-F238E27FC236}">
+                  <a16:creationId xmlns:a16="http://schemas.microsoft.com/office/drawing/2014/main" id="{8039A1D5-5714-ACF6-42DE-2DA64E9B887D}"/>
+                </a:ext>
+              </a:extLst>
+            </p:cNvPr>
+            <p:cNvSpPr txBox="1"/>
+            <p:nvPr/>
+          </p:nvSpPr>
+          <p:spPr>
+            <a:xfrm>
+              <a:off x="8555683" y="3516076"/>
+              <a:ext cx="1505386" cy="954107"/>
+            </a:xfrm>
+            <a:prstGeom prst="rect">
+              <a:avLst/>
+            </a:prstGeom>
+            <a:noFill/>
+          </p:spPr>
+          <p:txBody>
+            <a:bodyPr wrap="square" rtlCol="0">
+              <a:spAutoFit/>
+            </a:bodyPr>
+            <a:lstStyle/>
+            <a:p>
+              <a:pPr algn="ctr"/>
+              <a:r>
+                <a:rPr lang="en-US" sz="2800" dirty="0"/>
+                <a:t> 2.8 million</a:t>
+              </a:r>
+            </a:p>
+          </p:txBody>
+        </p:sp>
+      </p:grpSp>
+      <p:grpSp>
+        <p:nvGrpSpPr>
+          <p:cNvPr id="22" name="Group 21">
+            <a:extLst>
+              <a:ext uri="{FF2B5EF4-FFF2-40B4-BE49-F238E27FC236}">
+                <a16:creationId xmlns:a16="http://schemas.microsoft.com/office/drawing/2014/main" id="{717201E2-FB6A-C144-87AF-C174DC19A4B3}"/>
+              </a:ext>
+            </a:extLst>
+          </p:cNvPr>
+          <p:cNvGrpSpPr/>
+          <p:nvPr/>
+        </p:nvGrpSpPr>
+        <p:grpSpPr>
+          <a:xfrm>
+            <a:off x="4014741" y="2710044"/>
+            <a:ext cx="1998922" cy="1807535"/>
+            <a:chOff x="2991521" y="3858234"/>
+            <a:chExt cx="1998922" cy="1807535"/>
+          </a:xfrm>
+        </p:grpSpPr>
+        <p:sp>
+          <p:nvSpPr>
+            <p:cNvPr id="12" name="Hexagon 11">
+              <a:extLst>
+                <a:ext uri="{FF2B5EF4-FFF2-40B4-BE49-F238E27FC236}">
+                  <a16:creationId xmlns:a16="http://schemas.microsoft.com/office/drawing/2014/main" id="{55BD19A5-F925-5D6E-779B-09C52EC05944}"/>
+                </a:ext>
+              </a:extLst>
+            </p:cNvPr>
+            <p:cNvSpPr/>
+            <p:nvPr/>
+          </p:nvSpPr>
+          <p:spPr>
+            <a:xfrm>
+              <a:off x="2991521" y="3858234"/>
+              <a:ext cx="1998922" cy="1807535"/>
+            </a:xfrm>
+            <a:prstGeom prst="hexagon">
+              <a:avLst/>
+            </a:prstGeom>
+            <a:noFill/>
+            <a:ln w="76200">
+              <a:solidFill>
+                <a:srgbClr val="C56805"/>
+              </a:solidFill>
+            </a:ln>
+            <a:effectLst>
+              <a:glow rad="101600">
+                <a:srgbClr val="FFC000">
+                  <a:alpha val="60000"/>
+                </a:srgbClr>
+              </a:glow>
+            </a:effectLst>
+          </p:spPr>
+          <p:style>
+            <a:lnRef idx="2">
+              <a:schemeClr val="accent1">
+                <a:shade val="50000"/>
+              </a:schemeClr>
+            </a:lnRef>
+            <a:fillRef idx="1">
+              <a:schemeClr val="accent1"/>
+            </a:fillRef>
+            <a:effectRef idx="0">
+              <a:schemeClr val="accent1"/>
+            </a:effectRef>
+            <a:fontRef idx="minor">
+              <a:schemeClr val="lt1"/>
+            </a:fontRef>
+          </p:style>
+          <p:txBody>
+            <a:bodyPr rtlCol="0" anchor="ctr">
+              <a:scene3d>
+                <a:camera prst="orthographicFront"/>
+                <a:lightRig rig="soft" dir="t">
+                  <a:rot lat="0" lon="0" rev="15600000"/>
+                </a:lightRig>
+              </a:scene3d>
+              <a:sp3d extrusionH="57150" prstMaterial="softEdge">
+                <a:bevelT w="25400" h="38100"/>
+              </a:sp3d>
+            </a:bodyPr>
+            <a:lstStyle/>
+            <a:p>
+              <a:pPr algn="ctr"/>
+              <a:endParaRPr lang="en-US" b="1">
+                <a:ln/>
+                <a:solidFill>
+                  <a:schemeClr val="accent4"/>
+                </a:solidFill>
+              </a:endParaRPr>
+            </a:p>
+          </p:txBody>
+        </p:sp>
+        <p:sp>
+          <p:nvSpPr>
+            <p:cNvPr id="17" name="TextBox 16">
+              <a:extLst>
+                <a:ext uri="{FF2B5EF4-FFF2-40B4-BE49-F238E27FC236}">
+                  <a16:creationId xmlns:a16="http://schemas.microsoft.com/office/drawing/2014/main" id="{AD8CE689-15DF-E8D4-DCE8-B9012E07F765}"/>
+                </a:ext>
+              </a:extLst>
+            </p:cNvPr>
+            <p:cNvSpPr txBox="1"/>
+            <p:nvPr/>
+          </p:nvSpPr>
+          <p:spPr>
+            <a:xfrm>
+              <a:off x="3314047" y="4074648"/>
+              <a:ext cx="1666719" cy="1323439"/>
+            </a:xfrm>
+            <a:prstGeom prst="rect">
+              <a:avLst/>
+            </a:prstGeom>
+            <a:noFill/>
+          </p:spPr>
+          <p:txBody>
+            <a:bodyPr wrap="square" rtlCol="0">
+              <a:spAutoFit/>
+            </a:bodyPr>
+            <a:lstStyle/>
+            <a:p>
+              <a:r>
+                <a:rPr lang="en-US" sz="2000" dirty="0"/>
+                <a:t>Introduction of DDT &amp; other harmful pesticides</a:t>
+              </a:r>
+            </a:p>
+          </p:txBody>
+        </p:sp>
+      </p:grpSp>
+      <p:grpSp>
+        <p:nvGrpSpPr>
+          <p:cNvPr id="28" name="Group 27">
+            <a:extLst>
+              <a:ext uri="{FF2B5EF4-FFF2-40B4-BE49-F238E27FC236}">
+                <a16:creationId xmlns:a16="http://schemas.microsoft.com/office/drawing/2014/main" id="{BD685A3D-C9C9-ECA6-CC19-1F917B3D12B4}"/>
+              </a:ext>
+            </a:extLst>
+          </p:cNvPr>
+          <p:cNvGrpSpPr/>
+          <p:nvPr/>
+        </p:nvGrpSpPr>
+        <p:grpSpPr>
+          <a:xfrm>
+            <a:off x="5759096" y="3832400"/>
+            <a:ext cx="1998922" cy="1807535"/>
+            <a:chOff x="4765165" y="2832323"/>
+            <a:chExt cx="1998922" cy="1807535"/>
+          </a:xfrm>
+        </p:grpSpPr>
+        <p:sp>
+          <p:nvSpPr>
+            <p:cNvPr id="7" name="Hexagon 6">
+              <a:extLst>
+                <a:ext uri="{FF2B5EF4-FFF2-40B4-BE49-F238E27FC236}">
+                  <a16:creationId xmlns:a16="http://schemas.microsoft.com/office/drawing/2014/main" id="{EF139369-3F4E-F913-9EEF-3ACFB9F0C659}"/>
+                </a:ext>
+              </a:extLst>
+            </p:cNvPr>
+            <p:cNvSpPr/>
+            <p:nvPr/>
+          </p:nvSpPr>
+          <p:spPr>
+            <a:xfrm>
+              <a:off x="4765165" y="2832323"/>
+              <a:ext cx="1998922" cy="1807535"/>
+            </a:xfrm>
+            <a:prstGeom prst="hexagon">
+              <a:avLst/>
+            </a:prstGeom>
+            <a:noFill/>
+            <a:ln w="76200">
+              <a:solidFill>
+                <a:srgbClr val="C56805"/>
+              </a:solidFill>
+            </a:ln>
+            <a:effectLst>
+              <a:glow rad="101600">
+                <a:srgbClr val="FFC000">
+                  <a:alpha val="60000"/>
+                </a:srgbClr>
+              </a:glow>
+            </a:effectLst>
+          </p:spPr>
+          <p:style>
+            <a:lnRef idx="2">
+              <a:schemeClr val="accent1">
+                <a:shade val="50000"/>
+              </a:schemeClr>
+            </a:lnRef>
+            <a:fillRef idx="1">
+              <a:schemeClr val="accent1"/>
+            </a:fillRef>
+            <a:effectRef idx="0">
+              <a:schemeClr val="accent1"/>
+            </a:effectRef>
+            <a:fontRef idx="minor">
+              <a:schemeClr val="lt1"/>
+            </a:fontRef>
+          </p:style>
+          <p:txBody>
+            <a:bodyPr rtlCol="0" anchor="ctr">
+              <a:scene3d>
+                <a:camera prst="orthographicFront"/>
+                <a:lightRig rig="soft" dir="t">
+                  <a:rot lat="0" lon="0" rev="15600000"/>
+                </a:lightRig>
+              </a:scene3d>
+              <a:sp3d extrusionH="57150" prstMaterial="softEdge">
+                <a:bevelT w="25400" h="38100"/>
+              </a:sp3d>
+            </a:bodyPr>
+            <a:lstStyle/>
+            <a:p>
+              <a:pPr algn="ctr"/>
+              <a:endParaRPr lang="en-US" b="1">
+                <a:ln/>
+                <a:solidFill>
+                  <a:schemeClr val="accent4"/>
+                </a:solidFill>
+              </a:endParaRPr>
+            </a:p>
+          </p:txBody>
+        </p:sp>
+        <p:sp>
+          <p:nvSpPr>
+            <p:cNvPr id="23" name="TextBox 22">
+              <a:extLst>
+                <a:ext uri="{FF2B5EF4-FFF2-40B4-BE49-F238E27FC236}">
+                  <a16:creationId xmlns:a16="http://schemas.microsoft.com/office/drawing/2014/main" id="{AA78A5B2-371A-70EF-A2CA-859C24A6891A}"/>
+                </a:ext>
+              </a:extLst>
+            </p:cNvPr>
+            <p:cNvSpPr txBox="1"/>
+            <p:nvPr/>
+          </p:nvSpPr>
+          <p:spPr>
+            <a:xfrm>
+              <a:off x="4933745" y="3024421"/>
+              <a:ext cx="1690572" cy="707886"/>
+            </a:xfrm>
+            <a:prstGeom prst="rect">
+              <a:avLst/>
+            </a:prstGeom>
+            <a:noFill/>
+            <a:effectLst>
+              <a:glow rad="101600">
+                <a:schemeClr val="accent4">
+                  <a:satMod val="175000"/>
+                  <a:alpha val="40000"/>
+                </a:schemeClr>
+              </a:glow>
+            </a:effectLst>
+          </p:spPr>
+          <p:txBody>
+            <a:bodyPr wrap="square" rtlCol="0">
+              <a:spAutoFit/>
+              <a:scene3d>
+                <a:camera prst="orthographicFront"/>
+                <a:lightRig rig="soft" dir="t">
+                  <a:rot lat="0" lon="0" rev="15600000"/>
+                </a:lightRig>
+              </a:scene3d>
+              <a:sp3d prstMaterial="softEdge"/>
+            </a:bodyPr>
+            <a:lstStyle/>
+            <a:p>
+              <a:r>
+                <a:rPr lang="en-US" sz="2800" b="1" dirty="0">
+                  <a:ln w="12700" cmpd="sng">
+                    <a:solidFill>
+                      <a:srgbClr val="C56805"/>
+                    </a:solidFill>
+                    <a:prstDash val="solid"/>
+                  </a:ln>
+                  <a:solidFill>
+                    <a:srgbClr val="ECBD7D"/>
+                  </a:solidFill>
+                </a:rPr>
+                <a:t> </a:t>
+              </a:r>
+              <a:r>
+                <a:rPr lang="en-US" sz="4000" b="1" dirty="0">
+                  <a:ln w="12700" cmpd="sng">
+                    <a:solidFill>
+                      <a:srgbClr val="C56805"/>
+                    </a:solidFill>
+                    <a:prstDash val="solid"/>
+                  </a:ln>
+                  <a:solidFill>
+                    <a:srgbClr val="ECBD7D"/>
+                  </a:solidFill>
+                </a:rPr>
+                <a:t>1970’s</a:t>
+              </a:r>
+              <a:endParaRPr lang="en-US" sz="2800" b="1" dirty="0">
+                <a:ln w="12700" cmpd="sng">
+                  <a:solidFill>
+                    <a:srgbClr val="C56805"/>
+                  </a:solidFill>
+                  <a:prstDash val="solid"/>
+                </a:ln>
+                <a:solidFill>
+                  <a:srgbClr val="ECBD7D"/>
+                </a:solidFill>
+              </a:endParaRPr>
+            </a:p>
+          </p:txBody>
+        </p:sp>
+        <p:sp>
+          <p:nvSpPr>
+            <p:cNvPr id="24" name="TextBox 23">
+              <a:extLst>
+                <a:ext uri="{FF2B5EF4-FFF2-40B4-BE49-F238E27FC236}">
+                  <a16:creationId xmlns:a16="http://schemas.microsoft.com/office/drawing/2014/main" id="{4E30B38C-2BA2-3827-DB79-06AEF5D0F64B}"/>
+                </a:ext>
+              </a:extLst>
+            </p:cNvPr>
+            <p:cNvSpPr txBox="1"/>
+            <p:nvPr/>
+          </p:nvSpPr>
+          <p:spPr>
+            <a:xfrm>
+              <a:off x="5069323" y="3662795"/>
+              <a:ext cx="1584245" cy="523220"/>
+            </a:xfrm>
+            <a:prstGeom prst="rect">
+              <a:avLst/>
+            </a:prstGeom>
+            <a:noFill/>
+          </p:spPr>
+          <p:txBody>
+            <a:bodyPr wrap="square" rtlCol="0">
+              <a:spAutoFit/>
+            </a:bodyPr>
+            <a:lstStyle/>
+            <a:p>
+              <a:r>
+                <a:rPr lang="en-US" sz="2800" dirty="0"/>
+                <a:t>3 million</a:t>
+              </a:r>
+            </a:p>
+          </p:txBody>
+        </p:sp>
+      </p:grpSp>
+      <p:grpSp>
+        <p:nvGrpSpPr>
+          <p:cNvPr id="29" name="Group 28">
+            <a:extLst>
+              <a:ext uri="{FF2B5EF4-FFF2-40B4-BE49-F238E27FC236}">
+                <a16:creationId xmlns:a16="http://schemas.microsoft.com/office/drawing/2014/main" id="{56DED882-629F-2319-13D3-17A24DEB8B89}"/>
+              </a:ext>
+            </a:extLst>
+          </p:cNvPr>
+          <p:cNvGrpSpPr/>
+          <p:nvPr/>
+        </p:nvGrpSpPr>
+        <p:grpSpPr>
+          <a:xfrm>
+            <a:off x="7513882" y="2773484"/>
+            <a:ext cx="2016874" cy="1807535"/>
+            <a:chOff x="6538809" y="3858233"/>
+            <a:chExt cx="2016874" cy="1807535"/>
+          </a:xfrm>
+        </p:grpSpPr>
+        <p:sp>
+          <p:nvSpPr>
+            <p:cNvPr id="14" name="Hexagon 13">
+              <a:extLst>
+                <a:ext uri="{FF2B5EF4-FFF2-40B4-BE49-F238E27FC236}">
+                  <a16:creationId xmlns:a16="http://schemas.microsoft.com/office/drawing/2014/main" id="{06061E35-8C8C-64B5-B812-7A662BFAE004}"/>
+                </a:ext>
+              </a:extLst>
+            </p:cNvPr>
+            <p:cNvSpPr/>
+            <p:nvPr/>
+          </p:nvSpPr>
+          <p:spPr>
+            <a:xfrm>
+              <a:off x="6538809" y="3858233"/>
+              <a:ext cx="1998922" cy="1807535"/>
+            </a:xfrm>
+            <a:prstGeom prst="hexagon">
+              <a:avLst/>
+            </a:prstGeom>
+            <a:noFill/>
+            <a:ln w="76200">
+              <a:solidFill>
+                <a:srgbClr val="C56805"/>
+              </a:solidFill>
+            </a:ln>
+            <a:effectLst>
+              <a:glow rad="101600">
+                <a:srgbClr val="FFC000">
+                  <a:alpha val="60000"/>
+                </a:srgbClr>
+              </a:glow>
+            </a:effectLst>
+          </p:spPr>
+          <p:style>
+            <a:lnRef idx="2">
+              <a:schemeClr val="accent1">
+                <a:shade val="50000"/>
+              </a:schemeClr>
+            </a:lnRef>
+            <a:fillRef idx="1">
+              <a:schemeClr val="accent1"/>
+            </a:fillRef>
+            <a:effectRef idx="0">
+              <a:schemeClr val="accent1"/>
+            </a:effectRef>
+            <a:fontRef idx="minor">
+              <a:schemeClr val="lt1"/>
+            </a:fontRef>
+          </p:style>
+          <p:txBody>
+            <a:bodyPr rtlCol="0" anchor="ctr">
+              <a:scene3d>
+                <a:camera prst="orthographicFront"/>
+                <a:lightRig rig="soft" dir="t">
+                  <a:rot lat="0" lon="0" rev="15600000"/>
+                </a:lightRig>
+              </a:scene3d>
+              <a:sp3d extrusionH="57150" prstMaterial="softEdge">
+                <a:bevelT w="25400" h="38100"/>
+              </a:sp3d>
+            </a:bodyPr>
+            <a:lstStyle/>
+            <a:p>
+              <a:pPr algn="ctr"/>
+              <a:endParaRPr lang="en-US" b="1">
+                <a:ln/>
+                <a:solidFill>
+                  <a:schemeClr val="accent4"/>
+                </a:solidFill>
+              </a:endParaRPr>
+            </a:p>
+          </p:txBody>
+        </p:sp>
+        <p:sp>
+          <p:nvSpPr>
+            <p:cNvPr id="25" name="TextBox 24">
+              <a:extLst>
+                <a:ext uri="{FF2B5EF4-FFF2-40B4-BE49-F238E27FC236}">
+                  <a16:creationId xmlns:a16="http://schemas.microsoft.com/office/drawing/2014/main" id="{BDEC92AF-798A-4800-A38A-DF73FB546B52}"/>
+                </a:ext>
+              </a:extLst>
+            </p:cNvPr>
+            <p:cNvSpPr txBox="1"/>
+            <p:nvPr/>
+          </p:nvSpPr>
+          <p:spPr>
+            <a:xfrm>
+              <a:off x="6865111" y="3888223"/>
+              <a:ext cx="1690572" cy="707886"/>
+            </a:xfrm>
+            <a:prstGeom prst="rect">
+              <a:avLst/>
+            </a:prstGeom>
+            <a:noFill/>
+            <a:effectLst>
+              <a:glow rad="101600">
+                <a:schemeClr val="accent4">
+                  <a:satMod val="175000"/>
+                  <a:alpha val="40000"/>
+                </a:schemeClr>
+              </a:glow>
+            </a:effectLst>
+          </p:spPr>
+          <p:txBody>
+            <a:bodyPr wrap="square" rtlCol="0">
+              <a:spAutoFit/>
+              <a:scene3d>
+                <a:camera prst="orthographicFront"/>
+                <a:lightRig rig="soft" dir="t">
+                  <a:rot lat="0" lon="0" rev="15600000"/>
+                </a:lightRig>
+              </a:scene3d>
+              <a:sp3d prstMaterial="softEdge"/>
+            </a:bodyPr>
+            <a:lstStyle/>
+            <a:p>
+              <a:r>
+                <a:rPr lang="en-US" sz="2800" b="1" dirty="0">
+                  <a:ln w="12700" cmpd="sng">
+                    <a:solidFill>
+                      <a:srgbClr val="C56805"/>
+                    </a:solidFill>
+                    <a:prstDash val="solid"/>
+                  </a:ln>
+                  <a:solidFill>
+                    <a:schemeClr val="bg2">
+                      <a:lumMod val="90000"/>
+                    </a:schemeClr>
+                  </a:solidFill>
+                </a:rPr>
+                <a:t> </a:t>
+              </a:r>
+              <a:r>
+                <a:rPr lang="en-US" sz="4000" b="1" dirty="0">
+                  <a:ln w="12700" cmpd="sng">
+                    <a:solidFill>
+                      <a:schemeClr val="tx1"/>
+                    </a:solidFill>
+                    <a:prstDash val="solid"/>
+                  </a:ln>
+                  <a:solidFill>
+                    <a:schemeClr val="bg2">
+                      <a:lumMod val="90000"/>
+                    </a:schemeClr>
+                  </a:solidFill>
+                </a:rPr>
+                <a:t>1987</a:t>
+              </a:r>
+              <a:endParaRPr lang="en-US" sz="2800" b="1" dirty="0">
+                <a:ln w="12700" cmpd="sng">
+                  <a:solidFill>
+                    <a:schemeClr val="tx1"/>
+                  </a:solidFill>
+                  <a:prstDash val="solid"/>
+                </a:ln>
+                <a:solidFill>
+                  <a:schemeClr val="bg2">
+                    <a:lumMod val="90000"/>
+                  </a:schemeClr>
+                </a:solidFill>
+              </a:endParaRPr>
+            </a:p>
+          </p:txBody>
+        </p:sp>
+        <p:sp>
+          <p:nvSpPr>
+            <p:cNvPr id="26" name="TextBox 25">
+              <a:extLst>
+                <a:ext uri="{FF2B5EF4-FFF2-40B4-BE49-F238E27FC236}">
+                  <a16:creationId xmlns:a16="http://schemas.microsoft.com/office/drawing/2014/main" id="{74E489C6-920C-E1F3-D657-5D9CE3BA307C}"/>
+                </a:ext>
+              </a:extLst>
+            </p:cNvPr>
+            <p:cNvSpPr txBox="1"/>
+            <p:nvPr/>
+          </p:nvSpPr>
+          <p:spPr>
+            <a:xfrm>
+              <a:off x="6734450" y="4436831"/>
+              <a:ext cx="1649845" cy="1200329"/>
+            </a:xfrm>
+            <a:prstGeom prst="rect">
+              <a:avLst/>
+            </a:prstGeom>
+            <a:noFill/>
+          </p:spPr>
+          <p:txBody>
+            <a:bodyPr wrap="square" rtlCol="0">
+              <a:spAutoFit/>
+            </a:bodyPr>
+            <a:lstStyle/>
+            <a:p>
+              <a:pPr algn="ctr"/>
+              <a:r>
+                <a:rPr lang="en-US" dirty="0"/>
+                <a:t>Introduction of Invasive Varroa Mites + other pathogens</a:t>
+              </a:r>
+            </a:p>
+          </p:txBody>
+        </p:sp>
+      </p:grpSp>
+      <p:grpSp>
+        <p:nvGrpSpPr>
+          <p:cNvPr id="31" name="Group 30">
+            <a:extLst>
+              <a:ext uri="{FF2B5EF4-FFF2-40B4-BE49-F238E27FC236}">
+                <a16:creationId xmlns:a16="http://schemas.microsoft.com/office/drawing/2014/main" id="{7F77C229-4C9B-F5E3-B87C-3097E8E05AE7}"/>
+              </a:ext>
+            </a:extLst>
+          </p:cNvPr>
+          <p:cNvGrpSpPr/>
+          <p:nvPr/>
+        </p:nvGrpSpPr>
+        <p:grpSpPr>
+          <a:xfrm>
+            <a:off x="2270385" y="3833296"/>
+            <a:ext cx="1998922" cy="1807535"/>
+            <a:chOff x="2991521" y="3858234"/>
+            <a:chExt cx="1998922" cy="1807535"/>
+          </a:xfrm>
+        </p:grpSpPr>
+        <p:sp>
+          <p:nvSpPr>
+            <p:cNvPr id="32" name="Hexagon 31">
+              <a:extLst>
+                <a:ext uri="{FF2B5EF4-FFF2-40B4-BE49-F238E27FC236}">
+                  <a16:creationId xmlns:a16="http://schemas.microsoft.com/office/drawing/2014/main" id="{146F81DB-BFC5-8A13-23CF-515ACF7BDABD}"/>
+                </a:ext>
+              </a:extLst>
+            </p:cNvPr>
+            <p:cNvSpPr/>
+            <p:nvPr/>
+          </p:nvSpPr>
+          <p:spPr>
+            <a:xfrm>
+              <a:off x="2991521" y="3858234"/>
+              <a:ext cx="1998922" cy="1807535"/>
+            </a:xfrm>
+            <a:prstGeom prst="hexagon">
+              <a:avLst/>
+            </a:prstGeom>
+            <a:noFill/>
+            <a:ln w="76200">
+              <a:solidFill>
+                <a:schemeClr val="accent4"/>
+              </a:solidFill>
+            </a:ln>
+            <a:effectLst>
+              <a:glow rad="101600">
+                <a:srgbClr val="FFC000">
+                  <a:alpha val="60000"/>
+                </a:srgbClr>
+              </a:glow>
+            </a:effectLst>
+          </p:spPr>
+          <p:style>
+            <a:lnRef idx="2">
+              <a:schemeClr val="accent1">
+                <a:shade val="50000"/>
+              </a:schemeClr>
+            </a:lnRef>
+            <a:fillRef idx="1">
+              <a:schemeClr val="accent1"/>
+            </a:fillRef>
+            <a:effectRef idx="0">
+              <a:schemeClr val="accent1"/>
+            </a:effectRef>
+            <a:fontRef idx="minor">
+              <a:schemeClr val="lt1"/>
+            </a:fontRef>
+          </p:style>
+          <p:txBody>
+            <a:bodyPr rtlCol="0" anchor="ctr">
+              <a:scene3d>
+                <a:camera prst="orthographicFront"/>
+                <a:lightRig rig="soft" dir="t">
+                  <a:rot lat="0" lon="0" rev="15600000"/>
+                </a:lightRig>
+              </a:scene3d>
+              <a:sp3d extrusionH="57150" prstMaterial="softEdge">
+                <a:bevelT w="25400" h="38100"/>
+              </a:sp3d>
+            </a:bodyPr>
+            <a:lstStyle/>
+            <a:p>
+              <a:pPr algn="ctr"/>
+              <a:endParaRPr lang="en-US" b="1">
+                <a:ln/>
+                <a:solidFill>
+                  <a:schemeClr val="accent4"/>
+                </a:solidFill>
+              </a:endParaRPr>
+            </a:p>
+          </p:txBody>
+        </p:sp>
+        <p:sp>
+          <p:nvSpPr>
+            <p:cNvPr id="33" name="TextBox 32">
+              <a:extLst>
+                <a:ext uri="{FF2B5EF4-FFF2-40B4-BE49-F238E27FC236}">
+                  <a16:creationId xmlns:a16="http://schemas.microsoft.com/office/drawing/2014/main" id="{8C507424-0853-0171-DDA7-6026B8BD0240}"/>
+                </a:ext>
+              </a:extLst>
+            </p:cNvPr>
+            <p:cNvSpPr txBox="1"/>
+            <p:nvPr/>
+          </p:nvSpPr>
+          <p:spPr>
+            <a:xfrm>
+              <a:off x="3493624" y="4282997"/>
+              <a:ext cx="1457883" cy="1015663"/>
+            </a:xfrm>
+            <a:prstGeom prst="rect">
+              <a:avLst/>
+            </a:prstGeom>
+            <a:noFill/>
+            <a:ln>
+              <a:noFill/>
+            </a:ln>
+          </p:spPr>
+          <p:txBody>
+            <a:bodyPr wrap="square" rtlCol="0">
+              <a:spAutoFit/>
+            </a:bodyPr>
+            <a:lstStyle/>
+            <a:p>
+              <a:r>
+                <a:rPr lang="en-US" sz="2000" dirty="0"/>
+                <a:t># of Small Farms After WW2</a:t>
+              </a:r>
+            </a:p>
+          </p:txBody>
+        </p:sp>
+        <p:sp>
+          <p:nvSpPr>
+            <p:cNvPr id="34" name="Down Arrow 33">
+              <a:extLst>
+                <a:ext uri="{FF2B5EF4-FFF2-40B4-BE49-F238E27FC236}">
+                  <a16:creationId xmlns:a16="http://schemas.microsoft.com/office/drawing/2014/main" id="{D9775297-A3AB-0B18-9E2A-FF07269AC052}"/>
+                </a:ext>
+              </a:extLst>
+            </p:cNvPr>
+            <p:cNvSpPr/>
+            <p:nvPr/>
+          </p:nvSpPr>
+          <p:spPr>
+            <a:xfrm>
+              <a:off x="3201679" y="4487808"/>
+              <a:ext cx="291945" cy="548384"/>
+            </a:xfrm>
+            <a:prstGeom prst="downArrow">
+              <a:avLst/>
+            </a:prstGeom>
+            <a:solidFill>
+              <a:schemeClr val="accent2"/>
+            </a:solidFill>
+            <a:ln>
+              <a:solidFill>
+                <a:schemeClr val="accent4"/>
+              </a:solidFill>
+            </a:ln>
+          </p:spPr>
+          <p:style>
+            <a:lnRef idx="2">
+              <a:schemeClr val="accent1">
+                <a:shade val="50000"/>
+              </a:schemeClr>
+            </a:lnRef>
+            <a:fillRef idx="1">
+              <a:schemeClr val="accent1"/>
+            </a:fillRef>
+            <a:effectRef idx="0">
+              <a:schemeClr val="accent1"/>
+            </a:effectRef>
+            <a:fontRef idx="minor">
+              <a:schemeClr val="lt1"/>
+            </a:fontRef>
+          </p:style>
+          <p:txBody>
+            <a:bodyPr rtlCol="0" anchor="ctr"/>
+            <a:lstStyle/>
+            <a:p>
+              <a:pPr algn="ctr"/>
+              <a:endParaRPr lang="en-US"/>
+            </a:p>
+          </p:txBody>
+        </p:sp>
+      </p:grpSp>
+    </p:spTree>
+    <p:extLst>
+      <p:ext uri="{BB962C8B-B14F-4D97-AF65-F5344CB8AC3E}">
+        <p14:creationId xmlns:p14="http://schemas.microsoft.com/office/powerpoint/2010/main" val="2175619044"/>
+      </p:ext>
+    </p:extLst>
+  </p:cSld>
+  <p:clrMapOvr>
+    <a:masterClrMapping/>
+  </p:clrMapOvr>
+  <p:timing>
+    <p:tnLst>
+      <p:par>
+        <p:cTn id="1" dur="indefinite" restart="never" nodeType="tmRoot">
+          <p:childTnLst>
+            <p:seq concurrent="1" nextAc="seek">
+              <p:cTn id="2" dur="indefinite" nodeType="mainSeq">
+                <p:childTnLst>
+                  <p:par>
+                    <p:cTn id="3" fill="hold">
+                      <p:stCondLst>
+                        <p:cond delay="indefinite"/>
+                      </p:stCondLst>
+                      <p:childTnLst>
+                        <p:par>
+                          <p:cTn id="4" fill="hold">
+                            <p:stCondLst>
+                              <p:cond delay="0"/>
+                            </p:stCondLst>
+                            <p:childTnLst>
+                              <p:par>
+                                <p:cTn id="5" presetID="42" presetClass="entr" presetSubtype="0" fill="hold" nodeType="clickEffect">
+                                  <p:stCondLst>
+                                    <p:cond delay="0"/>
+                                  </p:stCondLst>
+                                  <p:childTnLst>
+                                    <p:set>
+                                      <p:cBhvr>
+                                        <p:cTn id="6" dur="1" fill="hold">
+                                          <p:stCondLst>
+                                            <p:cond delay="0"/>
+                                          </p:stCondLst>
+                                        </p:cTn>
+                                        <p:tgtEl>
+                                          <p:spTgt spid="27"/>
+                                        </p:tgtEl>
+                                        <p:attrNameLst>
+                                          <p:attrName>style.visibility</p:attrName>
+                                        </p:attrNameLst>
+                                      </p:cBhvr>
+                                      <p:to>
+                                        <p:strVal val="visible"/>
+                                      </p:to>
+                                    </p:set>
+                                    <p:animEffect transition="in" filter="fade">
+                                      <p:cBhvr>
+                                        <p:cTn id="7" dur="1000"/>
+                                        <p:tgtEl>
+                                          <p:spTgt spid="27"/>
+                                        </p:tgtEl>
+                                      </p:cBhvr>
+                                    </p:animEffect>
+                                    <p:anim calcmode="lin" valueType="num">
+                                      <p:cBhvr>
+                                        <p:cTn id="8" dur="1000" fill="hold"/>
+                                        <p:tgtEl>
+                                          <p:spTgt spid="27"/>
+                                        </p:tgtEl>
+                                        <p:attrNameLst>
+                                          <p:attrName>ppt_x</p:attrName>
+                                        </p:attrNameLst>
+                                      </p:cBhvr>
+                                      <p:tavLst>
+                                        <p:tav tm="0">
+                                          <p:val>
+                                            <p:strVal val="#ppt_x"/>
+                                          </p:val>
+                                        </p:tav>
+                                        <p:tav tm="100000">
+                                          <p:val>
+                                            <p:strVal val="#ppt_x"/>
+                                          </p:val>
+                                        </p:tav>
+                                      </p:tavLst>
+                                    </p:anim>
+                                    <p:anim calcmode="lin" valueType="num">
+                                      <p:cBhvr>
+                                        <p:cTn id="9" dur="1000" fill="hold"/>
+                                        <p:tgtEl>
+                                          <p:spTgt spid="27"/>
+                                        </p:tgtEl>
+                                        <p:attrNameLst>
+                                          <p:attrName>ppt_y</p:attrName>
+                                        </p:attrNameLst>
+                                      </p:cBhvr>
+                                      <p:tavLst>
+                                        <p:tav tm="0">
+                                          <p:val>
+                                            <p:strVal val="#ppt_y+.1"/>
+                                          </p:val>
+                                        </p:tav>
+                                        <p:tav tm="100000">
+                                          <p:val>
+                                            <p:strVal val="#ppt_y"/>
+                                          </p:val>
+                                        </p:tav>
+                                      </p:tavLst>
+                                    </p:anim>
+                                  </p:childTnLst>
+                                </p:cTn>
+                              </p:par>
+                            </p:childTnLst>
+                          </p:cTn>
+                        </p:par>
+                      </p:childTnLst>
+                    </p:cTn>
+                  </p:par>
+                  <p:par>
+                    <p:cTn id="10" fill="hold">
+                      <p:stCondLst>
+                        <p:cond delay="indefinite"/>
+                      </p:stCondLst>
+                      <p:childTnLst>
+                        <p:par>
+                          <p:cTn id="11" fill="hold">
+                            <p:stCondLst>
+                              <p:cond delay="0"/>
+                            </p:stCondLst>
+                            <p:childTnLst>
+                              <p:par>
+                                <p:cTn id="12" presetID="42" presetClass="entr" presetSubtype="0" fill="hold" nodeType="clickEffect">
+                                  <p:stCondLst>
+                                    <p:cond delay="0"/>
+                                  </p:stCondLst>
+                                  <p:childTnLst>
+                                    <p:set>
+                                      <p:cBhvr>
+                                        <p:cTn id="13" dur="1" fill="hold">
+                                          <p:stCondLst>
+                                            <p:cond delay="0"/>
+                                          </p:stCondLst>
+                                        </p:cTn>
+                                        <p:tgtEl>
+                                          <p:spTgt spid="31"/>
+                                        </p:tgtEl>
+                                        <p:attrNameLst>
+                                          <p:attrName>style.visibility</p:attrName>
+                                        </p:attrNameLst>
+                                      </p:cBhvr>
+                                      <p:to>
+                                        <p:strVal val="visible"/>
+                                      </p:to>
+                                    </p:set>
+                                    <p:animEffect transition="in" filter="fade">
+                                      <p:cBhvr>
+                                        <p:cTn id="14" dur="1000"/>
+                                        <p:tgtEl>
+                                          <p:spTgt spid="31"/>
+                                        </p:tgtEl>
+                                      </p:cBhvr>
+                                    </p:animEffect>
+                                    <p:anim calcmode="lin" valueType="num">
+                                      <p:cBhvr>
+                                        <p:cTn id="15" dur="1000" fill="hold"/>
+                                        <p:tgtEl>
+                                          <p:spTgt spid="31"/>
+                                        </p:tgtEl>
+                                        <p:attrNameLst>
+                                          <p:attrName>ppt_x</p:attrName>
+                                        </p:attrNameLst>
+                                      </p:cBhvr>
+                                      <p:tavLst>
+                                        <p:tav tm="0">
+                                          <p:val>
+                                            <p:strVal val="#ppt_x"/>
+                                          </p:val>
+                                        </p:tav>
+                                        <p:tav tm="100000">
+                                          <p:val>
+                                            <p:strVal val="#ppt_x"/>
+                                          </p:val>
+                                        </p:tav>
+                                      </p:tavLst>
+                                    </p:anim>
+                                    <p:anim calcmode="lin" valueType="num">
+                                      <p:cBhvr>
+                                        <p:cTn id="16" dur="1000" fill="hold"/>
+                                        <p:tgtEl>
+                                          <p:spTgt spid="31"/>
+                                        </p:tgtEl>
+                                        <p:attrNameLst>
+                                          <p:attrName>ppt_y</p:attrName>
+                                        </p:attrNameLst>
+                                      </p:cBhvr>
+                                      <p:tavLst>
+                                        <p:tav tm="0">
+                                          <p:val>
+                                            <p:strVal val="#ppt_y+.1"/>
+                                          </p:val>
+                                        </p:tav>
+                                        <p:tav tm="100000">
+                                          <p:val>
+                                            <p:strVal val="#ppt_y"/>
+                                          </p:val>
+                                        </p:tav>
+                                      </p:tavLst>
+                                    </p:anim>
+                                  </p:childTnLst>
+                                </p:cTn>
+                              </p:par>
+                            </p:childTnLst>
+                          </p:cTn>
+                        </p:par>
+                      </p:childTnLst>
+                    </p:cTn>
+                  </p:par>
+                  <p:par>
+                    <p:cTn id="17" fill="hold">
+                      <p:stCondLst>
+                        <p:cond delay="indefinite"/>
+                      </p:stCondLst>
+                      <p:childTnLst>
+                        <p:par>
+                          <p:cTn id="18" fill="hold">
+                            <p:stCondLst>
+                              <p:cond delay="0"/>
+                            </p:stCondLst>
+                            <p:childTnLst>
+                              <p:par>
+                                <p:cTn id="19" presetID="42" presetClass="entr" presetSubtype="0" fill="hold" nodeType="clickEffect">
+                                  <p:stCondLst>
+                                    <p:cond delay="0"/>
+                                  </p:stCondLst>
+                                  <p:childTnLst>
+                                    <p:set>
+                                      <p:cBhvr>
+                                        <p:cTn id="20" dur="1" fill="hold">
+                                          <p:stCondLst>
+                                            <p:cond delay="0"/>
+                                          </p:stCondLst>
+                                        </p:cTn>
+                                        <p:tgtEl>
+                                          <p:spTgt spid="22"/>
+                                        </p:tgtEl>
+                                        <p:attrNameLst>
+                                          <p:attrName>style.visibility</p:attrName>
+                                        </p:attrNameLst>
+                                      </p:cBhvr>
+                                      <p:to>
+                                        <p:strVal val="visible"/>
+                                      </p:to>
+                                    </p:set>
+                                    <p:animEffect transition="in" filter="fade">
+                                      <p:cBhvr>
+                                        <p:cTn id="21" dur="1000"/>
+                                        <p:tgtEl>
+                                          <p:spTgt spid="22"/>
+                                        </p:tgtEl>
+                                      </p:cBhvr>
+                                    </p:animEffect>
+                                    <p:anim calcmode="lin" valueType="num">
+                                      <p:cBhvr>
+                                        <p:cTn id="22" dur="1000" fill="hold"/>
+                                        <p:tgtEl>
+                                          <p:spTgt spid="22"/>
+                                        </p:tgtEl>
+                                        <p:attrNameLst>
+                                          <p:attrName>ppt_x</p:attrName>
+                                        </p:attrNameLst>
+                                      </p:cBhvr>
+                                      <p:tavLst>
+                                        <p:tav tm="0">
+                                          <p:val>
+                                            <p:strVal val="#ppt_x"/>
+                                          </p:val>
+                                        </p:tav>
+                                        <p:tav tm="100000">
+                                          <p:val>
+                                            <p:strVal val="#ppt_x"/>
+                                          </p:val>
+                                        </p:tav>
+                                      </p:tavLst>
+                                    </p:anim>
+                                    <p:anim calcmode="lin" valueType="num">
+                                      <p:cBhvr>
+                                        <p:cTn id="23" dur="1000" fill="hold"/>
+                                        <p:tgtEl>
+                                          <p:spTgt spid="22"/>
+                                        </p:tgtEl>
+                                        <p:attrNameLst>
+                                          <p:attrName>ppt_y</p:attrName>
+                                        </p:attrNameLst>
+                                      </p:cBhvr>
+                                      <p:tavLst>
+                                        <p:tav tm="0">
+                                          <p:val>
+                                            <p:strVal val="#ppt_y+.1"/>
+                                          </p:val>
+                                        </p:tav>
+                                        <p:tav tm="100000">
+                                          <p:val>
+                                            <p:strVal val="#ppt_y"/>
+                                          </p:val>
+                                        </p:tav>
+                                      </p:tavLst>
+                                    </p:anim>
+                                  </p:childTnLst>
+                                </p:cTn>
+                              </p:par>
+                            </p:childTnLst>
+                          </p:cTn>
+                        </p:par>
+                      </p:childTnLst>
+                    </p:cTn>
+                  </p:par>
+                  <p:par>
+                    <p:cTn id="24" fill="hold">
+                      <p:stCondLst>
+                        <p:cond delay="indefinite"/>
+                      </p:stCondLst>
+                      <p:childTnLst>
+                        <p:par>
+                          <p:cTn id="25" fill="hold">
+                            <p:stCondLst>
+                              <p:cond delay="0"/>
+                            </p:stCondLst>
+                            <p:childTnLst>
+                              <p:par>
+                                <p:cTn id="26" presetID="42" presetClass="entr" presetSubtype="0" fill="hold" nodeType="clickEffect">
+                                  <p:stCondLst>
+                                    <p:cond delay="0"/>
+                                  </p:stCondLst>
+                                  <p:childTnLst>
+                                    <p:set>
+                                      <p:cBhvr>
+                                        <p:cTn id="27" dur="1" fill="hold">
+                                          <p:stCondLst>
+                                            <p:cond delay="0"/>
+                                          </p:stCondLst>
+                                        </p:cTn>
+                                        <p:tgtEl>
+                                          <p:spTgt spid="28"/>
+                                        </p:tgtEl>
+                                        <p:attrNameLst>
+                                          <p:attrName>style.visibility</p:attrName>
+                                        </p:attrNameLst>
+                                      </p:cBhvr>
+                                      <p:to>
+                                        <p:strVal val="visible"/>
+                                      </p:to>
+                                    </p:set>
+                                    <p:animEffect transition="in" filter="fade">
+                                      <p:cBhvr>
+                                        <p:cTn id="28" dur="1000"/>
+                                        <p:tgtEl>
+                                          <p:spTgt spid="28"/>
+                                        </p:tgtEl>
+                                      </p:cBhvr>
+                                    </p:animEffect>
+                                    <p:anim calcmode="lin" valueType="num">
+                                      <p:cBhvr>
+                                        <p:cTn id="29" dur="1000" fill="hold"/>
+                                        <p:tgtEl>
+                                          <p:spTgt spid="28"/>
+                                        </p:tgtEl>
+                                        <p:attrNameLst>
+                                          <p:attrName>ppt_x</p:attrName>
+                                        </p:attrNameLst>
+                                      </p:cBhvr>
+                                      <p:tavLst>
+                                        <p:tav tm="0">
+                                          <p:val>
+                                            <p:strVal val="#ppt_x"/>
+                                          </p:val>
+                                        </p:tav>
+                                        <p:tav tm="100000">
+                                          <p:val>
+                                            <p:strVal val="#ppt_x"/>
+                                          </p:val>
+                                        </p:tav>
+                                      </p:tavLst>
+                                    </p:anim>
+                                    <p:anim calcmode="lin" valueType="num">
+                                      <p:cBhvr>
+                                        <p:cTn id="30" dur="1000" fill="hold"/>
+                                        <p:tgtEl>
+                                          <p:spTgt spid="28"/>
+                                        </p:tgtEl>
+                                        <p:attrNameLst>
+                                          <p:attrName>ppt_y</p:attrName>
+                                        </p:attrNameLst>
+                                      </p:cBhvr>
+                                      <p:tavLst>
+                                        <p:tav tm="0">
+                                          <p:val>
+                                            <p:strVal val="#ppt_y+.1"/>
+                                          </p:val>
+                                        </p:tav>
+                                        <p:tav tm="100000">
+                                          <p:val>
+                                            <p:strVal val="#ppt_y"/>
+                                          </p:val>
+                                        </p:tav>
+                                      </p:tavLst>
+                                    </p:anim>
+                                  </p:childTnLst>
+                                </p:cTn>
+                              </p:par>
+                            </p:childTnLst>
+                          </p:cTn>
+                        </p:par>
+                      </p:childTnLst>
+                    </p:cTn>
+                  </p:par>
+                  <p:par>
+                    <p:cTn id="31" fill="hold">
+                      <p:stCondLst>
+                        <p:cond delay="indefinite"/>
+                      </p:stCondLst>
+                      <p:childTnLst>
+                        <p:par>
+                          <p:cTn id="32" fill="hold">
+                            <p:stCondLst>
+                              <p:cond delay="0"/>
+                            </p:stCondLst>
+                            <p:childTnLst>
+                              <p:par>
+                                <p:cTn id="33" presetID="42" presetClass="entr" presetSubtype="0" fill="hold" nodeType="clickEffect">
+                                  <p:stCondLst>
+                                    <p:cond delay="0"/>
+                                  </p:stCondLst>
+                                  <p:childTnLst>
+                                    <p:set>
+                                      <p:cBhvr>
+                                        <p:cTn id="34" dur="1" fill="hold">
+                                          <p:stCondLst>
+                                            <p:cond delay="0"/>
+                                          </p:stCondLst>
+                                        </p:cTn>
+                                        <p:tgtEl>
+                                          <p:spTgt spid="29"/>
+                                        </p:tgtEl>
+                                        <p:attrNameLst>
+                                          <p:attrName>style.visibility</p:attrName>
+                                        </p:attrNameLst>
+                                      </p:cBhvr>
+                                      <p:to>
+                                        <p:strVal val="visible"/>
+                                      </p:to>
+                                    </p:set>
+                                    <p:animEffect transition="in" filter="fade">
+                                      <p:cBhvr>
+                                        <p:cTn id="35" dur="1000"/>
+                                        <p:tgtEl>
+                                          <p:spTgt spid="29"/>
+                                        </p:tgtEl>
+                                      </p:cBhvr>
+                                    </p:animEffect>
+                                    <p:anim calcmode="lin" valueType="num">
+                                      <p:cBhvr>
+                                        <p:cTn id="36" dur="1000" fill="hold"/>
+                                        <p:tgtEl>
+                                          <p:spTgt spid="29"/>
+                                        </p:tgtEl>
+                                        <p:attrNameLst>
+                                          <p:attrName>ppt_x</p:attrName>
+                                        </p:attrNameLst>
+                                      </p:cBhvr>
+                                      <p:tavLst>
+                                        <p:tav tm="0">
+                                          <p:val>
+                                            <p:strVal val="#ppt_x"/>
+                                          </p:val>
+                                        </p:tav>
+                                        <p:tav tm="100000">
+                                          <p:val>
+                                            <p:strVal val="#ppt_x"/>
+                                          </p:val>
+                                        </p:tav>
+                                      </p:tavLst>
+                                    </p:anim>
+                                    <p:anim calcmode="lin" valueType="num">
+                                      <p:cBhvr>
+                                        <p:cTn id="37" dur="1000" fill="hold"/>
+                                        <p:tgtEl>
+                                          <p:spTgt spid="29"/>
+                                        </p:tgtEl>
+                                        <p:attrNameLst>
+                                          <p:attrName>ppt_y</p:attrName>
+                                        </p:attrNameLst>
+                                      </p:cBhvr>
+                                      <p:tavLst>
+                                        <p:tav tm="0">
+                                          <p:val>
+                                            <p:strVal val="#ppt_y+.1"/>
+                                          </p:val>
+                                        </p:tav>
+                                        <p:tav tm="100000">
+                                          <p:val>
+                                            <p:strVal val="#ppt_y"/>
+                                          </p:val>
+                                        </p:tav>
+                                      </p:tavLst>
+                                    </p:anim>
+                                  </p:childTnLst>
+                                </p:cTn>
+                              </p:par>
+                            </p:childTnLst>
+                          </p:cTn>
+                        </p:par>
+                      </p:childTnLst>
+                    </p:cTn>
+                  </p:par>
+                  <p:par>
+                    <p:cTn id="38" fill="hold">
+                      <p:stCondLst>
+                        <p:cond delay="indefinite"/>
+                      </p:stCondLst>
+                      <p:childTnLst>
+                        <p:par>
+                          <p:cTn id="39" fill="hold">
+                            <p:stCondLst>
+                              <p:cond delay="0"/>
+                            </p:stCondLst>
+                            <p:childTnLst>
+                              <p:par>
+                                <p:cTn id="40" presetID="42" presetClass="entr" presetSubtype="0" fill="hold" nodeType="clickEffect">
+                                  <p:stCondLst>
+                                    <p:cond delay="0"/>
+                                  </p:stCondLst>
+                                  <p:childTnLst>
+                                    <p:set>
+                                      <p:cBhvr>
+                                        <p:cTn id="41" dur="1" fill="hold">
+                                          <p:stCondLst>
+                                            <p:cond delay="0"/>
+                                          </p:stCondLst>
+                                        </p:cTn>
+                                        <p:tgtEl>
+                                          <p:spTgt spid="30"/>
+                                        </p:tgtEl>
+                                        <p:attrNameLst>
+                                          <p:attrName>style.visibility</p:attrName>
+                                        </p:attrNameLst>
+                                      </p:cBhvr>
+                                      <p:to>
+                                        <p:strVal val="visible"/>
+                                      </p:to>
+                                    </p:set>
+                                    <p:animEffect transition="in" filter="fade">
+                                      <p:cBhvr>
+                                        <p:cTn id="42" dur="1000"/>
+                                        <p:tgtEl>
+                                          <p:spTgt spid="30"/>
+                                        </p:tgtEl>
+                                      </p:cBhvr>
+                                    </p:animEffect>
+                                    <p:anim calcmode="lin" valueType="num">
+                                      <p:cBhvr>
+                                        <p:cTn id="43" dur="1000" fill="hold"/>
+                                        <p:tgtEl>
+                                          <p:spTgt spid="30"/>
+                                        </p:tgtEl>
+                                        <p:attrNameLst>
+                                          <p:attrName>ppt_x</p:attrName>
+                                        </p:attrNameLst>
+                                      </p:cBhvr>
+                                      <p:tavLst>
+                                        <p:tav tm="0">
+                                          <p:val>
+                                            <p:strVal val="#ppt_x"/>
+                                          </p:val>
+                                        </p:tav>
+                                        <p:tav tm="100000">
+                                          <p:val>
+                                            <p:strVal val="#ppt_x"/>
+                                          </p:val>
+                                        </p:tav>
+                                      </p:tavLst>
+                                    </p:anim>
+                                    <p:anim calcmode="lin" valueType="num">
+                                      <p:cBhvr>
+                                        <p:cTn id="44" dur="1000" fill="hold"/>
+                                        <p:tgtEl>
+                                          <p:spTgt spid="30"/>
+                                        </p:tgtEl>
+                                        <p:attrNameLst>
+                                          <p:attrName>ppt_y</p:attrName>
+                                        </p:attrNameLst>
+                                      </p:cBhvr>
+                                      <p:tavLst>
+                                        <p:tav tm="0">
+                                          <p:val>
+                                            <p:strVal val="#ppt_y+.1"/>
+                                          </p:val>
+                                        </p:tav>
+                                        <p:tav tm="100000">
+                                          <p:val>
+                                            <p:strVal val="#ppt_y"/>
+                                          </p:val>
+                                        </p:tav>
+                                      </p:tavLst>
+                                    </p:anim>
+                                  </p:childTnLst>
+                                </p:cTn>
+                              </p:par>
+                            </p:childTnLst>
+                          </p:cTn>
+                        </p:par>
+                      </p:childTnLst>
+                    </p:cTn>
+                  </p:par>
+                  <p:par>
+                    <p:cTn id="45" fill="hold">
+                      <p:stCondLst>
+                        <p:cond delay="indefinite"/>
+                      </p:stCondLst>
+                      <p:childTnLst>
+                        <p:par>
+                          <p:cTn id="46" fill="hold">
+                            <p:stCondLst>
+                              <p:cond delay="0"/>
+                            </p:stCondLst>
+                            <p:childTnLst>
+                              <p:par>
+                                <p:cTn id="47" presetID="2" presetClass="entr" presetSubtype="4" fill="hold" nodeType="clickEffect">
+                                  <p:stCondLst>
+                                    <p:cond delay="0"/>
+                                  </p:stCondLst>
+                                  <p:childTnLst>
+                                    <p:set>
+                                      <p:cBhvr>
+                                        <p:cTn id="48" dur="1" fill="hold">
+                                          <p:stCondLst>
+                                            <p:cond delay="0"/>
+                                          </p:stCondLst>
+                                        </p:cTn>
+                                        <p:tgtEl>
+                                          <p:spTgt spid="3">
+                                            <p:txEl>
+                                              <p:pRg st="0" end="0"/>
+                                            </p:txEl>
+                                          </p:spTgt>
+                                        </p:tgtEl>
+                                        <p:attrNameLst>
+                                          <p:attrName>style.visibility</p:attrName>
+                                        </p:attrNameLst>
+                                      </p:cBhvr>
+                                      <p:to>
+                                        <p:strVal val="visible"/>
+                                      </p:to>
+                                    </p:set>
+                                    <p:anim calcmode="lin" valueType="num">
+                                      <p:cBhvr additive="base">
+                                        <p:cTn id="49" dur="500" fill="hold"/>
+                                        <p:tgtEl>
+                                          <p:spTgt spid="3">
+                                            <p:txEl>
+                                              <p:pRg st="0" end="0"/>
+                                            </p:txEl>
+                                          </p:spTgt>
+                                        </p:tgtEl>
+                                        <p:attrNameLst>
+                                          <p:attrName>ppt_x</p:attrName>
+                                        </p:attrNameLst>
+                                      </p:cBhvr>
+                                      <p:tavLst>
+                                        <p:tav tm="0">
+                                          <p:val>
+                                            <p:strVal val="#ppt_x"/>
+                                          </p:val>
+                                        </p:tav>
+                                        <p:tav tm="100000">
+                                          <p:val>
+                                            <p:strVal val="#ppt_x"/>
+                                          </p:val>
+                                        </p:tav>
+                                      </p:tavLst>
+                                    </p:anim>
+                                    <p:anim calcmode="lin" valueType="num">
+                                      <p:cBhvr additive="base">
+                                        <p:cTn id="50" dur="500" fill="hold"/>
+                                        <p:tgtEl>
+                                          <p:spTgt spid="3">
+                                            <p:txEl>
+                                              <p:pRg st="0" end="0"/>
+                                            </p:txEl>
+                                          </p:spTgt>
+                                        </p:tgtEl>
+                                        <p:attrNameLst>
+                                          <p:attrName>ppt_y</p:attrName>
+                                        </p:attrNameLst>
+                                      </p:cBhvr>
+                                      <p:tavLst>
+                                        <p:tav tm="0">
+                                          <p:val>
+                                            <p:strVal val="1+#ppt_h/2"/>
+                                          </p:val>
+                                        </p:tav>
+                                        <p:tav tm="100000">
+                                          <p:val>
+                                            <p:strVal val="#ppt_y"/>
+                                          </p:val>
+                                        </p:tav>
+                                      </p:tavLst>
+                                    </p:anim>
+                                  </p:childTnLst>
+                                </p:cTn>
+                              </p:par>
+                              <p:par>
+                                <p:cTn id="51" presetID="2" presetClass="entr" presetSubtype="4" fill="hold" nodeType="withEffect">
+                                  <p:stCondLst>
+                                    <p:cond delay="0"/>
+                                  </p:stCondLst>
+                                  <p:childTnLst>
+                                    <p:set>
+                                      <p:cBhvr>
+                                        <p:cTn id="52" dur="1" fill="hold">
+                                          <p:stCondLst>
+                                            <p:cond delay="0"/>
+                                          </p:stCondLst>
+                                        </p:cTn>
+                                        <p:tgtEl>
+                                          <p:spTgt spid="3">
+                                            <p:txEl>
+                                              <p:pRg st="1" end="1"/>
+                                            </p:txEl>
+                                          </p:spTgt>
+                                        </p:tgtEl>
+                                        <p:attrNameLst>
+                                          <p:attrName>style.visibility</p:attrName>
+                                        </p:attrNameLst>
+                                      </p:cBhvr>
+                                      <p:to>
+                                        <p:strVal val="visible"/>
+                                      </p:to>
+                                    </p:set>
+                                    <p:anim calcmode="lin" valueType="num">
+                                      <p:cBhvr additive="base">
+                                        <p:cTn id="53" dur="500" fill="hold"/>
+                                        <p:tgtEl>
+                                          <p:spTgt spid="3">
+                                            <p:txEl>
+                                              <p:pRg st="1" end="1"/>
+                                            </p:txEl>
+                                          </p:spTgt>
+                                        </p:tgtEl>
+                                        <p:attrNameLst>
+                                          <p:attrName>ppt_x</p:attrName>
+                                        </p:attrNameLst>
+                                      </p:cBhvr>
+                                      <p:tavLst>
+                                        <p:tav tm="0">
+                                          <p:val>
+                                            <p:strVal val="#ppt_x"/>
+                                          </p:val>
+                                        </p:tav>
+                                        <p:tav tm="100000">
+                                          <p:val>
+                                            <p:strVal val="#ppt_x"/>
+                                          </p:val>
+                                        </p:tav>
+                                      </p:tavLst>
+                                    </p:anim>
+                                    <p:anim calcmode="lin" valueType="num">
+                                      <p:cBhvr additive="base">
+                                        <p:cTn id="54" dur="500" fill="hold"/>
+                                        <p:tgtEl>
+                                          <p:spTgt spid="3">
+                                            <p:txEl>
+                                              <p:pRg st="1" end="1"/>
+                                            </p:txEl>
+                                          </p:spTgt>
+                                        </p:tgtEl>
+                                        <p:attrNameLst>
+                                          <p:attrName>ppt_y</p:attrName>
+                                        </p:attrNameLst>
+                                      </p:cBhvr>
+                                      <p:tavLst>
+                                        <p:tav tm="0">
+                                          <p:val>
+                                            <p:strVal val="1+#ppt_h/2"/>
+                                          </p:val>
+                                        </p:tav>
+                                        <p:tav tm="100000">
+                                          <p:val>
+                                            <p:strVal val="#ppt_y"/>
+                                          </p:val>
+                                        </p:tav>
+                                      </p:tavLst>
+                                    </p:anim>
+                                  </p:childTnLst>
+                                </p:cTn>
+                              </p:par>
+                            </p:childTnLst>
+                          </p:cTn>
+                        </p:par>
+                      </p:childTnLst>
+                    </p:cTn>
+                  </p:par>
+                </p:childTnLst>
+              </p:cTn>
+              <p:prevCondLst>
+                <p:cond evt="onPrev" delay="0">
+                  <p:tgtEl>
+                    <p:sldTgt/>
+                  </p:tgtEl>
+                </p:cond>
+              </p:prevCondLst>
+              <p:nextCondLst>
+                <p:cond evt="onNext" delay="0">
+                  <p:tgtEl>
+                    <p:sldTgt/>
+                  </p:tgtEl>
+                </p:cond>
+              </p:nextCondLst>
+            </p:seq>
+          </p:childTnLst>
+        </p:cTn>
+      </p:par>
+    </p:tnLst>
+  </p:timing>
+</p:sld>
+</file>
+
+<file path=ppt/slides/slide3.xml><?xml version="1.0" encoding="utf-8"?>
+<p:sld xmlns:a="http://schemas.openxmlformats.org/drawingml/2006/main" xmlns:r="http://schemas.openxmlformats.org/officeDocument/2006/relationships" xmlns:p="http://schemas.openxmlformats.org/presentationml/2006/main">
+  <p:cSld>
+    <p:spTree>
+      <p:nvGrpSpPr>
+        <p:cNvPr id="1" name=""/>
+        <p:cNvGrpSpPr/>
+        <p:nvPr/>
+      </p:nvGrpSpPr>
+      <p:grpSpPr>
+        <a:xfrm>
+          <a:off x="0" y="0"/>
+          <a:ext cx="0" cy="0"/>
+          <a:chOff x="0" y="0"/>
+          <a:chExt cx="0" cy="0"/>
+        </a:xfrm>
+      </p:grpSpPr>
+      <p:sp>
+        <p:nvSpPr>
+          <p:cNvPr id="2" name="Title 1">
+            <a:extLst>
+              <a:ext uri="{FF2B5EF4-FFF2-40B4-BE49-F238E27FC236}">
+                <a16:creationId xmlns:a16="http://schemas.microsoft.com/office/drawing/2014/main" id="{CFEE290C-6A8F-789E-489B-DD1C58C05905}"/>
+              </a:ext>
+            </a:extLst>
+          </p:cNvPr>
+          <p:cNvSpPr>
+            <a:spLocks noGrp="1"/>
+          </p:cNvSpPr>
+          <p:nvPr>
+            <p:ph type="title"/>
+          </p:nvPr>
+        </p:nvSpPr>
+        <p:spPr>
+          <a:xfrm>
+            <a:off x="838200" y="141841"/>
+            <a:ext cx="10515600" cy="1325563"/>
+          </a:xfrm>
+        </p:spPr>
+        <p:txBody>
+          <a:bodyPr>
+            <a:normAutofit/>
+          </a:bodyPr>
+          <a:lstStyle/>
+          <a:p>
+            <a:r>
+              <a:rPr lang="en-US" sz="3600" dirty="0"/>
+              <a:t>A Mystery Plague: Colony Collapse Disorder (CCD) </a:t>
+            </a:r>
+          </a:p>
+        </p:txBody>
+      </p:sp>
+      <p:sp>
+        <p:nvSpPr>
+          <p:cNvPr id="3" name="Content Placeholder 2">
+            <a:extLst>
+              <a:ext uri="{FF2B5EF4-FFF2-40B4-BE49-F238E27FC236}">
+                <a16:creationId xmlns:a16="http://schemas.microsoft.com/office/drawing/2014/main" id="{D7FBA006-D532-E51E-5E58-71B38DED7D22}"/>
+              </a:ext>
+            </a:extLst>
+          </p:cNvPr>
+          <p:cNvSpPr>
+            <a:spLocks noGrp="1"/>
+          </p:cNvSpPr>
+          <p:nvPr>
+            <p:ph idx="1"/>
+          </p:nvPr>
+        </p:nvSpPr>
+        <p:spPr>
+          <a:xfrm>
+            <a:off x="773495" y="1345971"/>
+            <a:ext cx="10515600" cy="5029089"/>
+          </a:xfrm>
+        </p:spPr>
+        <p:txBody>
+          <a:bodyPr>
+            <a:normAutofit/>
+          </a:bodyPr>
+          <a:lstStyle/>
+          <a:p>
+            <a:r>
+              <a:rPr lang="en-US" sz="2000" dirty="0"/>
+              <a:t>First characterized in 2006, beekeepers reported as much as 30-90% loss of their hives </a:t>
+            </a:r>
+          </a:p>
+          <a:p>
+            <a:r>
+              <a:rPr lang="en-US" sz="2000" dirty="0"/>
+              <a:t>Signs of CCD: </a:t>
+            </a:r>
+          </a:p>
+          <a:p>
+            <a:pPr lvl="1"/>
+            <a:r>
+              <a:rPr lang="en-US" sz="1800" dirty="0"/>
+              <a:t>Sudden vanishing/loss of a colony’s worker bee population </a:t>
+            </a:r>
+          </a:p>
+          <a:p>
+            <a:pPr lvl="1"/>
+            <a:r>
+              <a:rPr lang="en-US" sz="1800" dirty="0"/>
+              <a:t>Little to no dead bees</a:t>
+            </a:r>
+          </a:p>
+          <a:p>
+            <a:pPr lvl="1"/>
+            <a:r>
+              <a:rPr lang="en-US" sz="1800" dirty="0"/>
+              <a:t>Queen and young brood remain </a:t>
+            </a:r>
+          </a:p>
+          <a:p>
+            <a:pPr lvl="1"/>
+            <a:r>
+              <a:rPr lang="en-US" sz="1800" dirty="0"/>
+              <a:t>Abundant honey and pollen reserves remain</a:t>
+            </a:r>
+          </a:p>
+          <a:p>
+            <a:r>
+              <a:rPr lang="en-US" sz="2000" dirty="0"/>
+              <a:t>Without worker bees, the hives eventually die off</a:t>
+            </a:r>
+          </a:p>
+          <a:p>
+            <a:r>
+              <a:rPr lang="en-US" sz="2000" dirty="0"/>
+              <a:t> Despite intense research, </a:t>
+            </a:r>
+            <a:r>
+              <a:rPr lang="en-US" sz="2000" u="sng" dirty="0"/>
+              <a:t>no definitive underlying cause has been identified for CCD </a:t>
+            </a:r>
+          </a:p>
+          <a:p>
+            <a:r>
+              <a:rPr lang="en-US" sz="2000" dirty="0"/>
+              <a:t>Suspected causes: </a:t>
+            </a:r>
+          </a:p>
+          <a:p>
+            <a:pPr lvl="1"/>
+            <a:r>
+              <a:rPr lang="en-US" sz="2000" dirty="0"/>
+              <a:t>Parasites</a:t>
+            </a:r>
+          </a:p>
+          <a:p>
+            <a:pPr lvl="1"/>
+            <a:r>
+              <a:rPr lang="en-US" sz="2000" dirty="0"/>
+              <a:t>Diseases</a:t>
+            </a:r>
+          </a:p>
+          <a:p>
+            <a:pPr lvl="1"/>
+            <a:r>
+              <a:rPr lang="en-US" sz="2000" dirty="0"/>
+              <a:t>Pesticides</a:t>
+            </a:r>
+          </a:p>
+          <a:p>
+            <a:pPr lvl="1"/>
+            <a:r>
+              <a:rPr lang="en-US" sz="2000" dirty="0"/>
+              <a:t>Loss of habitat </a:t>
+            </a:r>
+          </a:p>
+          <a:p>
+            <a:pPr lvl="1"/>
+            <a:r>
+              <a:rPr lang="en-US" sz="2000" dirty="0"/>
+              <a:t>Poor nutrition</a:t>
+            </a:r>
+          </a:p>
+          <a:p>
+            <a:pPr lvl="1"/>
+            <a:endParaRPr lang="en-US" sz="2000" dirty="0"/>
+          </a:p>
+          <a:p>
+            <a:endParaRPr lang="en-US" sz="2400" dirty="0"/>
+          </a:p>
+          <a:p>
+            <a:endParaRPr lang="en-US" sz="2400" dirty="0"/>
+          </a:p>
+          <a:p>
+            <a:endParaRPr lang="en-US" sz="2400" dirty="0"/>
+          </a:p>
+        </p:txBody>
+      </p:sp>
+      <p:grpSp>
+        <p:nvGrpSpPr>
+          <p:cNvPr id="4" name="Group 3">
+            <a:extLst>
+              <a:ext uri="{FF2B5EF4-FFF2-40B4-BE49-F238E27FC236}">
+                <a16:creationId xmlns:a16="http://schemas.microsoft.com/office/drawing/2014/main" id="{56851BA3-CAF1-1D87-3EC3-82E00A608A3C}"/>
+              </a:ext>
+            </a:extLst>
+          </p:cNvPr>
+          <p:cNvGrpSpPr/>
+          <p:nvPr/>
+        </p:nvGrpSpPr>
+        <p:grpSpPr>
+          <a:xfrm rot="1633719">
+            <a:off x="10402245" y="4945215"/>
+            <a:ext cx="1219357" cy="1343124"/>
+            <a:chOff x="330200" y="495300"/>
+            <a:chExt cx="1117600" cy="1343124"/>
+          </a:xfrm>
+        </p:grpSpPr>
+        <p:sp>
+          <p:nvSpPr>
+            <p:cNvPr id="5" name="Hexagon 4">
+              <a:extLst>
+                <a:ext uri="{FF2B5EF4-FFF2-40B4-BE49-F238E27FC236}">
+                  <a16:creationId xmlns:a16="http://schemas.microsoft.com/office/drawing/2014/main" id="{54F8D638-8004-2D97-3912-BF61B44A575B}"/>
+                </a:ext>
+              </a:extLst>
+            </p:cNvPr>
+            <p:cNvSpPr/>
+            <p:nvPr/>
+          </p:nvSpPr>
+          <p:spPr>
+            <a:xfrm>
+              <a:off x="330200" y="495300"/>
+              <a:ext cx="762000" cy="698500"/>
+            </a:xfrm>
+            <a:prstGeom prst="hexagon">
+              <a:avLst/>
+            </a:prstGeom>
+            <a:solidFill>
+              <a:schemeClr val="accent4">
+                <a:lumMod val="40000"/>
+                <a:lumOff val="60000"/>
+                <a:alpha val="54902"/>
+              </a:schemeClr>
+            </a:solidFill>
+            <a:ln>
+              <a:solidFill>
+                <a:srgbClr val="FFC000"/>
+              </a:solidFill>
+            </a:ln>
+          </p:spPr>
+          <p:style>
+            <a:lnRef idx="2">
+              <a:schemeClr val="accent1">
+                <a:shade val="50000"/>
+              </a:schemeClr>
+            </a:lnRef>
+            <a:fillRef idx="1">
+              <a:schemeClr val="accent1"/>
+            </a:fillRef>
+            <a:effectRef idx="0">
+              <a:schemeClr val="accent1"/>
+            </a:effectRef>
+            <a:fontRef idx="minor">
+              <a:schemeClr val="lt1"/>
+            </a:fontRef>
+          </p:style>
+          <p:txBody>
+            <a:bodyPr rtlCol="0" anchor="ctr"/>
+            <a:lstStyle/>
+            <a:p>
+              <a:pPr algn="ctr"/>
+              <a:endParaRPr lang="en-US"/>
+            </a:p>
+          </p:txBody>
+        </p:sp>
+        <p:sp>
+          <p:nvSpPr>
+            <p:cNvPr id="6" name="Hexagon 5">
+              <a:extLst>
+                <a:ext uri="{FF2B5EF4-FFF2-40B4-BE49-F238E27FC236}">
+                  <a16:creationId xmlns:a16="http://schemas.microsoft.com/office/drawing/2014/main" id="{AB5FE480-8396-C710-6A30-C5E8D5EA0942}"/>
+                </a:ext>
+              </a:extLst>
+            </p:cNvPr>
+            <p:cNvSpPr/>
+            <p:nvPr/>
+          </p:nvSpPr>
+          <p:spPr>
+            <a:xfrm>
+              <a:off x="977900" y="1022303"/>
+              <a:ext cx="469900" cy="450898"/>
+            </a:xfrm>
+            <a:prstGeom prst="hexagon">
+              <a:avLst/>
+            </a:prstGeom>
+            <a:solidFill>
+              <a:srgbClr val="FFC000"/>
+            </a:solidFill>
+            <a:ln>
+              <a:solidFill>
+                <a:srgbClr val="FFC000"/>
+              </a:solidFill>
+            </a:ln>
+          </p:spPr>
+          <p:style>
+            <a:lnRef idx="2">
+              <a:schemeClr val="accent1">
+                <a:shade val="50000"/>
+              </a:schemeClr>
+            </a:lnRef>
+            <a:fillRef idx="1">
+              <a:schemeClr val="accent1"/>
+            </a:fillRef>
+            <a:effectRef idx="0">
+              <a:schemeClr val="accent1"/>
+            </a:effectRef>
+            <a:fontRef idx="minor">
+              <a:schemeClr val="lt1"/>
+            </a:fontRef>
+          </p:style>
+          <p:txBody>
+            <a:bodyPr rtlCol="0" anchor="ctr"/>
+            <a:lstStyle/>
+            <a:p>
+              <a:pPr algn="ctr"/>
+              <a:endParaRPr lang="en-US"/>
+            </a:p>
+          </p:txBody>
+        </p:sp>
+        <p:sp>
+          <p:nvSpPr>
+            <p:cNvPr id="7" name="Hexagon 6">
+              <a:extLst>
+                <a:ext uri="{FF2B5EF4-FFF2-40B4-BE49-F238E27FC236}">
+                  <a16:creationId xmlns:a16="http://schemas.microsoft.com/office/drawing/2014/main" id="{C5F87825-D781-3911-A72D-8AE66E816640}"/>
+                </a:ext>
+              </a:extLst>
+            </p:cNvPr>
+            <p:cNvSpPr/>
+            <p:nvPr/>
+          </p:nvSpPr>
+          <p:spPr>
+            <a:xfrm>
+              <a:off x="431800" y="1280022"/>
+              <a:ext cx="609600" cy="558402"/>
+            </a:xfrm>
+            <a:prstGeom prst="hexagon">
+              <a:avLst/>
+            </a:prstGeom>
+            <a:solidFill>
+              <a:srgbClr val="FFC000">
+                <a:alpha val="54902"/>
+              </a:srgbClr>
+            </a:solidFill>
+            <a:ln>
+              <a:solidFill>
+                <a:srgbClr val="FFC000"/>
+              </a:solidFill>
+            </a:ln>
+          </p:spPr>
+          <p:style>
+            <a:lnRef idx="2">
+              <a:schemeClr val="accent1">
+                <a:shade val="50000"/>
+              </a:schemeClr>
+            </a:lnRef>
+            <a:fillRef idx="1">
+              <a:schemeClr val="accent1"/>
+            </a:fillRef>
+            <a:effectRef idx="0">
+              <a:schemeClr val="accent1"/>
+            </a:effectRef>
+            <a:fontRef idx="minor">
+              <a:schemeClr val="lt1"/>
+            </a:fontRef>
+          </p:style>
+          <p:txBody>
+            <a:bodyPr rtlCol="0" anchor="ctr"/>
+            <a:lstStyle/>
+            <a:p>
+              <a:pPr algn="ctr"/>
+              <a:endParaRPr lang="en-US"/>
+            </a:p>
+          </p:txBody>
+        </p:sp>
+      </p:grpSp>
+    </p:spTree>
+    <p:extLst>
+      <p:ext uri="{BB962C8B-B14F-4D97-AF65-F5344CB8AC3E}">
+        <p14:creationId xmlns:p14="http://schemas.microsoft.com/office/powerpoint/2010/main" val="2746123123"/>
+      </p:ext>
+    </p:extLst>
+  </p:cSld>
+  <p:clrMapOvr>
+    <a:masterClrMapping/>
+  </p:clrMapOvr>
+</p:sld>
+</file>
+
+<file path=ppt/slides/slide4.xml><?xml version="1.0" encoding="utf-8"?>
+<p:sld xmlns:a="http://schemas.openxmlformats.org/drawingml/2006/main" xmlns:r="http://schemas.openxmlformats.org/officeDocument/2006/relationships" xmlns:p="http://schemas.openxmlformats.org/presentationml/2006/main">
+  <p:cSld>
+    <p:spTree>
+      <p:nvGrpSpPr>
+        <p:cNvPr id="1" name=""/>
+        <p:cNvGrpSpPr/>
+        <p:nvPr/>
+      </p:nvGrpSpPr>
+      <p:grpSpPr>
+        <a:xfrm>
+          <a:off x="0" y="0"/>
+          <a:ext cx="0" cy="0"/>
+          <a:chOff x="0" y="0"/>
+          <a:chExt cx="0" cy="0"/>
+        </a:xfrm>
+      </p:grpSpPr>
+      <p:sp>
+        <p:nvSpPr>
+          <p:cNvPr id="2" name="Title 1">
+            <a:extLst>
+              <a:ext uri="{FF2B5EF4-FFF2-40B4-BE49-F238E27FC236}">
+                <a16:creationId xmlns:a16="http://schemas.microsoft.com/office/drawing/2014/main" id="{42ACF582-BB9D-6ACA-A576-9D119F4FE716}"/>
+              </a:ext>
+            </a:extLst>
+          </p:cNvPr>
+          <p:cNvSpPr>
+            <a:spLocks noGrp="1"/>
+          </p:cNvSpPr>
+          <p:nvPr>
+            <p:ph type="title"/>
+          </p:nvPr>
+        </p:nvSpPr>
+        <p:spPr/>
+        <p:txBody>
+          <a:bodyPr>
+            <a:normAutofit/>
+          </a:bodyPr>
+          <a:lstStyle/>
+          <a:p>
+            <a:r>
+              <a:rPr lang="en-US" sz="3600" dirty="0"/>
+              <a:t>Save The Bees!</a:t>
+            </a:r>
+          </a:p>
+        </p:txBody>
+      </p:sp>
+      <p:pic>
+        <p:nvPicPr>
+          <p:cNvPr id="5" name="Content Placeholder 4" descr="Diagram&#10;&#10;Description automatically generated">
+            <a:extLst>
+              <a:ext uri="{FF2B5EF4-FFF2-40B4-BE49-F238E27FC236}">
+                <a16:creationId xmlns:a16="http://schemas.microsoft.com/office/drawing/2014/main" id="{C5E2108E-A68F-F581-2D85-219AE190DD69}"/>
+              </a:ext>
+            </a:extLst>
+          </p:cNvPr>
+          <p:cNvPicPr>
+            <a:picLocks noGrp="1" noChangeAspect="1"/>
+          </p:cNvPicPr>
+          <p:nvPr>
+            <p:ph idx="1"/>
+          </p:nvPr>
+        </p:nvPicPr>
+        <p:blipFill>
+          <a:blip r:embed="rId3"/>
+          <a:stretch>
+            <a:fillRect/>
+          </a:stretch>
+        </p:blipFill>
+        <p:spPr>
+          <a:xfrm>
+            <a:off x="6935535" y="1463786"/>
+            <a:ext cx="4960525" cy="4351338"/>
+          </a:xfrm>
+        </p:spPr>
+      </p:pic>
+      <p:sp>
+        <p:nvSpPr>
+          <p:cNvPr id="8" name="TextBox 7">
+            <a:extLst>
+              <a:ext uri="{FF2B5EF4-FFF2-40B4-BE49-F238E27FC236}">
+                <a16:creationId xmlns:a16="http://schemas.microsoft.com/office/drawing/2014/main" id="{72C4CA60-D927-A010-9473-A15E2D60E5FB}"/>
+              </a:ext>
+            </a:extLst>
+          </p:cNvPr>
+          <p:cNvSpPr txBox="1"/>
+          <p:nvPr/>
+        </p:nvSpPr>
+        <p:spPr>
+          <a:xfrm>
+            <a:off x="6542568" y="6592772"/>
+            <a:ext cx="5567917" cy="261610"/>
+          </a:xfrm>
+          <a:prstGeom prst="rect">
+            <a:avLst/>
+          </a:prstGeom>
+          <a:noFill/>
+        </p:spPr>
+        <p:txBody>
+          <a:bodyPr wrap="square" rtlCol="0">
+            <a:spAutoFit/>
+          </a:bodyPr>
+          <a:lstStyle/>
+          <a:p>
+            <a:r>
+              <a:rPr lang="en-US" sz="1100" dirty="0">
+                <a:solidFill>
+                  <a:schemeClr val="bg2">
+                    <a:lumMod val="75000"/>
+                  </a:schemeClr>
+                </a:solidFill>
+              </a:rPr>
+              <a:t>Image Source: https://</a:t>
+            </a:r>
+            <a:r>
+              <a:rPr lang="en-US" sz="1100" dirty="0" err="1">
+                <a:solidFill>
+                  <a:schemeClr val="bg2">
+                    <a:lumMod val="75000"/>
+                  </a:schemeClr>
+                </a:solidFill>
+              </a:rPr>
+              <a:t>shorebags.com</a:t>
+            </a:r>
+            <a:r>
+              <a:rPr lang="en-US" sz="1100" dirty="0">
+                <a:solidFill>
+                  <a:schemeClr val="bg2">
+                    <a:lumMod val="75000"/>
+                  </a:schemeClr>
+                </a:solidFill>
+              </a:rPr>
+              <a:t>/blogs/news/were-honoring-the-disappearing-honey-bee</a:t>
+            </a:r>
+          </a:p>
+        </p:txBody>
+      </p:sp>
+      <p:sp>
+        <p:nvSpPr>
+          <p:cNvPr id="9" name="Content Placeholder 2">
+            <a:extLst>
+              <a:ext uri="{FF2B5EF4-FFF2-40B4-BE49-F238E27FC236}">
+                <a16:creationId xmlns:a16="http://schemas.microsoft.com/office/drawing/2014/main" id="{E422C6DC-B0B7-CF1D-6736-FF59A827C254}"/>
+              </a:ext>
+            </a:extLst>
+          </p:cNvPr>
+          <p:cNvSpPr txBox="1">
+            <a:spLocks/>
+          </p:cNvSpPr>
+          <p:nvPr/>
+        </p:nvSpPr>
+        <p:spPr>
+          <a:xfrm>
+            <a:off x="667170" y="1463786"/>
+            <a:ext cx="10515600" cy="5029089"/>
+          </a:xfrm>
+          <a:prstGeom prst="rect">
+            <a:avLst/>
+          </a:prstGeom>
+        </p:spPr>
+        <p:txBody>
+          <a:bodyPr vert="horz" lIns="91440" tIns="45720" rIns="91440" bIns="45720" rtlCol="0">
+            <a:normAutofit/>
+          </a:bodyPr>
+          <a:lstStyle>
+            <a:lvl1pPr marL="228600" indent="-228600" algn="l" defTabSz="914400" rtl="0" eaLnBrk="1" latinLnBrk="0" hangingPunct="1">
+              <a:lnSpc>
+                <a:spcPct val="90000"/>
+              </a:lnSpc>
+              <a:spcBef>
+                <a:spcPts val="1000"/>
+              </a:spcBef>
+              <a:buFont typeface="Arial" panose="020B0604020202020204" pitchFamily="34" charset="0"/>
+              <a:buChar char="•"/>
+              <a:defRPr sz="2800" kern="1200">
+                <a:solidFill>
+                  <a:schemeClr val="tx1"/>
+                </a:solidFill>
+                <a:latin typeface="+mn-lt"/>
+                <a:ea typeface="+mn-ea"/>
+                <a:cs typeface="+mn-cs"/>
+              </a:defRPr>
+            </a:lvl1pPr>
+            <a:lvl2pPr marL="685800" indent="-228600" algn="l" defTabSz="914400" rtl="0" eaLnBrk="1" latinLnBrk="0" hangingPunct="1">
+              <a:lnSpc>
+                <a:spcPct val="90000"/>
+              </a:lnSpc>
+              <a:spcBef>
+                <a:spcPts val="500"/>
+              </a:spcBef>
+              <a:buFont typeface="Arial" panose="020B0604020202020204" pitchFamily="34" charset="0"/>
+              <a:buChar char="•"/>
+              <a:defRPr sz="2400" kern="1200">
+                <a:solidFill>
+                  <a:schemeClr val="tx1"/>
+                </a:solidFill>
+                <a:latin typeface="+mn-lt"/>
+                <a:ea typeface="+mn-ea"/>
+                <a:cs typeface="+mn-cs"/>
+              </a:defRPr>
+            </a:lvl2pPr>
+            <a:lvl3pPr marL="1143000" indent="-228600" algn="l" defTabSz="914400" rtl="0" eaLnBrk="1" latinLnBrk="0" hangingPunct="1">
+              <a:lnSpc>
+                <a:spcPct val="90000"/>
+              </a:lnSpc>
+              <a:spcBef>
+                <a:spcPts val="500"/>
+              </a:spcBef>
+              <a:buFont typeface="Arial" panose="020B0604020202020204" pitchFamily="34" charset="0"/>
+              <a:buChar char="•"/>
+              <a:defRPr sz="2000" kern="1200">
+                <a:solidFill>
+                  <a:schemeClr val="tx1"/>
+                </a:solidFill>
+                <a:latin typeface="+mn-lt"/>
+                <a:ea typeface="+mn-ea"/>
+                <a:cs typeface="+mn-cs"/>
+              </a:defRPr>
+            </a:lvl3pPr>
+            <a:lvl4pPr marL="1600200" indent="-228600" algn="l" defTabSz="914400" rtl="0" eaLnBrk="1" latinLnBrk="0" hangingPunct="1">
+              <a:lnSpc>
+                <a:spcPct val="90000"/>
+              </a:lnSpc>
+              <a:spcBef>
+                <a:spcPts val="500"/>
+              </a:spcBef>
+              <a:buFont typeface="Arial" panose="020B0604020202020204" pitchFamily="34" charset="0"/>
+              <a:buChar char="•"/>
+              <a:defRPr sz="1800" kern="1200">
+                <a:solidFill>
+                  <a:schemeClr val="tx1"/>
+                </a:solidFill>
+                <a:latin typeface="+mn-lt"/>
+                <a:ea typeface="+mn-ea"/>
+                <a:cs typeface="+mn-cs"/>
+              </a:defRPr>
+            </a:lvl4pPr>
+            <a:lvl5pPr marL="2057400" indent="-228600" algn="l" defTabSz="914400" rtl="0" eaLnBrk="1" latinLnBrk="0" hangingPunct="1">
+              <a:lnSpc>
+                <a:spcPct val="90000"/>
+              </a:lnSpc>
+              <a:spcBef>
+                <a:spcPts val="500"/>
+              </a:spcBef>
+              <a:buFont typeface="Arial" panose="020B0604020202020204" pitchFamily="34" charset="0"/>
+              <a:buChar char="•"/>
+              <a:defRPr sz="1800" kern="1200">
+                <a:solidFill>
+                  <a:schemeClr val="tx1"/>
+                </a:solidFill>
+                <a:latin typeface="+mn-lt"/>
+                <a:ea typeface="+mn-ea"/>
+                <a:cs typeface="+mn-cs"/>
+              </a:defRPr>
+            </a:lvl5pPr>
+            <a:lvl6pPr marL="2514600" indent="-228600" algn="l" defTabSz="914400" rtl="0" eaLnBrk="1" latinLnBrk="0" hangingPunct="1">
+              <a:lnSpc>
+                <a:spcPct val="90000"/>
+              </a:lnSpc>
+              <a:spcBef>
+                <a:spcPts val="500"/>
+              </a:spcBef>
+              <a:buFont typeface="Arial" panose="020B0604020202020204" pitchFamily="34" charset="0"/>
+              <a:buChar char="•"/>
+              <a:defRPr sz="1800" kern="1200">
+                <a:solidFill>
+                  <a:schemeClr val="tx1"/>
+                </a:solidFill>
+                <a:latin typeface="+mn-lt"/>
+                <a:ea typeface="+mn-ea"/>
+                <a:cs typeface="+mn-cs"/>
+              </a:defRPr>
+            </a:lvl6pPr>
+            <a:lvl7pPr marL="2971800" indent="-228600" algn="l" defTabSz="914400" rtl="0" eaLnBrk="1" latinLnBrk="0" hangingPunct="1">
+              <a:lnSpc>
+                <a:spcPct val="90000"/>
+              </a:lnSpc>
+              <a:spcBef>
+                <a:spcPts val="500"/>
+              </a:spcBef>
+              <a:buFont typeface="Arial" panose="020B0604020202020204" pitchFamily="34" charset="0"/>
+              <a:buChar char="•"/>
+              <a:defRPr sz="1800" kern="1200">
+                <a:solidFill>
+                  <a:schemeClr val="tx1"/>
+                </a:solidFill>
+                <a:latin typeface="+mn-lt"/>
+                <a:ea typeface="+mn-ea"/>
+                <a:cs typeface="+mn-cs"/>
+              </a:defRPr>
+            </a:lvl7pPr>
+            <a:lvl8pPr marL="3429000" indent="-228600" algn="l" defTabSz="914400" rtl="0" eaLnBrk="1" latinLnBrk="0" hangingPunct="1">
+              <a:lnSpc>
+                <a:spcPct val="90000"/>
+              </a:lnSpc>
+              <a:spcBef>
+                <a:spcPts val="500"/>
+              </a:spcBef>
+              <a:buFont typeface="Arial" panose="020B0604020202020204" pitchFamily="34" charset="0"/>
+              <a:buChar char="•"/>
+              <a:defRPr sz="1800" kern="1200">
+                <a:solidFill>
+                  <a:schemeClr val="tx1"/>
+                </a:solidFill>
+                <a:latin typeface="+mn-lt"/>
+                <a:ea typeface="+mn-ea"/>
+                <a:cs typeface="+mn-cs"/>
+              </a:defRPr>
+            </a:lvl8pPr>
+            <a:lvl9pPr marL="3886200" indent="-228600" algn="l" defTabSz="914400" rtl="0" eaLnBrk="1" latinLnBrk="0" hangingPunct="1">
+              <a:lnSpc>
+                <a:spcPct val="90000"/>
+              </a:lnSpc>
+              <a:spcBef>
+                <a:spcPts val="500"/>
+              </a:spcBef>
+              <a:buFont typeface="Arial" panose="020B0604020202020204" pitchFamily="34" charset="0"/>
+              <a:buChar char="•"/>
+              <a:defRPr sz="1800" kern="1200">
+                <a:solidFill>
+                  <a:schemeClr val="tx1"/>
+                </a:solidFill>
+                <a:latin typeface="+mn-lt"/>
+                <a:ea typeface="+mn-ea"/>
+                <a:cs typeface="+mn-cs"/>
+              </a:defRPr>
+            </a:lvl9pPr>
+          </a:lstStyle>
+          <a:p>
+            <a:r>
+              <a:rPr lang="en-US" sz="2000" dirty="0"/>
+              <a:t>The bee die off has been called the Bee-</a:t>
+            </a:r>
+            <a:r>
+              <a:rPr lang="en-US" sz="2000" dirty="0" err="1"/>
+              <a:t>pocalypse</a:t>
+            </a:r>
+            <a:r>
+              <a:rPr lang="en-US" sz="2000" dirty="0"/>
+              <a:t> or </a:t>
+            </a:r>
+            <a:r>
+              <a:rPr lang="en-US" sz="2000" dirty="0" err="1"/>
+              <a:t>Beemageddon</a:t>
+            </a:r>
+            <a:r>
+              <a:rPr lang="en-US" sz="2000" dirty="0"/>
+              <a:t> </a:t>
+            </a:r>
+          </a:p>
+          <a:p>
+            <a:endParaRPr lang="en-US" sz="2000" dirty="0"/>
+          </a:p>
+          <a:p>
+            <a:endParaRPr lang="en-US" sz="2400" dirty="0"/>
+          </a:p>
+          <a:p>
+            <a:endParaRPr lang="en-US" sz="2400" dirty="0"/>
+          </a:p>
+          <a:p>
+            <a:endParaRPr lang="en-US" sz="2400" dirty="0"/>
+          </a:p>
+        </p:txBody>
+      </p:sp>
+    </p:spTree>
+    <p:extLst>
+      <p:ext uri="{BB962C8B-B14F-4D97-AF65-F5344CB8AC3E}">
+        <p14:creationId xmlns:p14="http://schemas.microsoft.com/office/powerpoint/2010/main" val="2365967470"/>
+      </p:ext>
+    </p:extLst>
+  </p:cSld>
+  <p:clrMapOvr>
+    <a:masterClrMapping/>
+  </p:clrMapOvr>
+</p:sld>
+</file>
+
+<file path=ppt/slides/slide5.xml><?xml version="1.0" encoding="utf-8"?>
+<p:sld xmlns:a="http://schemas.openxmlformats.org/drawingml/2006/main" xmlns:r="http://schemas.openxmlformats.org/officeDocument/2006/relationships" xmlns:p="http://schemas.openxmlformats.org/presentationml/2006/main">
+  <p:cSld>
+    <p:spTree>
+      <p:nvGrpSpPr>
+        <p:cNvPr id="1" name=""/>
+        <p:cNvGrpSpPr/>
+        <p:nvPr/>
+      </p:nvGrpSpPr>
+      <p:grpSpPr>
+        <a:xfrm>
+          <a:off x="0" y="0"/>
+          <a:ext cx="0" cy="0"/>
+          <a:chOff x="0" y="0"/>
+          <a:chExt cx="0" cy="0"/>
+        </a:xfrm>
+      </p:grpSpPr>
       <p:pic>
         <p:nvPicPr>
           <p:cNvPr id="32" name="Picture 31" descr="Chart, shape&#10;&#10;Description automatically generated">
@@ -4343,7 +8740,7 @@
         </p:nvSpPr>
         <p:spPr>
           <a:xfrm>
-            <a:off x="838200" y="142967"/>
+            <a:off x="696685" y="533174"/>
             <a:ext cx="10515600" cy="1325563"/>
           </a:xfrm>
         </p:spPr>
@@ -4357,6 +8754,10 @@
               <a:rPr lang="en-US" sz="3600" dirty="0"/>
               <a:t>How Have the Bees Been Doing? </a:t>
             </a:r>
+            <a:br>
+              <a:rPr lang="en-US" sz="3600" dirty="0"/>
+            </a:br>
+            <a:endParaRPr lang="en-US" sz="3600" dirty="0"/>
           </a:p>
         </p:txBody>
       </p:sp>
@@ -4403,7 +8804,7 @@
         </p:nvSpPr>
         <p:spPr>
           <a:xfrm>
-            <a:off x="2220682" y="2111829"/>
+            <a:off x="2233227" y="2040209"/>
             <a:ext cx="2188029" cy="772885"/>
           </a:xfrm>
           <a:prstGeom prst="rect">
@@ -4441,210 +8842,6 @@
           </a:p>
         </p:txBody>
       </p:sp>
-      <p:sp>
-        <p:nvSpPr>
-          <p:cNvPr id="7" name="Rectangle 6">
-            <a:extLst>
-              <a:ext uri="{FF2B5EF4-FFF2-40B4-BE49-F238E27FC236}">
-                <a16:creationId xmlns:a16="http://schemas.microsoft.com/office/drawing/2014/main" id="{EBE2EF20-4A6F-5961-AB6A-387E3E0FB07F}"/>
-              </a:ext>
-            </a:extLst>
-          </p:cNvPr>
-          <p:cNvSpPr/>
-          <p:nvPr/>
-        </p:nvSpPr>
-        <p:spPr>
-          <a:xfrm>
-            <a:off x="3973283" y="2745467"/>
-            <a:ext cx="185057" cy="495299"/>
-          </a:xfrm>
-          <a:prstGeom prst="rect">
-            <a:avLst/>
-          </a:prstGeom>
-          <a:solidFill>
-            <a:schemeClr val="bg1"/>
-          </a:solidFill>
-          <a:ln>
-            <a:noFill/>
-          </a:ln>
-        </p:spPr>
-        <p:style>
-          <a:lnRef idx="2">
-            <a:schemeClr val="accent1">
-              <a:shade val="50000"/>
-            </a:schemeClr>
-          </a:lnRef>
-          <a:fillRef idx="1">
-            <a:schemeClr val="accent1"/>
-          </a:fillRef>
-          <a:effectRef idx="0">
-            <a:schemeClr val="accent1"/>
-          </a:effectRef>
-          <a:fontRef idx="minor">
-            <a:schemeClr val="lt1"/>
-          </a:fontRef>
-        </p:style>
-        <p:txBody>
-          <a:bodyPr rtlCol="0" anchor="ctr"/>
-          <a:lstStyle/>
-          <a:p>
-            <a:pPr algn="ctr"/>
-            <a:endParaRPr lang="en-US"/>
-          </a:p>
-        </p:txBody>
-      </p:sp>
-      <p:sp>
-        <p:nvSpPr>
-          <p:cNvPr id="8" name="Rectangle 7">
-            <a:extLst>
-              <a:ext uri="{FF2B5EF4-FFF2-40B4-BE49-F238E27FC236}">
-                <a16:creationId xmlns:a16="http://schemas.microsoft.com/office/drawing/2014/main" id="{0D3AC272-BA0C-483C-3104-64C79358763E}"/>
-              </a:ext>
-            </a:extLst>
-          </p:cNvPr>
-          <p:cNvSpPr/>
-          <p:nvPr/>
-        </p:nvSpPr>
-        <p:spPr>
-          <a:xfrm>
-            <a:off x="3982373" y="3287482"/>
-            <a:ext cx="190500" cy="87086"/>
-          </a:xfrm>
-          <a:prstGeom prst="rect">
-            <a:avLst/>
-          </a:prstGeom>
-          <a:solidFill>
-            <a:srgbClr val="FCD45F"/>
-          </a:solidFill>
-          <a:ln>
-            <a:noFill/>
-          </a:ln>
-        </p:spPr>
-        <p:style>
-          <a:lnRef idx="2">
-            <a:schemeClr val="accent1">
-              <a:shade val="50000"/>
-            </a:schemeClr>
-          </a:lnRef>
-          <a:fillRef idx="1">
-            <a:schemeClr val="accent1"/>
-          </a:fillRef>
-          <a:effectRef idx="0">
-            <a:schemeClr val="accent1"/>
-          </a:effectRef>
-          <a:fontRef idx="minor">
-            <a:schemeClr val="lt1"/>
-          </a:fontRef>
-        </p:style>
-        <p:txBody>
-          <a:bodyPr rtlCol="0" anchor="ctr"/>
-          <a:lstStyle/>
-          <a:p>
-            <a:pPr algn="ctr"/>
-            <a:endParaRPr lang="en-US">
-              <a:solidFill>
-                <a:srgbClr val="FFC000"/>
-              </a:solidFill>
-            </a:endParaRPr>
-          </a:p>
-        </p:txBody>
-      </p:sp>
-      <p:sp>
-        <p:nvSpPr>
-          <p:cNvPr id="9" name="Oval 8">
-            <a:extLst>
-              <a:ext uri="{FF2B5EF4-FFF2-40B4-BE49-F238E27FC236}">
-                <a16:creationId xmlns:a16="http://schemas.microsoft.com/office/drawing/2014/main" id="{C23BC77F-A7A6-962D-074A-3F9B41AF795E}"/>
-              </a:ext>
-            </a:extLst>
-          </p:cNvPr>
-          <p:cNvSpPr/>
-          <p:nvPr/>
-        </p:nvSpPr>
-        <p:spPr>
-          <a:xfrm>
-            <a:off x="3828177" y="3167741"/>
-            <a:ext cx="190500" cy="174170"/>
-          </a:xfrm>
-          <a:prstGeom prst="ellipse">
-            <a:avLst/>
-          </a:prstGeom>
-          <a:solidFill>
-            <a:schemeClr val="tx1"/>
-          </a:solidFill>
-        </p:spPr>
-        <p:style>
-          <a:lnRef idx="2">
-            <a:schemeClr val="accent1">
-              <a:shade val="50000"/>
-            </a:schemeClr>
-          </a:lnRef>
-          <a:fillRef idx="1">
-            <a:schemeClr val="accent1"/>
-          </a:fillRef>
-          <a:effectRef idx="0">
-            <a:schemeClr val="accent1"/>
-          </a:effectRef>
-          <a:fontRef idx="minor">
-            <a:schemeClr val="lt1"/>
-          </a:fontRef>
-        </p:style>
-        <p:txBody>
-          <a:bodyPr rtlCol="0" anchor="ctr"/>
-          <a:lstStyle/>
-          <a:p>
-            <a:pPr algn="ctr"/>
-            <a:endParaRPr lang="en-US"/>
-          </a:p>
-        </p:txBody>
-      </p:sp>
-      <p:cxnSp>
-        <p:nvCxnSpPr>
-          <p:cNvPr id="11" name="Straight Connector 10">
-            <a:extLst>
-              <a:ext uri="{FF2B5EF4-FFF2-40B4-BE49-F238E27FC236}">
-                <a16:creationId xmlns:a16="http://schemas.microsoft.com/office/drawing/2014/main" id="{ABEA5278-784A-88C8-94B5-DC8C56147EDE}"/>
-              </a:ext>
-            </a:extLst>
-          </p:cNvPr>
-          <p:cNvCxnSpPr>
-            <a:cxnSpLocks/>
-          </p:cNvCxnSpPr>
-          <p:nvPr/>
-        </p:nvCxnSpPr>
-        <p:spPr>
-          <a:xfrm>
-            <a:off x="3937903" y="2745467"/>
-            <a:ext cx="0" cy="585559"/>
-          </a:xfrm>
-          <a:prstGeom prst="line">
-            <a:avLst/>
-          </a:prstGeom>
-          <a:ln w="9525" cap="flat" cmpd="sng" algn="ctr">
-            <a:solidFill>
-              <a:schemeClr val="dk1"/>
-            </a:solidFill>
-            <a:prstDash val="dash"/>
-            <a:round/>
-            <a:headEnd type="none" w="med" len="med"/>
-            <a:tailEnd type="none" w="med" len="med"/>
-          </a:ln>
-        </p:spPr>
-        <p:style>
-          <a:lnRef idx="0">
-            <a:scrgbClr r="0" g="0" b="0"/>
-          </a:lnRef>
-          <a:fillRef idx="0">
-            <a:scrgbClr r="0" g="0" b="0"/>
-          </a:fillRef>
-          <a:effectRef idx="0">
-            <a:scrgbClr r="0" g="0" b="0"/>
-          </a:effectRef>
-          <a:fontRef idx="minor">
-            <a:schemeClr val="tx1"/>
-          </a:fontRef>
-        </p:style>
-      </p:cxnSp>
       <p:grpSp>
         <p:nvGrpSpPr>
           <p:cNvPr id="16" name="Group 15">
@@ -4659,7 +8856,7 @@
         </p:nvGrpSpPr>
         <p:grpSpPr>
           <a:xfrm>
-            <a:off x="3616240" y="2136458"/>
+            <a:off x="3711568" y="2140366"/>
             <a:ext cx="2878550" cy="723625"/>
             <a:chOff x="3305413" y="1677875"/>
             <a:chExt cx="2802042" cy="723625"/>
@@ -4695,7 +8892,7 @@
             <a:p>
               <a:r>
                 <a:rPr lang="en-US" b="1" dirty="0"/>
-                <a:t>2005</a:t>
+                <a:t>2006</a:t>
               </a:r>
             </a:p>
             <a:p>
@@ -4770,7 +8967,7 @@
         </p:nvSpPr>
         <p:spPr>
           <a:xfrm>
-            <a:off x="4350950" y="1967530"/>
+            <a:off x="2253557" y="1851596"/>
             <a:ext cx="1453319" cy="1169551"/>
           </a:xfrm>
           <a:prstGeom prst="rect">
@@ -4874,10 +9071,218 @@
   <p:clrMapOvr>
     <a:masterClrMapping/>
   </p:clrMapOvr>
+  <p:timing>
+    <p:tnLst>
+      <p:par>
+        <p:cTn id="1" dur="indefinite" restart="never" nodeType="tmRoot">
+          <p:childTnLst>
+            <p:seq concurrent="1" nextAc="seek">
+              <p:cTn id="2" dur="indefinite" nodeType="mainSeq">
+                <p:childTnLst>
+                  <p:par>
+                    <p:cTn id="3" fill="hold">
+                      <p:stCondLst>
+                        <p:cond delay="indefinite"/>
+                      </p:stCondLst>
+                      <p:childTnLst>
+                        <p:par>
+                          <p:cTn id="4" fill="hold">
+                            <p:stCondLst>
+                              <p:cond delay="0"/>
+                            </p:stCondLst>
+                            <p:childTnLst>
+                              <p:par>
+                                <p:cTn id="5" presetID="12" presetClass="entr" presetSubtype="4" fill="hold" nodeType="clickEffect">
+                                  <p:stCondLst>
+                                    <p:cond delay="0"/>
+                                  </p:stCondLst>
+                                  <p:childTnLst>
+                                    <p:set>
+                                      <p:cBhvr>
+                                        <p:cTn id="6" dur="1" fill="hold">
+                                          <p:stCondLst>
+                                            <p:cond delay="0"/>
+                                          </p:stCondLst>
+                                        </p:cTn>
+                                        <p:tgtEl>
+                                          <p:spTgt spid="32"/>
+                                        </p:tgtEl>
+                                        <p:attrNameLst>
+                                          <p:attrName>style.visibility</p:attrName>
+                                        </p:attrNameLst>
+                                      </p:cBhvr>
+                                      <p:to>
+                                        <p:strVal val="visible"/>
+                                      </p:to>
+                                    </p:set>
+                                    <p:anim calcmode="lin" valueType="num">
+                                      <p:cBhvr additive="base">
+                                        <p:cTn id="7" dur="500"/>
+                                        <p:tgtEl>
+                                          <p:spTgt spid="32"/>
+                                        </p:tgtEl>
+                                        <p:attrNameLst>
+                                          <p:attrName>ppt_y</p:attrName>
+                                        </p:attrNameLst>
+                                      </p:cBhvr>
+                                      <p:tavLst>
+                                        <p:tav tm="0">
+                                          <p:val>
+                                            <p:strVal val="#ppt_y+#ppt_h*1.125000"/>
+                                          </p:val>
+                                        </p:tav>
+                                        <p:tav tm="100000">
+                                          <p:val>
+                                            <p:strVal val="#ppt_y"/>
+                                          </p:val>
+                                        </p:tav>
+                                      </p:tavLst>
+                                    </p:anim>
+                                    <p:animEffect transition="in" filter="wipe(up)">
+                                      <p:cBhvr>
+                                        <p:cTn id="8" dur="500"/>
+                                        <p:tgtEl>
+                                          <p:spTgt spid="32"/>
+                                        </p:tgtEl>
+                                      </p:cBhvr>
+                                    </p:animEffect>
+                                  </p:childTnLst>
+                                </p:cTn>
+                              </p:par>
+                            </p:childTnLst>
+                          </p:cTn>
+                        </p:par>
+                      </p:childTnLst>
+                    </p:cTn>
+                  </p:par>
+                  <p:par>
+                    <p:cTn id="9" fill="hold">
+                      <p:stCondLst>
+                        <p:cond delay="indefinite"/>
+                      </p:stCondLst>
+                      <p:childTnLst>
+                        <p:par>
+                          <p:cTn id="10" fill="hold">
+                            <p:stCondLst>
+                              <p:cond delay="0"/>
+                            </p:stCondLst>
+                            <p:childTnLst>
+                              <p:par>
+                                <p:cTn id="11" presetID="42" presetClass="entr" presetSubtype="0" fill="hold" grpId="1" nodeType="clickEffect">
+                                  <p:stCondLst>
+                                    <p:cond delay="0"/>
+                                  </p:stCondLst>
+                                  <p:childTnLst>
+                                    <p:set>
+                                      <p:cBhvr>
+                                        <p:cTn id="12" dur="1" fill="hold">
+                                          <p:stCondLst>
+                                            <p:cond delay="0"/>
+                                          </p:stCondLst>
+                                        </p:cTn>
+                                        <p:tgtEl>
+                                          <p:spTgt spid="25"/>
+                                        </p:tgtEl>
+                                        <p:attrNameLst>
+                                          <p:attrName>style.visibility</p:attrName>
+                                        </p:attrNameLst>
+                                      </p:cBhvr>
+                                      <p:to>
+                                        <p:strVal val="visible"/>
+                                      </p:to>
+                                    </p:set>
+                                    <p:animEffect transition="in" filter="fade">
+                                      <p:cBhvr>
+                                        <p:cTn id="13" dur="1000"/>
+                                        <p:tgtEl>
+                                          <p:spTgt spid="25"/>
+                                        </p:tgtEl>
+                                      </p:cBhvr>
+                                    </p:animEffect>
+                                    <p:anim calcmode="lin" valueType="num">
+                                      <p:cBhvr>
+                                        <p:cTn id="14" dur="1000" fill="hold"/>
+                                        <p:tgtEl>
+                                          <p:spTgt spid="25"/>
+                                        </p:tgtEl>
+                                        <p:attrNameLst>
+                                          <p:attrName>ppt_x</p:attrName>
+                                        </p:attrNameLst>
+                                      </p:cBhvr>
+                                      <p:tavLst>
+                                        <p:tav tm="0">
+                                          <p:val>
+                                            <p:strVal val="#ppt_x"/>
+                                          </p:val>
+                                        </p:tav>
+                                        <p:tav tm="100000">
+                                          <p:val>
+                                            <p:strVal val="#ppt_x"/>
+                                          </p:val>
+                                        </p:tav>
+                                      </p:tavLst>
+                                    </p:anim>
+                                    <p:anim calcmode="lin" valueType="num">
+                                      <p:cBhvr>
+                                        <p:cTn id="15" dur="1000" fill="hold"/>
+                                        <p:tgtEl>
+                                          <p:spTgt spid="25"/>
+                                        </p:tgtEl>
+                                        <p:attrNameLst>
+                                          <p:attrName>ppt_y</p:attrName>
+                                        </p:attrNameLst>
+                                      </p:cBhvr>
+                                      <p:tavLst>
+                                        <p:tav tm="0">
+                                          <p:val>
+                                            <p:strVal val="#ppt_y+.1"/>
+                                          </p:val>
+                                        </p:tav>
+                                        <p:tav tm="100000">
+                                          <p:val>
+                                            <p:strVal val="#ppt_y"/>
+                                          </p:val>
+                                        </p:tav>
+                                      </p:tavLst>
+                                    </p:anim>
+                                  </p:childTnLst>
+                                </p:cTn>
+                              </p:par>
+                            </p:childTnLst>
+                          </p:cTn>
+                        </p:par>
+                      </p:childTnLst>
+                    </p:cTn>
+                  </p:par>
+                </p:childTnLst>
+              </p:cTn>
+              <p:prevCondLst>
+                <p:cond evt="onPrev" delay="0">
+                  <p:tgtEl>
+                    <p:sldTgt/>
+                  </p:tgtEl>
+                </p:cond>
+              </p:prevCondLst>
+              <p:nextCondLst>
+                <p:cond evt="onNext" delay="0">
+                  <p:tgtEl>
+                    <p:sldTgt/>
+                  </p:tgtEl>
+                </p:cond>
+              </p:nextCondLst>
+            </p:seq>
+          </p:childTnLst>
+        </p:cTn>
+      </p:par>
+    </p:tnLst>
+    <p:bldLst>
+      <p:bldP spid="25" grpId="1"/>
+    </p:bldLst>
+  </p:timing>
 </p:sld>
 </file>
 
-<file path=ppt/slides/slide3.xml><?xml version="1.0" encoding="utf-8"?>
+<file path=ppt/slides/slide6.xml><?xml version="1.0" encoding="utf-8"?>
 <p:sld xmlns:a="http://schemas.openxmlformats.org/drawingml/2006/main" xmlns:r="http://schemas.openxmlformats.org/officeDocument/2006/relationships" xmlns:p="http://schemas.openxmlformats.org/presentationml/2006/main">
   <p:cSld>
     <p:spTree>
@@ -5617,10 +10022,569 @@
   <p:clrMapOvr>
     <a:masterClrMapping/>
   </p:clrMapOvr>
+  <p:timing>
+    <p:tnLst>
+      <p:par>
+        <p:cTn id="1" dur="indefinite" restart="never" nodeType="tmRoot">
+          <p:childTnLst>
+            <p:seq concurrent="1" nextAc="seek">
+              <p:cTn id="2" dur="indefinite" nodeType="mainSeq">
+                <p:childTnLst>
+                  <p:par>
+                    <p:cTn id="3" fill="hold">
+                      <p:stCondLst>
+                        <p:cond delay="indefinite"/>
+                      </p:stCondLst>
+                      <p:childTnLst>
+                        <p:par>
+                          <p:cTn id="4" fill="hold">
+                            <p:stCondLst>
+                              <p:cond delay="0"/>
+                            </p:stCondLst>
+                            <p:childTnLst>
+                              <p:par>
+                                <p:cTn id="5" presetID="42" presetClass="entr" presetSubtype="0" fill="hold" nodeType="clickEffect">
+                                  <p:stCondLst>
+                                    <p:cond delay="0"/>
+                                  </p:stCondLst>
+                                  <p:childTnLst>
+                                    <p:set>
+                                      <p:cBhvr>
+                                        <p:cTn id="6" dur="1" fill="hold">
+                                          <p:stCondLst>
+                                            <p:cond delay="0"/>
+                                          </p:stCondLst>
+                                        </p:cTn>
+                                        <p:tgtEl>
+                                          <p:spTgt spid="13"/>
+                                        </p:tgtEl>
+                                        <p:attrNameLst>
+                                          <p:attrName>style.visibility</p:attrName>
+                                        </p:attrNameLst>
+                                      </p:cBhvr>
+                                      <p:to>
+                                        <p:strVal val="visible"/>
+                                      </p:to>
+                                    </p:set>
+                                    <p:animEffect transition="in" filter="fade">
+                                      <p:cBhvr>
+                                        <p:cTn id="7" dur="1000"/>
+                                        <p:tgtEl>
+                                          <p:spTgt spid="13"/>
+                                        </p:tgtEl>
+                                      </p:cBhvr>
+                                    </p:animEffect>
+                                    <p:anim calcmode="lin" valueType="num">
+                                      <p:cBhvr>
+                                        <p:cTn id="8" dur="1000" fill="hold"/>
+                                        <p:tgtEl>
+                                          <p:spTgt spid="13"/>
+                                        </p:tgtEl>
+                                        <p:attrNameLst>
+                                          <p:attrName>ppt_x</p:attrName>
+                                        </p:attrNameLst>
+                                      </p:cBhvr>
+                                      <p:tavLst>
+                                        <p:tav tm="0">
+                                          <p:val>
+                                            <p:strVal val="#ppt_x"/>
+                                          </p:val>
+                                        </p:tav>
+                                        <p:tav tm="100000">
+                                          <p:val>
+                                            <p:strVal val="#ppt_x"/>
+                                          </p:val>
+                                        </p:tav>
+                                      </p:tavLst>
+                                    </p:anim>
+                                    <p:anim calcmode="lin" valueType="num">
+                                      <p:cBhvr>
+                                        <p:cTn id="9" dur="1000" fill="hold"/>
+                                        <p:tgtEl>
+                                          <p:spTgt spid="13"/>
+                                        </p:tgtEl>
+                                        <p:attrNameLst>
+                                          <p:attrName>ppt_y</p:attrName>
+                                        </p:attrNameLst>
+                                      </p:cBhvr>
+                                      <p:tavLst>
+                                        <p:tav tm="0">
+                                          <p:val>
+                                            <p:strVal val="#ppt_y+.1"/>
+                                          </p:val>
+                                        </p:tav>
+                                        <p:tav tm="100000">
+                                          <p:val>
+                                            <p:strVal val="#ppt_y"/>
+                                          </p:val>
+                                        </p:tav>
+                                      </p:tavLst>
+                                    </p:anim>
+                                  </p:childTnLst>
+                                </p:cTn>
+                              </p:par>
+                            </p:childTnLst>
+                          </p:cTn>
+                        </p:par>
+                      </p:childTnLst>
+                    </p:cTn>
+                  </p:par>
+                  <p:par>
+                    <p:cTn id="10" fill="hold">
+                      <p:stCondLst>
+                        <p:cond delay="indefinite"/>
+                      </p:stCondLst>
+                      <p:childTnLst>
+                        <p:par>
+                          <p:cTn id="11" fill="hold">
+                            <p:stCondLst>
+                              <p:cond delay="0"/>
+                            </p:stCondLst>
+                            <p:childTnLst>
+                              <p:par>
+                                <p:cTn id="12" presetID="42" presetClass="entr" presetSubtype="0" fill="hold" grpId="0" nodeType="clickEffect">
+                                  <p:stCondLst>
+                                    <p:cond delay="0"/>
+                                  </p:stCondLst>
+                                  <p:childTnLst>
+                                    <p:set>
+                                      <p:cBhvr>
+                                        <p:cTn id="13" dur="1" fill="hold">
+                                          <p:stCondLst>
+                                            <p:cond delay="0"/>
+                                          </p:stCondLst>
+                                        </p:cTn>
+                                        <p:tgtEl>
+                                          <p:spTgt spid="25"/>
+                                        </p:tgtEl>
+                                        <p:attrNameLst>
+                                          <p:attrName>style.visibility</p:attrName>
+                                        </p:attrNameLst>
+                                      </p:cBhvr>
+                                      <p:to>
+                                        <p:strVal val="visible"/>
+                                      </p:to>
+                                    </p:set>
+                                    <p:animEffect transition="in" filter="fade">
+                                      <p:cBhvr>
+                                        <p:cTn id="14" dur="1000"/>
+                                        <p:tgtEl>
+                                          <p:spTgt spid="25"/>
+                                        </p:tgtEl>
+                                      </p:cBhvr>
+                                    </p:animEffect>
+                                    <p:anim calcmode="lin" valueType="num">
+                                      <p:cBhvr>
+                                        <p:cTn id="15" dur="1000" fill="hold"/>
+                                        <p:tgtEl>
+                                          <p:spTgt spid="25"/>
+                                        </p:tgtEl>
+                                        <p:attrNameLst>
+                                          <p:attrName>ppt_x</p:attrName>
+                                        </p:attrNameLst>
+                                      </p:cBhvr>
+                                      <p:tavLst>
+                                        <p:tav tm="0">
+                                          <p:val>
+                                            <p:strVal val="#ppt_x"/>
+                                          </p:val>
+                                        </p:tav>
+                                        <p:tav tm="100000">
+                                          <p:val>
+                                            <p:strVal val="#ppt_x"/>
+                                          </p:val>
+                                        </p:tav>
+                                      </p:tavLst>
+                                    </p:anim>
+                                    <p:anim calcmode="lin" valueType="num">
+                                      <p:cBhvr>
+                                        <p:cTn id="16" dur="1000" fill="hold"/>
+                                        <p:tgtEl>
+                                          <p:spTgt spid="25"/>
+                                        </p:tgtEl>
+                                        <p:attrNameLst>
+                                          <p:attrName>ppt_y</p:attrName>
+                                        </p:attrNameLst>
+                                      </p:cBhvr>
+                                      <p:tavLst>
+                                        <p:tav tm="0">
+                                          <p:val>
+                                            <p:strVal val="#ppt_y+.1"/>
+                                          </p:val>
+                                        </p:tav>
+                                        <p:tav tm="100000">
+                                          <p:val>
+                                            <p:strVal val="#ppt_y"/>
+                                          </p:val>
+                                        </p:tav>
+                                      </p:tavLst>
+                                    </p:anim>
+                                  </p:childTnLst>
+                                </p:cTn>
+                              </p:par>
+                              <p:par>
+                                <p:cTn id="17" presetID="42" presetClass="entr" presetSubtype="0" fill="hold" grpId="0" nodeType="withEffect">
+                                  <p:stCondLst>
+                                    <p:cond delay="0"/>
+                                  </p:stCondLst>
+                                  <p:childTnLst>
+                                    <p:set>
+                                      <p:cBhvr>
+                                        <p:cTn id="18" dur="1" fill="hold">
+                                          <p:stCondLst>
+                                            <p:cond delay="0"/>
+                                          </p:stCondLst>
+                                        </p:cTn>
+                                        <p:tgtEl>
+                                          <p:spTgt spid="23"/>
+                                        </p:tgtEl>
+                                        <p:attrNameLst>
+                                          <p:attrName>style.visibility</p:attrName>
+                                        </p:attrNameLst>
+                                      </p:cBhvr>
+                                      <p:to>
+                                        <p:strVal val="visible"/>
+                                      </p:to>
+                                    </p:set>
+                                    <p:animEffect transition="in" filter="fade">
+                                      <p:cBhvr>
+                                        <p:cTn id="19" dur="1000"/>
+                                        <p:tgtEl>
+                                          <p:spTgt spid="23"/>
+                                        </p:tgtEl>
+                                      </p:cBhvr>
+                                    </p:animEffect>
+                                    <p:anim calcmode="lin" valueType="num">
+                                      <p:cBhvr>
+                                        <p:cTn id="20" dur="1000" fill="hold"/>
+                                        <p:tgtEl>
+                                          <p:spTgt spid="23"/>
+                                        </p:tgtEl>
+                                        <p:attrNameLst>
+                                          <p:attrName>ppt_x</p:attrName>
+                                        </p:attrNameLst>
+                                      </p:cBhvr>
+                                      <p:tavLst>
+                                        <p:tav tm="0">
+                                          <p:val>
+                                            <p:strVal val="#ppt_x"/>
+                                          </p:val>
+                                        </p:tav>
+                                        <p:tav tm="100000">
+                                          <p:val>
+                                            <p:strVal val="#ppt_x"/>
+                                          </p:val>
+                                        </p:tav>
+                                      </p:tavLst>
+                                    </p:anim>
+                                    <p:anim calcmode="lin" valueType="num">
+                                      <p:cBhvr>
+                                        <p:cTn id="21" dur="1000" fill="hold"/>
+                                        <p:tgtEl>
+                                          <p:spTgt spid="23"/>
+                                        </p:tgtEl>
+                                        <p:attrNameLst>
+                                          <p:attrName>ppt_y</p:attrName>
+                                        </p:attrNameLst>
+                                      </p:cBhvr>
+                                      <p:tavLst>
+                                        <p:tav tm="0">
+                                          <p:val>
+                                            <p:strVal val="#ppt_y+.1"/>
+                                          </p:val>
+                                        </p:tav>
+                                        <p:tav tm="100000">
+                                          <p:val>
+                                            <p:strVal val="#ppt_y"/>
+                                          </p:val>
+                                        </p:tav>
+                                      </p:tavLst>
+                                    </p:anim>
+                                  </p:childTnLst>
+                                </p:cTn>
+                              </p:par>
+                              <p:par>
+                                <p:cTn id="22" presetID="42" presetClass="entr" presetSubtype="0" fill="hold" grpId="0" nodeType="withEffect">
+                                  <p:stCondLst>
+                                    <p:cond delay="0"/>
+                                  </p:stCondLst>
+                                  <p:childTnLst>
+                                    <p:set>
+                                      <p:cBhvr>
+                                        <p:cTn id="23" dur="1" fill="hold">
+                                          <p:stCondLst>
+                                            <p:cond delay="0"/>
+                                          </p:stCondLst>
+                                        </p:cTn>
+                                        <p:tgtEl>
+                                          <p:spTgt spid="24"/>
+                                        </p:tgtEl>
+                                        <p:attrNameLst>
+                                          <p:attrName>style.visibility</p:attrName>
+                                        </p:attrNameLst>
+                                      </p:cBhvr>
+                                      <p:to>
+                                        <p:strVal val="visible"/>
+                                      </p:to>
+                                    </p:set>
+                                    <p:animEffect transition="in" filter="fade">
+                                      <p:cBhvr>
+                                        <p:cTn id="24" dur="1000"/>
+                                        <p:tgtEl>
+                                          <p:spTgt spid="24"/>
+                                        </p:tgtEl>
+                                      </p:cBhvr>
+                                    </p:animEffect>
+                                    <p:anim calcmode="lin" valueType="num">
+                                      <p:cBhvr>
+                                        <p:cTn id="25" dur="1000" fill="hold"/>
+                                        <p:tgtEl>
+                                          <p:spTgt spid="24"/>
+                                        </p:tgtEl>
+                                        <p:attrNameLst>
+                                          <p:attrName>ppt_x</p:attrName>
+                                        </p:attrNameLst>
+                                      </p:cBhvr>
+                                      <p:tavLst>
+                                        <p:tav tm="0">
+                                          <p:val>
+                                            <p:strVal val="#ppt_x"/>
+                                          </p:val>
+                                        </p:tav>
+                                        <p:tav tm="100000">
+                                          <p:val>
+                                            <p:strVal val="#ppt_x"/>
+                                          </p:val>
+                                        </p:tav>
+                                      </p:tavLst>
+                                    </p:anim>
+                                    <p:anim calcmode="lin" valueType="num">
+                                      <p:cBhvr>
+                                        <p:cTn id="26" dur="1000" fill="hold"/>
+                                        <p:tgtEl>
+                                          <p:spTgt spid="24"/>
+                                        </p:tgtEl>
+                                        <p:attrNameLst>
+                                          <p:attrName>ppt_y</p:attrName>
+                                        </p:attrNameLst>
+                                      </p:cBhvr>
+                                      <p:tavLst>
+                                        <p:tav tm="0">
+                                          <p:val>
+                                            <p:strVal val="#ppt_y+.1"/>
+                                          </p:val>
+                                        </p:tav>
+                                        <p:tav tm="100000">
+                                          <p:val>
+                                            <p:strVal val="#ppt_y"/>
+                                          </p:val>
+                                        </p:tav>
+                                      </p:tavLst>
+                                    </p:anim>
+                                  </p:childTnLst>
+                                </p:cTn>
+                              </p:par>
+                              <p:par>
+                                <p:cTn id="27" presetID="42" presetClass="entr" presetSubtype="0" fill="hold" grpId="0" nodeType="withEffect">
+                                  <p:stCondLst>
+                                    <p:cond delay="0"/>
+                                  </p:stCondLst>
+                                  <p:childTnLst>
+                                    <p:set>
+                                      <p:cBhvr>
+                                        <p:cTn id="28" dur="1" fill="hold">
+                                          <p:stCondLst>
+                                            <p:cond delay="0"/>
+                                          </p:stCondLst>
+                                        </p:cTn>
+                                        <p:tgtEl>
+                                          <p:spTgt spid="26"/>
+                                        </p:tgtEl>
+                                        <p:attrNameLst>
+                                          <p:attrName>style.visibility</p:attrName>
+                                        </p:attrNameLst>
+                                      </p:cBhvr>
+                                      <p:to>
+                                        <p:strVal val="visible"/>
+                                      </p:to>
+                                    </p:set>
+                                    <p:animEffect transition="in" filter="fade">
+                                      <p:cBhvr>
+                                        <p:cTn id="29" dur="1000"/>
+                                        <p:tgtEl>
+                                          <p:spTgt spid="26"/>
+                                        </p:tgtEl>
+                                      </p:cBhvr>
+                                    </p:animEffect>
+                                    <p:anim calcmode="lin" valueType="num">
+                                      <p:cBhvr>
+                                        <p:cTn id="30" dur="1000" fill="hold"/>
+                                        <p:tgtEl>
+                                          <p:spTgt spid="26"/>
+                                        </p:tgtEl>
+                                        <p:attrNameLst>
+                                          <p:attrName>ppt_x</p:attrName>
+                                        </p:attrNameLst>
+                                      </p:cBhvr>
+                                      <p:tavLst>
+                                        <p:tav tm="0">
+                                          <p:val>
+                                            <p:strVal val="#ppt_x"/>
+                                          </p:val>
+                                        </p:tav>
+                                        <p:tav tm="100000">
+                                          <p:val>
+                                            <p:strVal val="#ppt_x"/>
+                                          </p:val>
+                                        </p:tav>
+                                      </p:tavLst>
+                                    </p:anim>
+                                    <p:anim calcmode="lin" valueType="num">
+                                      <p:cBhvr>
+                                        <p:cTn id="31" dur="1000" fill="hold"/>
+                                        <p:tgtEl>
+                                          <p:spTgt spid="26"/>
+                                        </p:tgtEl>
+                                        <p:attrNameLst>
+                                          <p:attrName>ppt_y</p:attrName>
+                                        </p:attrNameLst>
+                                      </p:cBhvr>
+                                      <p:tavLst>
+                                        <p:tav tm="0">
+                                          <p:val>
+                                            <p:strVal val="#ppt_y+.1"/>
+                                          </p:val>
+                                        </p:tav>
+                                        <p:tav tm="100000">
+                                          <p:val>
+                                            <p:strVal val="#ppt_y"/>
+                                          </p:val>
+                                        </p:tav>
+                                      </p:tavLst>
+                                    </p:anim>
+                                  </p:childTnLst>
+                                </p:cTn>
+                              </p:par>
+                              <p:par>
+                                <p:cTn id="32" presetID="42" presetClass="entr" presetSubtype="0" fill="hold" grpId="0" nodeType="withEffect">
+                                  <p:stCondLst>
+                                    <p:cond delay="0"/>
+                                  </p:stCondLst>
+                                  <p:childTnLst>
+                                    <p:set>
+                                      <p:cBhvr>
+                                        <p:cTn id="33" dur="1" fill="hold">
+                                          <p:stCondLst>
+                                            <p:cond delay="0"/>
+                                          </p:stCondLst>
+                                        </p:cTn>
+                                        <p:tgtEl>
+                                          <p:spTgt spid="27"/>
+                                        </p:tgtEl>
+                                        <p:attrNameLst>
+                                          <p:attrName>style.visibility</p:attrName>
+                                        </p:attrNameLst>
+                                      </p:cBhvr>
+                                      <p:to>
+                                        <p:strVal val="visible"/>
+                                      </p:to>
+                                    </p:set>
+                                    <p:animEffect transition="in" filter="fade">
+                                      <p:cBhvr>
+                                        <p:cTn id="34" dur="1000"/>
+                                        <p:tgtEl>
+                                          <p:spTgt spid="27"/>
+                                        </p:tgtEl>
+                                      </p:cBhvr>
+                                    </p:animEffect>
+                                    <p:anim calcmode="lin" valueType="num">
+                                      <p:cBhvr>
+                                        <p:cTn id="35" dur="1000" fill="hold"/>
+                                        <p:tgtEl>
+                                          <p:spTgt spid="27"/>
+                                        </p:tgtEl>
+                                        <p:attrNameLst>
+                                          <p:attrName>ppt_x</p:attrName>
+                                        </p:attrNameLst>
+                                      </p:cBhvr>
+                                      <p:tavLst>
+                                        <p:tav tm="0">
+                                          <p:val>
+                                            <p:strVal val="#ppt_x"/>
+                                          </p:val>
+                                        </p:tav>
+                                        <p:tav tm="100000">
+                                          <p:val>
+                                            <p:strVal val="#ppt_x"/>
+                                          </p:val>
+                                        </p:tav>
+                                      </p:tavLst>
+                                    </p:anim>
+                                    <p:anim calcmode="lin" valueType="num">
+                                      <p:cBhvr>
+                                        <p:cTn id="36" dur="1000" fill="hold"/>
+                                        <p:tgtEl>
+                                          <p:spTgt spid="27"/>
+                                        </p:tgtEl>
+                                        <p:attrNameLst>
+                                          <p:attrName>ppt_y</p:attrName>
+                                        </p:attrNameLst>
+                                      </p:cBhvr>
+                                      <p:tavLst>
+                                        <p:tav tm="0">
+                                          <p:val>
+                                            <p:strVal val="#ppt_y+.1"/>
+                                          </p:val>
+                                        </p:tav>
+                                        <p:tav tm="100000">
+                                          <p:val>
+                                            <p:strVal val="#ppt_y"/>
+                                          </p:val>
+                                        </p:tav>
+                                      </p:tavLst>
+                                    </p:anim>
+                                  </p:childTnLst>
+                                </p:cTn>
+                              </p:par>
+                            </p:childTnLst>
+                          </p:cTn>
+                        </p:par>
+                      </p:childTnLst>
+                    </p:cTn>
+                  </p:par>
+                </p:childTnLst>
+              </p:cTn>
+              <p:prevCondLst>
+                <p:cond evt="onPrev" delay="0">
+                  <p:tgtEl>
+                    <p:sldTgt/>
+                  </p:tgtEl>
+                </p:cond>
+              </p:prevCondLst>
+              <p:nextCondLst>
+                <p:cond evt="onNext" delay="0">
+                  <p:tgtEl>
+                    <p:sldTgt/>
+                  </p:tgtEl>
+                </p:cond>
+              </p:nextCondLst>
+            </p:seq>
+          </p:childTnLst>
+        </p:cTn>
+      </p:par>
+    </p:tnLst>
+    <p:bldLst>
+      <p:bldP spid="23" grpId="0" animBg="1"/>
+      <p:bldP spid="24" grpId="0" animBg="1"/>
+      <p:bldP spid="25" grpId="0" animBg="1"/>
+      <p:bldP spid="26" grpId="0" animBg="1"/>
+      <p:bldP spid="27" grpId="0" animBg="1"/>
+    </p:bldLst>
+  </p:timing>
 </p:sld>
 </file>
 
-<file path=ppt/slides/slide4.xml><?xml version="1.0" encoding="utf-8"?>
+<file path=ppt/slides/slide7.xml><?xml version="1.0" encoding="utf-8"?>
 <p:sld xmlns:a="http://schemas.openxmlformats.org/drawingml/2006/main" xmlns:r="http://schemas.openxmlformats.org/officeDocument/2006/relationships" xmlns:p="http://schemas.openxmlformats.org/presentationml/2006/main">
   <p:cSld>
     <p:spTree>
@@ -5637,195 +10601,6 @@
           <a:chExt cx="0" cy="0"/>
         </a:xfrm>
       </p:grpSpPr>
-      <p:grpSp>
-        <p:nvGrpSpPr>
-          <p:cNvPr id="8" name="Group 7">
-            <a:extLst>
-              <a:ext uri="{FF2B5EF4-FFF2-40B4-BE49-F238E27FC236}">
-                <a16:creationId xmlns:a16="http://schemas.microsoft.com/office/drawing/2014/main" id="{CAADF093-FB01-000F-5B56-2E2A6B351FE2}"/>
-              </a:ext>
-            </a:extLst>
-          </p:cNvPr>
-          <p:cNvGrpSpPr/>
-          <p:nvPr/>
-        </p:nvGrpSpPr>
-        <p:grpSpPr>
-          <a:xfrm rot="1633719">
-            <a:off x="594390" y="633495"/>
-            <a:ext cx="1184652" cy="1343124"/>
-            <a:chOff x="330200" y="495300"/>
-            <a:chExt cx="1117600" cy="1343124"/>
-          </a:xfrm>
-        </p:grpSpPr>
-        <p:sp>
-          <p:nvSpPr>
-            <p:cNvPr id="9" name="Hexagon 8">
-              <a:extLst>
-                <a:ext uri="{FF2B5EF4-FFF2-40B4-BE49-F238E27FC236}">
-                  <a16:creationId xmlns:a16="http://schemas.microsoft.com/office/drawing/2014/main" id="{A950FA3E-3C77-5C62-2232-A732274A5C18}"/>
-                </a:ext>
-              </a:extLst>
-            </p:cNvPr>
-            <p:cNvSpPr/>
-            <p:nvPr/>
-          </p:nvSpPr>
-          <p:spPr>
-            <a:xfrm>
-              <a:off x="330200" y="495300"/>
-              <a:ext cx="762000" cy="698500"/>
-            </a:xfrm>
-            <a:prstGeom prst="hexagon">
-              <a:avLst/>
-            </a:prstGeom>
-            <a:solidFill>
-              <a:schemeClr val="accent4">
-                <a:lumMod val="40000"/>
-                <a:lumOff val="60000"/>
-                <a:alpha val="54902"/>
-              </a:schemeClr>
-            </a:solidFill>
-            <a:ln>
-              <a:solidFill>
-                <a:srgbClr val="FFC000"/>
-              </a:solidFill>
-            </a:ln>
-          </p:spPr>
-          <p:style>
-            <a:lnRef idx="2">
-              <a:schemeClr val="accent1">
-                <a:shade val="50000"/>
-              </a:schemeClr>
-            </a:lnRef>
-            <a:fillRef idx="1">
-              <a:schemeClr val="accent1"/>
-            </a:fillRef>
-            <a:effectRef idx="0">
-              <a:schemeClr val="accent1"/>
-            </a:effectRef>
-            <a:fontRef idx="minor">
-              <a:schemeClr val="lt1"/>
-            </a:fontRef>
-          </p:style>
-          <p:txBody>
-            <a:bodyPr rtlCol="0" anchor="ctr"/>
-            <a:lstStyle/>
-            <a:p>
-              <a:pPr algn="ctr"/>
-              <a:endParaRPr lang="en-US"/>
-            </a:p>
-          </p:txBody>
-        </p:sp>
-        <p:sp>
-          <p:nvSpPr>
-            <p:cNvPr id="10" name="Hexagon 9">
-              <a:extLst>
-                <a:ext uri="{FF2B5EF4-FFF2-40B4-BE49-F238E27FC236}">
-                  <a16:creationId xmlns:a16="http://schemas.microsoft.com/office/drawing/2014/main" id="{0BFE8205-1F76-F84C-E6F2-187F89861F6F}"/>
-                </a:ext>
-              </a:extLst>
-            </p:cNvPr>
-            <p:cNvSpPr/>
-            <p:nvPr/>
-          </p:nvSpPr>
-          <p:spPr>
-            <a:xfrm>
-              <a:off x="977900" y="1022303"/>
-              <a:ext cx="469900" cy="450898"/>
-            </a:xfrm>
-            <a:prstGeom prst="hexagon">
-              <a:avLst/>
-            </a:prstGeom>
-            <a:solidFill>
-              <a:srgbClr val="FFC000"/>
-            </a:solidFill>
-            <a:ln>
-              <a:solidFill>
-                <a:srgbClr val="FFC000"/>
-              </a:solidFill>
-            </a:ln>
-          </p:spPr>
-          <p:style>
-            <a:lnRef idx="2">
-              <a:schemeClr val="accent1">
-                <a:shade val="50000"/>
-              </a:schemeClr>
-            </a:lnRef>
-            <a:fillRef idx="1">
-              <a:schemeClr val="accent1"/>
-            </a:fillRef>
-            <a:effectRef idx="0">
-              <a:schemeClr val="accent1"/>
-            </a:effectRef>
-            <a:fontRef idx="minor">
-              <a:schemeClr val="lt1"/>
-            </a:fontRef>
-          </p:style>
-          <p:txBody>
-            <a:bodyPr rtlCol="0" anchor="ctr"/>
-            <a:lstStyle/>
-            <a:p>
-              <a:pPr algn="ctr"/>
-              <a:endParaRPr lang="en-US"/>
-            </a:p>
-          </p:txBody>
-        </p:sp>
-        <p:sp>
-          <p:nvSpPr>
-            <p:cNvPr id="11" name="Hexagon 10">
-              <a:extLst>
-                <a:ext uri="{FF2B5EF4-FFF2-40B4-BE49-F238E27FC236}">
-                  <a16:creationId xmlns:a16="http://schemas.microsoft.com/office/drawing/2014/main" id="{A61B99EB-D1A9-08DE-8177-9F7F832DC178}"/>
-                </a:ext>
-              </a:extLst>
-            </p:cNvPr>
-            <p:cNvSpPr/>
-            <p:nvPr/>
-          </p:nvSpPr>
-          <p:spPr>
-            <a:xfrm>
-              <a:off x="431800" y="1280022"/>
-              <a:ext cx="609600" cy="558402"/>
-            </a:xfrm>
-            <a:prstGeom prst="hexagon">
-              <a:avLst/>
-            </a:prstGeom>
-            <a:solidFill>
-              <a:srgbClr val="FFC000">
-                <a:alpha val="54902"/>
-              </a:srgbClr>
-            </a:solidFill>
-            <a:ln>
-              <a:solidFill>
-                <a:srgbClr val="FFC000"/>
-              </a:solidFill>
-            </a:ln>
-          </p:spPr>
-          <p:style>
-            <a:lnRef idx="2">
-              <a:schemeClr val="accent1">
-                <a:shade val="50000"/>
-              </a:schemeClr>
-            </a:lnRef>
-            <a:fillRef idx="1">
-              <a:schemeClr val="accent1"/>
-            </a:fillRef>
-            <a:effectRef idx="0">
-              <a:schemeClr val="accent1"/>
-            </a:effectRef>
-            <a:fontRef idx="minor">
-              <a:schemeClr val="lt1"/>
-            </a:fontRef>
-          </p:style>
-          <p:txBody>
-            <a:bodyPr rtlCol="0" anchor="ctr"/>
-            <a:lstStyle/>
-            <a:p>
-              <a:pPr algn="ctr"/>
-              <a:endParaRPr lang="en-US"/>
-            </a:p>
-          </p:txBody>
-        </p:sp>
-      </p:grpSp>
       <p:sp>
         <p:nvSpPr>
           <p:cNvPr id="2" name="Title 1">
@@ -6298,7 +11073,7 @@
 </p:sld>
 </file>
 
-<file path=ppt/slides/slide5.xml><?xml version="1.0" encoding="utf-8"?>
+<file path=ppt/slides/slide8.xml><?xml version="1.0" encoding="utf-8"?>
 <p:sld xmlns:a="http://schemas.openxmlformats.org/drawingml/2006/main" xmlns:r="http://schemas.openxmlformats.org/officeDocument/2006/relationships" xmlns:p="http://schemas.openxmlformats.org/presentationml/2006/main">
   <p:cSld>
     <p:bg>
@@ -6362,8 +11137,8 @@
         </p:blipFill>
         <p:spPr>
           <a:xfrm>
-            <a:off x="899214" y="452098"/>
-            <a:ext cx="9641785" cy="5953803"/>
+            <a:off x="882502" y="452098"/>
+            <a:ext cx="9658497" cy="5953803"/>
           </a:xfrm>
           <a:prstGeom prst="rect">
             <a:avLst/>
@@ -6462,219 +11237,6 @@
 </p:sld>
 </file>
 
-<file path=ppt/slides/slide6.xml><?xml version="1.0" encoding="utf-8"?>
-<p:sld xmlns:a="http://schemas.openxmlformats.org/drawingml/2006/main" xmlns:r="http://schemas.openxmlformats.org/officeDocument/2006/relationships" xmlns:p="http://schemas.openxmlformats.org/presentationml/2006/main">
-  <p:cSld>
-    <p:spTree>
-      <p:nvGrpSpPr>
-        <p:cNvPr id="1" name=""/>
-        <p:cNvGrpSpPr/>
-        <p:nvPr/>
-      </p:nvGrpSpPr>
-      <p:grpSpPr>
-        <a:xfrm>
-          <a:off x="0" y="0"/>
-          <a:ext cx="0" cy="0"/>
-          <a:chOff x="0" y="0"/>
-          <a:chExt cx="0" cy="0"/>
-        </a:xfrm>
-      </p:grpSpPr>
-      <p:pic>
-        <p:nvPicPr>
-          <p:cNvPr id="5" name="Content Placeholder 4" descr="A picture containing diagram&#10;&#10;Description automatically generated">
-            <a:extLst>
-              <a:ext uri="{FF2B5EF4-FFF2-40B4-BE49-F238E27FC236}">
-                <a16:creationId xmlns:a16="http://schemas.microsoft.com/office/drawing/2014/main" id="{DD10521C-8E3E-9754-C2CA-16799F135A74}"/>
-              </a:ext>
-            </a:extLst>
-          </p:cNvPr>
-          <p:cNvPicPr>
-            <a:picLocks noGrp="1" noChangeAspect="1"/>
-          </p:cNvPicPr>
-          <p:nvPr>
-            <p:ph idx="1"/>
-          </p:nvPr>
-        </p:nvPicPr>
-        <p:blipFill>
-          <a:blip r:embed="rId2">
-            <a:extLst>
-              <a:ext uri="{BEBA8EAE-BF5A-486C-A8C5-ECC9F3942E4B}">
-                <a14:imgProps xmlns:a14="http://schemas.microsoft.com/office/drawing/2010/main">
-                  <a14:imgLayer r:embed="rId3">
-                    <a14:imgEffect>
-                      <a14:brightnessContrast contrast="24000"/>
-                    </a14:imgEffect>
-                  </a14:imgLayer>
-                </a14:imgProps>
-              </a:ext>
-            </a:extLst>
-          </a:blip>
-          <a:stretch>
-            <a:fillRect/>
-          </a:stretch>
-        </p:blipFill>
-        <p:spPr>
-          <a:xfrm>
-            <a:off x="838200" y="427155"/>
-            <a:ext cx="9728200" cy="6003689"/>
-          </a:xfrm>
-        </p:spPr>
-      </p:pic>
-    </p:spTree>
-    <p:extLst>
-      <p:ext uri="{BB962C8B-B14F-4D97-AF65-F5344CB8AC3E}">
-        <p14:creationId xmlns:p14="http://schemas.microsoft.com/office/powerpoint/2010/main" val="1016427448"/>
-      </p:ext>
-    </p:extLst>
-  </p:cSld>
-  <p:clrMapOvr>
-    <a:masterClrMapping/>
-  </p:clrMapOvr>
-</p:sld>
-</file>
-
-<file path=ppt/slides/slide7.xml><?xml version="1.0" encoding="utf-8"?>
-<p:sld xmlns:a="http://schemas.openxmlformats.org/drawingml/2006/main" xmlns:r="http://schemas.openxmlformats.org/officeDocument/2006/relationships" xmlns:p="http://schemas.openxmlformats.org/presentationml/2006/main">
-  <p:cSld>
-    <p:spTree>
-      <p:nvGrpSpPr>
-        <p:cNvPr id="1" name=""/>
-        <p:cNvGrpSpPr/>
-        <p:nvPr/>
-      </p:nvGrpSpPr>
-      <p:grpSpPr>
-        <a:xfrm>
-          <a:off x="0" y="0"/>
-          <a:ext cx="0" cy="0"/>
-          <a:chOff x="0" y="0"/>
-          <a:chExt cx="0" cy="0"/>
-        </a:xfrm>
-      </p:grpSpPr>
-      <p:pic>
-        <p:nvPicPr>
-          <p:cNvPr id="5" name="Content Placeholder 4" descr="A picture containing diagram&#10;&#10;Description automatically generated">
-            <a:extLst>
-              <a:ext uri="{FF2B5EF4-FFF2-40B4-BE49-F238E27FC236}">
-                <a16:creationId xmlns:a16="http://schemas.microsoft.com/office/drawing/2014/main" id="{32A3134D-9821-E200-6F17-DB985772324F}"/>
-              </a:ext>
-            </a:extLst>
-          </p:cNvPr>
-          <p:cNvPicPr>
-            <a:picLocks noGrp="1" noChangeAspect="1"/>
-          </p:cNvPicPr>
-          <p:nvPr>
-            <p:ph idx="1"/>
-          </p:nvPr>
-        </p:nvPicPr>
-        <p:blipFill>
-          <a:blip r:embed="rId2">
-            <a:extLst>
-              <a:ext uri="{BEBA8EAE-BF5A-486C-A8C5-ECC9F3942E4B}">
-                <a14:imgProps xmlns:a14="http://schemas.microsoft.com/office/drawing/2010/main">
-                  <a14:imgLayer r:embed="rId3">
-                    <a14:imgEffect>
-                      <a14:brightnessContrast contrast="24000"/>
-                    </a14:imgEffect>
-                  </a14:imgLayer>
-                </a14:imgProps>
-              </a:ext>
-            </a:extLst>
-          </a:blip>
-          <a:stretch>
-            <a:fillRect/>
-          </a:stretch>
-        </p:blipFill>
-        <p:spPr>
-          <a:xfrm>
-            <a:off x="868810" y="460114"/>
-            <a:ext cx="9621390" cy="5937772"/>
-          </a:xfrm>
-        </p:spPr>
-      </p:pic>
-    </p:spTree>
-    <p:extLst>
-      <p:ext uri="{BB962C8B-B14F-4D97-AF65-F5344CB8AC3E}">
-        <p14:creationId xmlns:p14="http://schemas.microsoft.com/office/powerpoint/2010/main" val="1429974315"/>
-      </p:ext>
-    </p:extLst>
-  </p:cSld>
-  <p:clrMapOvr>
-    <a:masterClrMapping/>
-  </p:clrMapOvr>
-</p:sld>
-</file>
-
-<file path=ppt/slides/slide8.xml><?xml version="1.0" encoding="utf-8"?>
-<p:sld xmlns:a="http://schemas.openxmlformats.org/drawingml/2006/main" xmlns:r="http://schemas.openxmlformats.org/officeDocument/2006/relationships" xmlns:p="http://schemas.openxmlformats.org/presentationml/2006/main">
-  <p:cSld>
-    <p:spTree>
-      <p:nvGrpSpPr>
-        <p:cNvPr id="1" name=""/>
-        <p:cNvGrpSpPr/>
-        <p:nvPr/>
-      </p:nvGrpSpPr>
-      <p:grpSpPr>
-        <a:xfrm>
-          <a:off x="0" y="0"/>
-          <a:ext cx="0" cy="0"/>
-          <a:chOff x="0" y="0"/>
-          <a:chExt cx="0" cy="0"/>
-        </a:xfrm>
-      </p:grpSpPr>
-      <p:pic>
-        <p:nvPicPr>
-          <p:cNvPr id="5" name="Content Placeholder 4" descr="A picture containing diagram&#10;&#10;Description automatically generated">
-            <a:extLst>
-              <a:ext uri="{FF2B5EF4-FFF2-40B4-BE49-F238E27FC236}">
-                <a16:creationId xmlns:a16="http://schemas.microsoft.com/office/drawing/2014/main" id="{3559740C-49AB-F211-F056-5E177AABB3CB}"/>
-              </a:ext>
-            </a:extLst>
-          </p:cNvPr>
-          <p:cNvPicPr>
-            <a:picLocks noGrp="1" noChangeAspect="1"/>
-          </p:cNvPicPr>
-          <p:nvPr>
-            <p:ph idx="1"/>
-          </p:nvPr>
-        </p:nvPicPr>
-        <p:blipFill>
-          <a:blip r:embed="rId2">
-            <a:extLst>
-              <a:ext uri="{BEBA8EAE-BF5A-486C-A8C5-ECC9F3942E4B}">
-                <a14:imgProps xmlns:a14="http://schemas.microsoft.com/office/drawing/2010/main">
-                  <a14:imgLayer r:embed="rId3">
-                    <a14:imgEffect>
-                      <a14:brightnessContrast contrast="24000"/>
-                    </a14:imgEffect>
-                  </a14:imgLayer>
-                </a14:imgProps>
-              </a:ext>
-            </a:extLst>
-          </a:blip>
-          <a:stretch>
-            <a:fillRect/>
-          </a:stretch>
-        </p:blipFill>
-        <p:spPr>
-          <a:xfrm>
-            <a:off x="932310" y="460114"/>
-            <a:ext cx="9621390" cy="5937772"/>
-          </a:xfrm>
-        </p:spPr>
-      </p:pic>
-    </p:spTree>
-    <p:extLst>
-      <p:ext uri="{BB962C8B-B14F-4D97-AF65-F5344CB8AC3E}">
-        <p14:creationId xmlns:p14="http://schemas.microsoft.com/office/powerpoint/2010/main" val="2841635706"/>
-      </p:ext>
-    </p:extLst>
-  </p:cSld>
-  <p:clrMapOvr>
-    <a:masterClrMapping/>
-  </p:clrMapOvr>
-</p:sld>
-</file>
-
 <file path=ppt/slides/slide9.xml><?xml version="1.0" encoding="utf-8"?>
 <p:sld xmlns:a="http://schemas.openxmlformats.org/drawingml/2006/main" xmlns:r="http://schemas.openxmlformats.org/officeDocument/2006/relationships" xmlns:p="http://schemas.openxmlformats.org/presentationml/2006/main">
   <p:cSld>
@@ -6697,7 +11259,7 @@
           <p:cNvPr id="5" name="Content Placeholder 4" descr="A picture containing diagram&#10;&#10;Description automatically generated">
             <a:extLst>
               <a:ext uri="{FF2B5EF4-FFF2-40B4-BE49-F238E27FC236}">
-                <a16:creationId xmlns:a16="http://schemas.microsoft.com/office/drawing/2014/main" id="{F8C1EC85-A1D9-CB75-5315-873310A01849}"/>
+                <a16:creationId xmlns:a16="http://schemas.microsoft.com/office/drawing/2014/main" id="{DD10521C-8E3E-9754-C2CA-16799F135A74}"/>
               </a:ext>
             </a:extLst>
           </p:cNvPr>
@@ -6728,15 +11290,15 @@
         </p:blipFill>
         <p:spPr>
           <a:xfrm>
-            <a:off x="881510" y="456195"/>
-            <a:ext cx="9634090" cy="5945610"/>
+            <a:off x="838200" y="427155"/>
+            <a:ext cx="9728200" cy="6003689"/>
           </a:xfrm>
         </p:spPr>
       </p:pic>
     </p:spTree>
     <p:extLst>
       <p:ext uri="{BB962C8B-B14F-4D97-AF65-F5344CB8AC3E}">
-        <p14:creationId xmlns:p14="http://schemas.microsoft.com/office/powerpoint/2010/main" val="1643812719"/>
+        <p14:creationId xmlns:p14="http://schemas.microsoft.com/office/powerpoint/2010/main" val="1016427448"/>
       </p:ext>
     </p:extLst>
   </p:cSld>
@@ -7039,4 +11601,299 @@
     </a:ext>
   </a:extLst>
 </a:theme>
+</file>
+
+<file path=ppt/theme/theme2.xml><?xml version="1.0" encoding="utf-8"?>
+<a:theme xmlns:a="http://schemas.openxmlformats.org/drawingml/2006/main" name="Office Theme">
+  <a:themeElements>
+    <a:clrScheme name="Office">
+      <a:dk1>
+        <a:sysClr val="windowText" lastClr="000000"/>
+      </a:dk1>
+      <a:lt1>
+        <a:sysClr val="window" lastClr="FFFFFF"/>
+      </a:lt1>
+      <a:dk2>
+        <a:srgbClr val="44546A"/>
+      </a:dk2>
+      <a:lt2>
+        <a:srgbClr val="E7E6E6"/>
+      </a:lt2>
+      <a:accent1>
+        <a:srgbClr val="4472C4"/>
+      </a:accent1>
+      <a:accent2>
+        <a:srgbClr val="ED7D31"/>
+      </a:accent2>
+      <a:accent3>
+        <a:srgbClr val="A5A5A5"/>
+      </a:accent3>
+      <a:accent4>
+        <a:srgbClr val="FFC000"/>
+      </a:accent4>
+      <a:accent5>
+        <a:srgbClr val="5B9BD5"/>
+      </a:accent5>
+      <a:accent6>
+        <a:srgbClr val="70AD47"/>
+      </a:accent6>
+      <a:hlink>
+        <a:srgbClr val="0563C1"/>
+      </a:hlink>
+      <a:folHlink>
+        <a:srgbClr val="954F72"/>
+      </a:folHlink>
+    </a:clrScheme>
+    <a:fontScheme name="Office">
+      <a:majorFont>
+        <a:latin typeface="Calibri Light" panose="020F0302020204030204"/>
+        <a:ea typeface=""/>
+        <a:cs typeface=""/>
+        <a:font script="Jpan" typeface="游ゴシック Light"/>
+        <a:font script="Hang" typeface="맑은 고딕"/>
+        <a:font script="Hans" typeface="等线 Light"/>
+        <a:font script="Hant" typeface="新細明體"/>
+        <a:font script="Arab" typeface="Times New Roman"/>
+        <a:font script="Hebr" typeface="Times New Roman"/>
+        <a:font script="Thai" typeface="Angsana New"/>
+        <a:font script="Ethi" typeface="Nyala"/>
+        <a:font script="Beng" typeface="Vrinda"/>
+        <a:font script="Gujr" typeface="Shruti"/>
+        <a:font script="Khmr" typeface="MoolBoran"/>
+        <a:font script="Knda" typeface="Tunga"/>
+        <a:font script="Guru" typeface="Raavi"/>
+        <a:font script="Cans" typeface="Euphemia"/>
+        <a:font script="Cher" typeface="Plantagenet Cherokee"/>
+        <a:font script="Yiii" typeface="Microsoft Yi Baiti"/>
+        <a:font script="Tibt" typeface="Microsoft Himalaya"/>
+        <a:font script="Thaa" typeface="MV Boli"/>
+        <a:font script="Deva" typeface="Mangal"/>
+        <a:font script="Telu" typeface="Gautami"/>
+        <a:font script="Taml" typeface="Latha"/>
+        <a:font script="Syrc" typeface="Estrangelo Edessa"/>
+        <a:font script="Orya" typeface="Kalinga"/>
+        <a:font script="Mlym" typeface="Kartika"/>
+        <a:font script="Laoo" typeface="DokChampa"/>
+        <a:font script="Sinh" typeface="Iskoola Pota"/>
+        <a:font script="Mong" typeface="Mongolian Baiti"/>
+        <a:font script="Viet" typeface="Times New Roman"/>
+        <a:font script="Uigh" typeface="Microsoft Uighur"/>
+        <a:font script="Geor" typeface="Sylfaen"/>
+        <a:font script="Armn" typeface="Arial"/>
+        <a:font script="Bugi" typeface="Leelawadee UI"/>
+        <a:font script="Bopo" typeface="Microsoft JhengHei"/>
+        <a:font script="Java" typeface="Javanese Text"/>
+        <a:font script="Lisu" typeface="Segoe UI"/>
+        <a:font script="Mymr" typeface="Myanmar Text"/>
+        <a:font script="Nkoo" typeface="Ebrima"/>
+        <a:font script="Olck" typeface="Nirmala UI"/>
+        <a:font script="Osma" typeface="Ebrima"/>
+        <a:font script="Phag" typeface="Phagspa"/>
+        <a:font script="Syrn" typeface="Estrangelo Edessa"/>
+        <a:font script="Syrj" typeface="Estrangelo Edessa"/>
+        <a:font script="Syre" typeface="Estrangelo Edessa"/>
+        <a:font script="Sora" typeface="Nirmala UI"/>
+        <a:font script="Tale" typeface="Microsoft Tai Le"/>
+        <a:font script="Talu" typeface="Microsoft New Tai Lue"/>
+        <a:font script="Tfng" typeface="Ebrima"/>
+      </a:majorFont>
+      <a:minorFont>
+        <a:latin typeface="Calibri" panose="020F0502020204030204"/>
+        <a:ea typeface=""/>
+        <a:cs typeface=""/>
+        <a:font script="Jpan" typeface="游ゴシック"/>
+        <a:font script="Hang" typeface="맑은 고딕"/>
+        <a:font script="Hans" typeface="等线"/>
+        <a:font script="Hant" typeface="新細明體"/>
+        <a:font script="Arab" typeface="Arial"/>
+        <a:font script="Hebr" typeface="Arial"/>
+        <a:font script="Thai" typeface="Cordia New"/>
+        <a:font script="Ethi" typeface="Nyala"/>
+        <a:font script="Beng" typeface="Vrinda"/>
+        <a:font script="Gujr" typeface="Shruti"/>
+        <a:font script="Khmr" typeface="DaunPenh"/>
+        <a:font script="Knda" typeface="Tunga"/>
+        <a:font script="Guru" typeface="Raavi"/>
+        <a:font script="Cans" typeface="Euphemia"/>
+        <a:font script="Cher" typeface="Plantagenet Cherokee"/>
+        <a:font script="Yiii" typeface="Microsoft Yi Baiti"/>
+        <a:font script="Tibt" typeface="Microsoft Himalaya"/>
+        <a:font script="Thaa" typeface="MV Boli"/>
+        <a:font script="Deva" typeface="Mangal"/>
+        <a:font script="Telu" typeface="Gautami"/>
+        <a:font script="Taml" typeface="Latha"/>
+        <a:font script="Syrc" typeface="Estrangelo Edessa"/>
+        <a:font script="Orya" typeface="Kalinga"/>
+        <a:font script="Mlym" typeface="Kartika"/>
+        <a:font script="Laoo" typeface="DokChampa"/>
+        <a:font script="Sinh" typeface="Iskoola Pota"/>
+        <a:font script="Mong" typeface="Mongolian Baiti"/>
+        <a:font script="Viet" typeface="Arial"/>
+        <a:font script="Uigh" typeface="Microsoft Uighur"/>
+        <a:font script="Geor" typeface="Sylfaen"/>
+        <a:font script="Armn" typeface="Arial"/>
+        <a:font script="Bugi" typeface="Leelawadee UI"/>
+        <a:font script="Bopo" typeface="Microsoft JhengHei"/>
+        <a:font script="Java" typeface="Javanese Text"/>
+        <a:font script="Lisu" typeface="Segoe UI"/>
+        <a:font script="Mymr" typeface="Myanmar Text"/>
+        <a:font script="Nkoo" typeface="Ebrima"/>
+        <a:font script="Olck" typeface="Nirmala UI"/>
+        <a:font script="Osma" typeface="Ebrima"/>
+        <a:font script="Phag" typeface="Phagspa"/>
+        <a:font script="Syrn" typeface="Estrangelo Edessa"/>
+        <a:font script="Syrj" typeface="Estrangelo Edessa"/>
+        <a:font script="Syre" typeface="Estrangelo Edessa"/>
+        <a:font script="Sora" typeface="Nirmala UI"/>
+        <a:font script="Tale" typeface="Microsoft Tai Le"/>
+        <a:font script="Talu" typeface="Microsoft New Tai Lue"/>
+        <a:font script="Tfng" typeface="Ebrima"/>
+      </a:minorFont>
+    </a:fontScheme>
+    <a:fmtScheme name="Office">
+      <a:fillStyleLst>
+        <a:solidFill>
+          <a:schemeClr val="phClr"/>
+        </a:solidFill>
+        <a:gradFill rotWithShape="1">
+          <a:gsLst>
+            <a:gs pos="0">
+              <a:schemeClr val="phClr">
+                <a:lumMod val="110000"/>
+                <a:satMod val="105000"/>
+                <a:tint val="67000"/>
+              </a:schemeClr>
+            </a:gs>
+            <a:gs pos="50000">
+              <a:schemeClr val="phClr">
+                <a:lumMod val="105000"/>
+                <a:satMod val="103000"/>
+                <a:tint val="73000"/>
+              </a:schemeClr>
+            </a:gs>
+            <a:gs pos="100000">
+              <a:schemeClr val="phClr">
+                <a:lumMod val="105000"/>
+                <a:satMod val="109000"/>
+                <a:tint val="81000"/>
+              </a:schemeClr>
+            </a:gs>
+          </a:gsLst>
+          <a:lin ang="5400000" scaled="0"/>
+        </a:gradFill>
+        <a:gradFill rotWithShape="1">
+          <a:gsLst>
+            <a:gs pos="0">
+              <a:schemeClr val="phClr">
+                <a:satMod val="103000"/>
+                <a:lumMod val="102000"/>
+                <a:tint val="94000"/>
+              </a:schemeClr>
+            </a:gs>
+            <a:gs pos="50000">
+              <a:schemeClr val="phClr">
+                <a:satMod val="110000"/>
+                <a:lumMod val="100000"/>
+                <a:shade val="100000"/>
+              </a:schemeClr>
+            </a:gs>
+            <a:gs pos="100000">
+              <a:schemeClr val="phClr">
+                <a:lumMod val="99000"/>
+                <a:satMod val="120000"/>
+                <a:shade val="78000"/>
+              </a:schemeClr>
+            </a:gs>
+          </a:gsLst>
+          <a:lin ang="5400000" scaled="0"/>
+        </a:gradFill>
+      </a:fillStyleLst>
+      <a:lnStyleLst>
+        <a:ln w="6350" cap="flat" cmpd="sng" algn="ctr">
+          <a:solidFill>
+            <a:schemeClr val="phClr"/>
+          </a:solidFill>
+          <a:prstDash val="solid"/>
+          <a:miter lim="800000"/>
+        </a:ln>
+        <a:ln w="12700" cap="flat" cmpd="sng" algn="ctr">
+          <a:solidFill>
+            <a:schemeClr val="phClr"/>
+          </a:solidFill>
+          <a:prstDash val="solid"/>
+          <a:miter lim="800000"/>
+        </a:ln>
+        <a:ln w="19050" cap="flat" cmpd="sng" algn="ctr">
+          <a:solidFill>
+            <a:schemeClr val="phClr"/>
+          </a:solidFill>
+          <a:prstDash val="solid"/>
+          <a:miter lim="800000"/>
+        </a:ln>
+      </a:lnStyleLst>
+      <a:effectStyleLst>
+        <a:effectStyle>
+          <a:effectLst/>
+        </a:effectStyle>
+        <a:effectStyle>
+          <a:effectLst/>
+        </a:effectStyle>
+        <a:effectStyle>
+          <a:effectLst>
+            <a:outerShdw blurRad="57150" dist="19050" dir="5400000" algn="ctr" rotWithShape="0">
+              <a:srgbClr val="000000">
+                <a:alpha val="63000"/>
+              </a:srgbClr>
+            </a:outerShdw>
+          </a:effectLst>
+        </a:effectStyle>
+      </a:effectStyleLst>
+      <a:bgFillStyleLst>
+        <a:solidFill>
+          <a:schemeClr val="phClr"/>
+        </a:solidFill>
+        <a:solidFill>
+          <a:schemeClr val="phClr">
+            <a:tint val="95000"/>
+            <a:satMod val="170000"/>
+          </a:schemeClr>
+        </a:solidFill>
+        <a:gradFill rotWithShape="1">
+          <a:gsLst>
+            <a:gs pos="0">
+              <a:schemeClr val="phClr">
+                <a:tint val="93000"/>
+                <a:satMod val="150000"/>
+                <a:shade val="98000"/>
+                <a:lumMod val="102000"/>
+              </a:schemeClr>
+            </a:gs>
+            <a:gs pos="50000">
+              <a:schemeClr val="phClr">
+                <a:tint val="98000"/>
+                <a:satMod val="130000"/>
+                <a:shade val="90000"/>
+                <a:lumMod val="103000"/>
+              </a:schemeClr>
+            </a:gs>
+            <a:gs pos="100000">
+              <a:schemeClr val="phClr">
+                <a:shade val="63000"/>
+                <a:satMod val="120000"/>
+              </a:schemeClr>
+            </a:gs>
+          </a:gsLst>
+          <a:lin ang="5400000" scaled="0"/>
+        </a:gradFill>
+      </a:bgFillStyleLst>
+    </a:fmtScheme>
+  </a:themeElements>
+  <a:objectDefaults/>
+  <a:extraClrSchemeLst/>
+  <a:extLst>
+    <a:ext uri="{05A4C25C-085E-4340-85A3-A5531E510DB2}">
+      <thm15:themeFamily xmlns:thm15="http://schemas.microsoft.com/office/thememl/2012/main" name="Office Theme" id="{62F939B6-93AF-4DB8-9C6B-D6C7DFDC589F}" vid="{4A3C46E8-61CC-4603-A589-7422A47A8E4A}"/>
+    </a:ext>
+  </a:extLst>
+</a:theme>
 </file>